--- a/images/research_overview.pptx
+++ b/images/research_overview.pptx
@@ -197,7 +197,7 @@
           <a:p>
             <a:fld id="{0E3E8DD7-51EF-413F-85DD-C58BCCC71AB3}" type="datetimeFigureOut">
               <a:rPr lang="en-US" smtClean="0"/>
-              <a:t>7/15/24</a:t>
+              <a:t>7/26/24</a:t>
             </a:fld>
             <a:endParaRPr lang="en-US"/>
           </a:p>
@@ -710,7 +710,7 @@
           <a:p>
             <a:fld id="{F870375C-8B6C-4966-B860-304F40EC336C}" type="datetimeFigureOut">
               <a:rPr lang="en-US" smtClean="0"/>
-              <a:t>7/15/24</a:t>
+              <a:t>7/26/24</a:t>
             </a:fld>
             <a:endParaRPr lang="en-US"/>
           </a:p>
@@ -880,7 +880,7 @@
           <a:p>
             <a:fld id="{F870375C-8B6C-4966-B860-304F40EC336C}" type="datetimeFigureOut">
               <a:rPr lang="en-US" smtClean="0"/>
-              <a:t>7/15/24</a:t>
+              <a:t>7/26/24</a:t>
             </a:fld>
             <a:endParaRPr lang="en-US"/>
           </a:p>
@@ -1060,7 +1060,7 @@
           <a:p>
             <a:fld id="{F870375C-8B6C-4966-B860-304F40EC336C}" type="datetimeFigureOut">
               <a:rPr lang="en-US" smtClean="0"/>
-              <a:t>7/15/24</a:t>
+              <a:t>7/26/24</a:t>
             </a:fld>
             <a:endParaRPr lang="en-US"/>
           </a:p>
@@ -1230,7 +1230,7 @@
           <a:p>
             <a:fld id="{F870375C-8B6C-4966-B860-304F40EC336C}" type="datetimeFigureOut">
               <a:rPr lang="en-US" smtClean="0"/>
-              <a:t>7/15/24</a:t>
+              <a:t>7/26/24</a:t>
             </a:fld>
             <a:endParaRPr lang="en-US"/>
           </a:p>
@@ -1476,7 +1476,7 @@
           <a:p>
             <a:fld id="{F870375C-8B6C-4966-B860-304F40EC336C}" type="datetimeFigureOut">
               <a:rPr lang="en-US" smtClean="0"/>
-              <a:t>7/15/24</a:t>
+              <a:t>7/26/24</a:t>
             </a:fld>
             <a:endParaRPr lang="en-US"/>
           </a:p>
@@ -1708,7 +1708,7 @@
           <a:p>
             <a:fld id="{F870375C-8B6C-4966-B860-304F40EC336C}" type="datetimeFigureOut">
               <a:rPr lang="en-US" smtClean="0"/>
-              <a:t>7/15/24</a:t>
+              <a:t>7/26/24</a:t>
             </a:fld>
             <a:endParaRPr lang="en-US"/>
           </a:p>
@@ -2075,7 +2075,7 @@
           <a:p>
             <a:fld id="{F870375C-8B6C-4966-B860-304F40EC336C}" type="datetimeFigureOut">
               <a:rPr lang="en-US" smtClean="0"/>
-              <a:t>7/15/24</a:t>
+              <a:t>7/26/24</a:t>
             </a:fld>
             <a:endParaRPr lang="en-US"/>
           </a:p>
@@ -2193,7 +2193,7 @@
           <a:p>
             <a:fld id="{F870375C-8B6C-4966-B860-304F40EC336C}" type="datetimeFigureOut">
               <a:rPr lang="en-US" smtClean="0"/>
-              <a:t>7/15/24</a:t>
+              <a:t>7/26/24</a:t>
             </a:fld>
             <a:endParaRPr lang="en-US"/>
           </a:p>
@@ -2288,7 +2288,7 @@
           <a:p>
             <a:fld id="{F870375C-8B6C-4966-B860-304F40EC336C}" type="datetimeFigureOut">
               <a:rPr lang="en-US" smtClean="0"/>
-              <a:t>7/15/24</a:t>
+              <a:t>7/26/24</a:t>
             </a:fld>
             <a:endParaRPr lang="en-US"/>
           </a:p>
@@ -2565,7 +2565,7 @@
           <a:p>
             <a:fld id="{F870375C-8B6C-4966-B860-304F40EC336C}" type="datetimeFigureOut">
               <a:rPr lang="en-US" smtClean="0"/>
-              <a:t>7/15/24</a:t>
+              <a:t>7/26/24</a:t>
             </a:fld>
             <a:endParaRPr lang="en-US"/>
           </a:p>
@@ -2822,7 +2822,7 @@
           <a:p>
             <a:fld id="{F870375C-8B6C-4966-B860-304F40EC336C}" type="datetimeFigureOut">
               <a:rPr lang="en-US" smtClean="0"/>
-              <a:t>7/15/24</a:t>
+              <a:t>7/26/24</a:t>
             </a:fld>
             <a:endParaRPr lang="en-US"/>
           </a:p>
@@ -3035,7 +3035,7 @@
           <a:p>
             <a:fld id="{F870375C-8B6C-4966-B860-304F40EC336C}" type="datetimeFigureOut">
               <a:rPr lang="en-US" smtClean="0"/>
-              <a:t>7/15/24</a:t>
+              <a:t>7/26/24</a:t>
             </a:fld>
             <a:endParaRPr lang="en-US"/>
           </a:p>
@@ -3619,12 +3619,260 @@
           </p:txBody>
         </p:sp>
       </p:grpSp>
+      <p:sp>
+        <p:nvSpPr>
+          <p:cNvPr id="1197" name="Rectangle: Rounded Corners 1196">
+            <a:extLst>
+              <a:ext uri="{FF2B5EF4-FFF2-40B4-BE49-F238E27FC236}">
+                <a16:creationId xmlns:a16="http://schemas.microsoft.com/office/drawing/2014/main" id="{8AB99F17-E189-C8EE-CB47-F44419E7F826}"/>
+              </a:ext>
+            </a:extLst>
+          </p:cNvPr>
+          <p:cNvSpPr/>
+          <p:nvPr/>
+        </p:nvSpPr>
+        <p:spPr>
+          <a:xfrm>
+            <a:off x="30516" y="208089"/>
+            <a:ext cx="2145170" cy="2595881"/>
+          </a:xfrm>
+          <a:prstGeom prst="roundRect">
+            <a:avLst>
+              <a:gd name="adj" fmla="val 8264"/>
+            </a:avLst>
+          </a:prstGeom>
+          <a:solidFill>
+            <a:schemeClr val="accent5">
+              <a:lumMod val="20000"/>
+              <a:lumOff val="80000"/>
+            </a:schemeClr>
+          </a:solidFill>
+          <a:ln>
+            <a:noFill/>
+          </a:ln>
+        </p:spPr>
+        <p:style>
+          <a:lnRef idx="2">
+            <a:schemeClr val="accent1">
+              <a:shade val="50000"/>
+            </a:schemeClr>
+          </a:lnRef>
+          <a:fillRef idx="1">
+            <a:schemeClr val="accent1"/>
+          </a:fillRef>
+          <a:effectRef idx="0">
+            <a:schemeClr val="accent1"/>
+          </a:effectRef>
+          <a:fontRef idx="minor">
+            <a:schemeClr val="lt1"/>
+          </a:fontRef>
+        </p:style>
+        <p:txBody>
+          <a:bodyPr rtlCol="0" anchor="ctr"/>
+          <a:lstStyle/>
+          <a:p>
+            <a:pPr algn="ctr"/>
+            <a:endParaRPr lang="en-US" dirty="0">
+              <a:latin typeface="Segoe UI" panose="020B0502040204020203" pitchFamily="34" charset="0"/>
+              <a:ea typeface="Linux Libertine" panose="02000503000000000000" pitchFamily="2" charset="0"/>
+              <a:cs typeface="Segoe UI" panose="020B0502040204020203" pitchFamily="34" charset="0"/>
+            </a:endParaRPr>
+          </a:p>
+        </p:txBody>
+      </p:sp>
+      <p:sp>
+        <p:nvSpPr>
+          <p:cNvPr id="21" name="TextBox 20">
+            <a:extLst>
+              <a:ext uri="{FF2B5EF4-FFF2-40B4-BE49-F238E27FC236}">
+                <a16:creationId xmlns:a16="http://schemas.microsoft.com/office/drawing/2014/main" id="{3FF3E58E-6025-BDCE-7059-3A2BC79AAB8B}"/>
+              </a:ext>
+            </a:extLst>
+          </p:cNvPr>
+          <p:cNvSpPr txBox="1"/>
+          <p:nvPr/>
+        </p:nvSpPr>
+        <p:spPr>
+          <a:xfrm>
+            <a:off x="83482" y="582145"/>
+            <a:ext cx="2034769" cy="442690"/>
+          </a:xfrm>
+          <a:prstGeom prst="rect">
+            <a:avLst/>
+          </a:prstGeom>
+          <a:noFill/>
+        </p:spPr>
+        <p:txBody>
+          <a:bodyPr wrap="square" lIns="0" tIns="0" rIns="0" bIns="0" rtlCol="0">
+            <a:noAutofit/>
+          </a:bodyPr>
+          <a:lstStyle/>
+          <a:p>
+            <a:pPr algn="ctr"/>
+            <a:r>
+              <a:rPr lang="en-US" sz="1400" dirty="0">
+                <a:solidFill>
+                  <a:schemeClr val="accent5">
+                    <a:lumMod val="50000"/>
+                  </a:schemeClr>
+                </a:solidFill>
+                <a:latin typeface="Segoe UI" panose="020B0502040204020203" pitchFamily="34" charset="0"/>
+                <a:ea typeface="Linux Libertine" panose="02000503000000000000" pitchFamily="2" charset="0"/>
+                <a:cs typeface="Segoe UI" panose="020B0502040204020203" pitchFamily="34" charset="0"/>
+              </a:rPr>
+              <a:t>Cameras that </a:t>
+            </a:r>
+            <a:r>
+              <a:rPr lang="en-US" sz="1400" u="sng" dirty="0">
+                <a:solidFill>
+                  <a:schemeClr val="accent5">
+                    <a:lumMod val="50000"/>
+                  </a:schemeClr>
+                </a:solidFill>
+                <a:latin typeface="Segoe UI" panose="020B0502040204020203" pitchFamily="34" charset="0"/>
+                <a:ea typeface="Linux Libertine" panose="02000503000000000000" pitchFamily="2" charset="0"/>
+                <a:cs typeface="Segoe UI" panose="020B0502040204020203" pitchFamily="34" charset="0"/>
+              </a:rPr>
+              <a:t>capture</a:t>
+            </a:r>
+            <a:r>
+              <a:rPr lang="en-US" sz="1400" dirty="0">
+                <a:solidFill>
+                  <a:schemeClr val="accent5">
+                    <a:lumMod val="50000"/>
+                  </a:schemeClr>
+                </a:solidFill>
+                <a:latin typeface="Segoe UI" panose="020B0502040204020203" pitchFamily="34" charset="0"/>
+                <a:ea typeface="Linux Libertine" panose="02000503000000000000" pitchFamily="2" charset="0"/>
+                <a:cs typeface="Segoe UI" panose="020B0502040204020203" pitchFamily="34" charset="0"/>
+              </a:rPr>
+              <a:t> </a:t>
+            </a:r>
+            <a:br>
+              <a:rPr lang="en-US" sz="1400" dirty="0">
+                <a:solidFill>
+                  <a:schemeClr val="accent5">
+                    <a:lumMod val="50000"/>
+                  </a:schemeClr>
+                </a:solidFill>
+                <a:latin typeface="Segoe UI" panose="020B0502040204020203" pitchFamily="34" charset="0"/>
+                <a:ea typeface="Linux Libertine" panose="02000503000000000000" pitchFamily="2" charset="0"/>
+                <a:cs typeface="Segoe UI" panose="020B0502040204020203" pitchFamily="34" charset="0"/>
+              </a:rPr>
+            </a:br>
+            <a:r>
+              <a:rPr lang="en-US" sz="1400" dirty="0">
+                <a:solidFill>
+                  <a:schemeClr val="accent5">
+                    <a:lumMod val="50000"/>
+                  </a:schemeClr>
+                </a:solidFill>
+                <a:latin typeface="Segoe UI" panose="020B0502040204020203" pitchFamily="34" charset="0"/>
+                <a:ea typeface="Linux Libertine" panose="02000503000000000000" pitchFamily="2" charset="0"/>
+                <a:cs typeface="Segoe UI" panose="020B0502040204020203" pitchFamily="34" charset="0"/>
+              </a:rPr>
+              <a:t>unique light properties</a:t>
+            </a:r>
+          </a:p>
+        </p:txBody>
+      </p:sp>
+      <p:sp>
+        <p:nvSpPr>
+          <p:cNvPr id="1029" name="TextBox 1028">
+            <a:extLst>
+              <a:ext uri="{FF2B5EF4-FFF2-40B4-BE49-F238E27FC236}">
+                <a16:creationId xmlns:a16="http://schemas.microsoft.com/office/drawing/2014/main" id="{4EF00B8E-050C-ADBC-4091-25CFB21ADFC0}"/>
+              </a:ext>
+            </a:extLst>
+          </p:cNvPr>
+          <p:cNvSpPr txBox="1"/>
+          <p:nvPr/>
+        </p:nvSpPr>
+        <p:spPr>
+          <a:xfrm>
+            <a:off x="174867" y="31308"/>
+            <a:ext cx="1810771" cy="534136"/>
+          </a:xfrm>
+          <a:prstGeom prst="roundRect">
+            <a:avLst>
+              <a:gd name="adj" fmla="val 20156"/>
+            </a:avLst>
+          </a:prstGeom>
+        </p:spPr>
+        <p:style>
+          <a:lnRef idx="3">
+            <a:schemeClr val="lt1"/>
+          </a:lnRef>
+          <a:fillRef idx="1">
+            <a:schemeClr val="accent5"/>
+          </a:fillRef>
+          <a:effectRef idx="1">
+            <a:schemeClr val="accent5"/>
+          </a:effectRef>
+          <a:fontRef idx="minor">
+            <a:schemeClr val="lt1"/>
+          </a:fontRef>
+        </p:style>
+        <p:txBody>
+          <a:bodyPr wrap="square" lIns="0" tIns="0" rIns="0" bIns="0" rtlCol="0" anchor="ctr" anchorCtr="0">
+            <a:noAutofit/>
+          </a:bodyPr>
+          <a:lstStyle/>
+          <a:p>
+            <a:pPr algn="ctr"/>
+            <a:r>
+              <a:rPr lang="en-US" sz="1600" dirty="0">
+                <a:latin typeface="Segoe UI" panose="020B0502040204020203" pitchFamily="34" charset="0"/>
+                <a:ea typeface="Linux Libertine" panose="02000503000000000000" pitchFamily="2" charset="0"/>
+                <a:cs typeface="Segoe UI" panose="020B0502040204020203" pitchFamily="34" charset="0"/>
+              </a:rPr>
+              <a:t>Computational Imaging</a:t>
+            </a:r>
+          </a:p>
+        </p:txBody>
+      </p:sp>
+      <p:pic>
+        <p:nvPicPr>
+          <p:cNvPr id="2" name="Graphic 1">
+            <a:extLst>
+              <a:ext uri="{FF2B5EF4-FFF2-40B4-BE49-F238E27FC236}">
+                <a16:creationId xmlns:a16="http://schemas.microsoft.com/office/drawing/2014/main" id="{81A1F06D-5D3A-910D-60A8-46C138FA388E}"/>
+              </a:ext>
+            </a:extLst>
+          </p:cNvPr>
+          <p:cNvPicPr>
+            <a:picLocks noChangeAspect="1"/>
+          </p:cNvPicPr>
+          <p:nvPr/>
+        </p:nvPicPr>
+        <p:blipFill>
+          <a:blip r:embed="rId3">
+            <a:extLst>
+              <a:ext uri="{96DAC541-7B7A-43D3-8B79-37D633B846F1}">
+                <asvg:svgBlip xmlns:asvg="http://schemas.microsoft.com/office/drawing/2016/SVG/main" r:embed="rId4"/>
+              </a:ext>
+            </a:extLst>
+          </a:blip>
+          <a:stretch>
+            <a:fillRect/>
+          </a:stretch>
+        </p:blipFill>
+        <p:spPr>
+          <a:xfrm>
+            <a:off x="1025253" y="1097620"/>
+            <a:ext cx="719684" cy="741030"/>
+          </a:xfrm>
+          <a:prstGeom prst="rect">
+            <a:avLst/>
+          </a:prstGeom>
+        </p:spPr>
+      </p:pic>
       <p:grpSp>
         <p:nvGrpSpPr>
-          <p:cNvPr id="38" name="Group 37">
+          <p:cNvPr id="3" name="Group 2">
             <a:extLst>
               <a:ext uri="{FF2B5EF4-FFF2-40B4-BE49-F238E27FC236}">
-                <a16:creationId xmlns:a16="http://schemas.microsoft.com/office/drawing/2014/main" id="{4C5F2E89-6C6B-9496-363C-56833F1525F9}"/>
+                <a16:creationId xmlns:a16="http://schemas.microsoft.com/office/drawing/2014/main" id="{F95C2623-A4E4-48B8-0BBF-830A526E9098}"/>
               </a:ext>
             </a:extLst>
           </p:cNvPr>
@@ -3633,18 +3881,946 @@
         </p:nvGrpSpPr>
         <p:grpSpPr>
           <a:xfrm>
-            <a:off x="30516" y="28637"/>
-            <a:ext cx="6893298" cy="2778004"/>
-            <a:chOff x="30516" y="28637"/>
-            <a:chExt cx="6893298" cy="2778004"/>
+            <a:off x="344884" y="1186123"/>
+            <a:ext cx="644273" cy="293447"/>
+            <a:chOff x="3747799" y="1443901"/>
+            <a:chExt cx="644273" cy="293447"/>
           </a:xfrm>
         </p:grpSpPr>
         <p:grpSp>
           <p:nvGrpSpPr>
-            <p:cNvPr id="61" name="Group 60">
+            <p:cNvPr id="4" name="Group 3">
               <a:extLst>
                 <a:ext uri="{FF2B5EF4-FFF2-40B4-BE49-F238E27FC236}">
-                  <a16:creationId xmlns:a16="http://schemas.microsoft.com/office/drawing/2014/main" id="{F0F03FB5-8B70-E4F8-9D87-652956CD545F}"/>
+                  <a16:creationId xmlns:a16="http://schemas.microsoft.com/office/drawing/2014/main" id="{EF2E735C-15DE-A6B5-2EAD-2E22056B4396}"/>
+                </a:ext>
+              </a:extLst>
+            </p:cNvPr>
+            <p:cNvGrpSpPr/>
+            <p:nvPr/>
+          </p:nvGrpSpPr>
+          <p:grpSpPr>
+            <a:xfrm rot="2426354">
+              <a:off x="3747799" y="1443901"/>
+              <a:ext cx="605810" cy="293447"/>
+              <a:chOff x="1048747" y="3024435"/>
+              <a:chExt cx="1758409" cy="851751"/>
+            </a:xfrm>
+          </p:grpSpPr>
+          <p:pic>
+            <p:nvPicPr>
+              <p:cNvPr id="7" name="Picture 6" descr="Shape&#10;&#10;Description automatically generated with low confidence">
+                <a:extLst>
+                  <a:ext uri="{FF2B5EF4-FFF2-40B4-BE49-F238E27FC236}">
+                    <a16:creationId xmlns:a16="http://schemas.microsoft.com/office/drawing/2014/main" id="{90C0ADD0-4FBC-C120-9354-1D4600C49791}"/>
+                  </a:ext>
+                </a:extLst>
+              </p:cNvPr>
+              <p:cNvPicPr>
+                <a:picLocks noChangeAspect="1"/>
+              </p:cNvPicPr>
+              <p:nvPr/>
+            </p:nvPicPr>
+            <p:blipFill rotWithShape="1">
+              <a:blip r:embed="rId5">
+                <a:duotone>
+                  <a:schemeClr val="accent2">
+                    <a:shade val="45000"/>
+                    <a:satMod val="135000"/>
+                  </a:schemeClr>
+                  <a:prstClr val="white"/>
+                </a:duotone>
+                <a:extLst>
+                  <a:ext uri="{28A0092B-C50C-407E-A947-70E740481C1C}">
+                    <a14:useLocalDpi xmlns:a14="http://schemas.microsoft.com/office/drawing/2010/main" val="0"/>
+                  </a:ext>
+                </a:extLst>
+              </a:blip>
+              <a:srcRect l="19118" t="26464" b="37566"/>
+              <a:stretch/>
+            </p:blipFill>
+            <p:spPr>
+              <a:xfrm rot="20201210">
+                <a:off x="1048747" y="3257496"/>
+                <a:ext cx="1095789" cy="618690"/>
+              </a:xfrm>
+              <a:prstGeom prst="rect">
+                <a:avLst/>
+              </a:prstGeom>
+            </p:spPr>
+          </p:pic>
+          <p:pic>
+            <p:nvPicPr>
+              <p:cNvPr id="8" name="Picture 7" descr="Shape&#10;&#10;Description automatically generated with low confidence">
+                <a:extLst>
+                  <a:ext uri="{FF2B5EF4-FFF2-40B4-BE49-F238E27FC236}">
+                    <a16:creationId xmlns:a16="http://schemas.microsoft.com/office/drawing/2014/main" id="{576598B4-1207-512C-C347-BF3455342442}"/>
+                  </a:ext>
+                </a:extLst>
+              </p:cNvPr>
+              <p:cNvPicPr>
+                <a:picLocks noChangeAspect="1"/>
+              </p:cNvPicPr>
+              <p:nvPr/>
+            </p:nvPicPr>
+            <p:blipFill rotWithShape="1">
+              <a:blip r:embed="rId5">
+                <a:duotone>
+                  <a:schemeClr val="accent2">
+                    <a:shade val="45000"/>
+                    <a:satMod val="135000"/>
+                  </a:schemeClr>
+                  <a:prstClr val="white"/>
+                </a:duotone>
+                <a:extLst>
+                  <a:ext uri="{28A0092B-C50C-407E-A947-70E740481C1C}">
+                    <a14:useLocalDpi xmlns:a14="http://schemas.microsoft.com/office/drawing/2010/main" val="0"/>
+                  </a:ext>
+                </a:extLst>
+              </a:blip>
+              <a:srcRect t="26464" b="37566"/>
+              <a:stretch/>
+            </p:blipFill>
+            <p:spPr>
+              <a:xfrm rot="20201210">
+                <a:off x="1452358" y="3024435"/>
+                <a:ext cx="1354798" cy="618690"/>
+              </a:xfrm>
+              <a:prstGeom prst="rect">
+                <a:avLst/>
+              </a:prstGeom>
+            </p:spPr>
+          </p:pic>
+        </p:grpSp>
+        <p:cxnSp>
+          <p:nvCxnSpPr>
+            <p:cNvPr id="5" name="Straight Arrow Connector 4">
+              <a:extLst>
+                <a:ext uri="{FF2B5EF4-FFF2-40B4-BE49-F238E27FC236}">
+                  <a16:creationId xmlns:a16="http://schemas.microsoft.com/office/drawing/2014/main" id="{B15AF6D7-A23E-3B02-6F7D-8AB296DE39E0}"/>
+                </a:ext>
+              </a:extLst>
+            </p:cNvPr>
+            <p:cNvCxnSpPr>
+              <a:cxnSpLocks/>
+            </p:cNvCxnSpPr>
+            <p:nvPr/>
+          </p:nvCxnSpPr>
+          <p:spPr>
+            <a:xfrm>
+              <a:off x="3796777" y="1485111"/>
+              <a:ext cx="595295" cy="182334"/>
+            </a:xfrm>
+            <a:prstGeom prst="straightConnector1">
+              <a:avLst/>
+            </a:prstGeom>
+            <a:ln w="19050">
+              <a:solidFill>
+                <a:schemeClr val="accent4">
+                  <a:lumMod val="75000"/>
+                </a:schemeClr>
+              </a:solidFill>
+              <a:tailEnd type="triangle"/>
+            </a:ln>
+          </p:spPr>
+          <p:style>
+            <a:lnRef idx="1">
+              <a:schemeClr val="accent1"/>
+            </a:lnRef>
+            <a:fillRef idx="0">
+              <a:schemeClr val="accent1"/>
+            </a:fillRef>
+            <a:effectRef idx="0">
+              <a:schemeClr val="accent1"/>
+            </a:effectRef>
+            <a:fontRef idx="minor">
+              <a:schemeClr val="tx1"/>
+            </a:fontRef>
+          </p:style>
+        </p:cxnSp>
+      </p:grpSp>
+      <p:sp>
+        <p:nvSpPr>
+          <p:cNvPr id="1145" name="TextBox 1144">
+            <a:extLst>
+              <a:ext uri="{FF2B5EF4-FFF2-40B4-BE49-F238E27FC236}">
+                <a16:creationId xmlns:a16="http://schemas.microsoft.com/office/drawing/2014/main" id="{3996E979-B7C7-F8AE-ED55-46F70AC8E4EE}"/>
+              </a:ext>
+            </a:extLst>
+          </p:cNvPr>
+          <p:cNvSpPr txBox="1"/>
+          <p:nvPr/>
+        </p:nvSpPr>
+        <p:spPr>
+          <a:xfrm>
+            <a:off x="92099" y="1935269"/>
+            <a:ext cx="2014936" cy="209388"/>
+          </a:xfrm>
+          <a:prstGeom prst="roundRect">
+            <a:avLst>
+              <a:gd name="adj" fmla="val 50000"/>
+            </a:avLst>
+          </a:prstGeom>
+          <a:solidFill>
+            <a:schemeClr val="bg1">
+              <a:alpha val="50000"/>
+            </a:schemeClr>
+          </a:solidFill>
+        </p:spPr>
+        <p:txBody>
+          <a:bodyPr wrap="square" lIns="0" tIns="0" rIns="0" bIns="0" rtlCol="0" anchor="ctr" anchorCtr="0">
+            <a:noAutofit/>
+          </a:bodyPr>
+          <a:lstStyle/>
+          <a:p>
+            <a:pPr algn="ctr"/>
+            <a:r>
+              <a:rPr lang="en-US" sz="1300" b="1" dirty="0">
+                <a:latin typeface="Segoe UI Semibold" panose="020B0502040204020203" pitchFamily="34" charset="0"/>
+                <a:ea typeface="Linux Libertine" panose="02000503000000000000" pitchFamily="2" charset="0"/>
+                <a:cs typeface="Segoe UI Semibold" panose="020B0502040204020203" pitchFamily="34" charset="0"/>
+              </a:rPr>
+              <a:t>Polarization</a:t>
+            </a:r>
+          </a:p>
+        </p:txBody>
+      </p:sp>
+      <p:sp>
+        <p:nvSpPr>
+          <p:cNvPr id="1192" name="TextBox 1191">
+            <a:extLst>
+              <a:ext uri="{FF2B5EF4-FFF2-40B4-BE49-F238E27FC236}">
+                <a16:creationId xmlns:a16="http://schemas.microsoft.com/office/drawing/2014/main" id="{085E26E8-8F9B-BD96-1CED-44B61B924EAD}"/>
+              </a:ext>
+            </a:extLst>
+          </p:cNvPr>
+          <p:cNvSpPr txBox="1"/>
+          <p:nvPr/>
+        </p:nvSpPr>
+        <p:spPr>
+          <a:xfrm>
+            <a:off x="92104" y="2507432"/>
+            <a:ext cx="2014937" cy="215449"/>
+          </a:xfrm>
+          <a:prstGeom prst="roundRect">
+            <a:avLst>
+              <a:gd name="adj" fmla="val 50000"/>
+            </a:avLst>
+          </a:prstGeom>
+          <a:solidFill>
+            <a:schemeClr val="bg1">
+              <a:alpha val="50000"/>
+            </a:schemeClr>
+          </a:solidFill>
+        </p:spPr>
+        <p:txBody>
+          <a:bodyPr wrap="square" lIns="0" tIns="0" rIns="0" bIns="0" rtlCol="0" anchor="ctr" anchorCtr="0">
+            <a:noAutofit/>
+          </a:bodyPr>
+          <a:lstStyle/>
+          <a:p>
+            <a:pPr algn="ctr"/>
+            <a:r>
+              <a:rPr lang="en-US" sz="1300" b="1" dirty="0">
+                <a:latin typeface="Segoe UI Semibold" panose="020B0502040204020203" pitchFamily="34" charset="0"/>
+                <a:ea typeface="Linux Libertine" panose="02000503000000000000" pitchFamily="2" charset="0"/>
+                <a:cs typeface="Segoe UI Semibold" panose="020B0502040204020203" pitchFamily="34" charset="0"/>
+              </a:rPr>
+              <a:t>Single-photon Statistics</a:t>
+            </a:r>
+          </a:p>
+        </p:txBody>
+      </p:sp>
+      <p:sp>
+        <p:nvSpPr>
+          <p:cNvPr id="1193" name="TextBox 1192">
+            <a:extLst>
+              <a:ext uri="{FF2B5EF4-FFF2-40B4-BE49-F238E27FC236}">
+                <a16:creationId xmlns:a16="http://schemas.microsoft.com/office/drawing/2014/main" id="{74F0C6B7-7501-8EFC-6E5F-92350ED8B6EC}"/>
+              </a:ext>
+            </a:extLst>
+          </p:cNvPr>
+          <p:cNvSpPr txBox="1"/>
+          <p:nvPr/>
+        </p:nvSpPr>
+        <p:spPr>
+          <a:xfrm>
+            <a:off x="92099" y="2218367"/>
+            <a:ext cx="2026616" cy="215449"/>
+          </a:xfrm>
+          <a:prstGeom prst="roundRect">
+            <a:avLst>
+              <a:gd name="adj" fmla="val 50000"/>
+            </a:avLst>
+          </a:prstGeom>
+          <a:solidFill>
+            <a:schemeClr val="bg1">
+              <a:alpha val="50000"/>
+            </a:schemeClr>
+          </a:solidFill>
+        </p:spPr>
+        <p:txBody>
+          <a:bodyPr wrap="square" lIns="0" tIns="0" rIns="0" bIns="0" rtlCol="0" anchor="ctr" anchorCtr="0">
+            <a:noAutofit/>
+          </a:bodyPr>
+          <a:lstStyle/>
+          <a:p>
+            <a:pPr algn="ctr"/>
+            <a:r>
+              <a:rPr lang="en-US" sz="1300" b="1" dirty="0">
+                <a:latin typeface="Segoe UI Semibold" panose="020B0502040204020203" pitchFamily="34" charset="0"/>
+                <a:ea typeface="Linux Libertine" panose="02000503000000000000" pitchFamily="2" charset="0"/>
+                <a:cs typeface="Segoe UI Semibold" panose="020B0502040204020203" pitchFamily="34" charset="0"/>
+              </a:rPr>
+              <a:t>Time of Flight</a:t>
+            </a:r>
+          </a:p>
+        </p:txBody>
+      </p:sp>
+      <p:grpSp>
+        <p:nvGrpSpPr>
+          <p:cNvPr id="1215" name="Group 1214">
+            <a:extLst>
+              <a:ext uri="{FF2B5EF4-FFF2-40B4-BE49-F238E27FC236}">
+                <a16:creationId xmlns:a16="http://schemas.microsoft.com/office/drawing/2014/main" id="{B2E18140-5A0E-067A-695E-F3CED0ACBC61}"/>
+              </a:ext>
+            </a:extLst>
+          </p:cNvPr>
+          <p:cNvGrpSpPr/>
+          <p:nvPr/>
+        </p:nvGrpSpPr>
+        <p:grpSpPr>
+          <a:xfrm>
+            <a:off x="2412586" y="31311"/>
+            <a:ext cx="2138954" cy="2772657"/>
+            <a:chOff x="3379104" y="427068"/>
+            <a:chExt cx="2138954" cy="3160824"/>
+          </a:xfrm>
+        </p:grpSpPr>
+        <p:sp>
+          <p:nvSpPr>
+            <p:cNvPr id="1200" name="Rectangle: Rounded Corners 1199">
+              <a:extLst>
+                <a:ext uri="{FF2B5EF4-FFF2-40B4-BE49-F238E27FC236}">
+                  <a16:creationId xmlns:a16="http://schemas.microsoft.com/office/drawing/2014/main" id="{96FC56C4-7A16-B344-8E36-ED5DC1445BED}"/>
+                </a:ext>
+              </a:extLst>
+            </p:cNvPr>
+            <p:cNvSpPr/>
+            <p:nvPr/>
+          </p:nvSpPr>
+          <p:spPr>
+            <a:xfrm>
+              <a:off x="3379104" y="664302"/>
+              <a:ext cx="2138954" cy="2923590"/>
+            </a:xfrm>
+            <a:prstGeom prst="roundRect">
+              <a:avLst>
+                <a:gd name="adj" fmla="val 8264"/>
+              </a:avLst>
+            </a:prstGeom>
+            <a:solidFill>
+              <a:schemeClr val="accent2">
+                <a:lumMod val="20000"/>
+                <a:lumOff val="80000"/>
+              </a:schemeClr>
+            </a:solidFill>
+            <a:ln>
+              <a:noFill/>
+            </a:ln>
+          </p:spPr>
+          <p:style>
+            <a:lnRef idx="2">
+              <a:schemeClr val="accent1">
+                <a:shade val="50000"/>
+              </a:schemeClr>
+            </a:lnRef>
+            <a:fillRef idx="1">
+              <a:schemeClr val="accent1"/>
+            </a:fillRef>
+            <a:effectRef idx="0">
+              <a:schemeClr val="accent1"/>
+            </a:effectRef>
+            <a:fontRef idx="minor">
+              <a:schemeClr val="lt1"/>
+            </a:fontRef>
+          </p:style>
+          <p:txBody>
+            <a:bodyPr rtlCol="0" anchor="ctr"/>
+            <a:lstStyle/>
+            <a:p>
+              <a:pPr algn="ctr"/>
+              <a:endParaRPr lang="en-US" dirty="0">
+                <a:latin typeface="Segoe UI" panose="020B0502040204020203" pitchFamily="34" charset="0"/>
+                <a:ea typeface="Linux Libertine" panose="02000503000000000000" pitchFamily="2" charset="0"/>
+                <a:cs typeface="Segoe UI" panose="020B0502040204020203" pitchFamily="34" charset="0"/>
+              </a:endParaRPr>
+            </a:p>
+          </p:txBody>
+        </p:sp>
+        <p:sp>
+          <p:nvSpPr>
+            <p:cNvPr id="1031" name="TextBox 1030">
+              <a:extLst>
+                <a:ext uri="{FF2B5EF4-FFF2-40B4-BE49-F238E27FC236}">
+                  <a16:creationId xmlns:a16="http://schemas.microsoft.com/office/drawing/2014/main" id="{D539C33D-E8C7-CC55-AF44-15719A6CE959}"/>
+                </a:ext>
+              </a:extLst>
+            </p:cNvPr>
+            <p:cNvSpPr txBox="1"/>
+            <p:nvPr/>
+          </p:nvSpPr>
+          <p:spPr>
+            <a:xfrm>
+              <a:off x="3527373" y="427068"/>
+              <a:ext cx="1858686" cy="608915"/>
+            </a:xfrm>
+            <a:prstGeom prst="roundRect">
+              <a:avLst/>
+            </a:prstGeom>
+            <a:ln/>
+          </p:spPr>
+          <p:style>
+            <a:lnRef idx="3">
+              <a:schemeClr val="lt1"/>
+            </a:lnRef>
+            <a:fillRef idx="1">
+              <a:schemeClr val="accent2"/>
+            </a:fillRef>
+            <a:effectRef idx="1">
+              <a:schemeClr val="accent2"/>
+            </a:effectRef>
+            <a:fontRef idx="minor">
+              <a:schemeClr val="lt1"/>
+            </a:fontRef>
+          </p:style>
+          <p:txBody>
+            <a:bodyPr wrap="square" lIns="0" tIns="0" rIns="0" bIns="0" rtlCol="0" anchor="ctr" anchorCtr="0">
+              <a:noAutofit/>
+            </a:bodyPr>
+            <a:lstStyle/>
+            <a:p>
+              <a:pPr algn="ctr"/>
+              <a:r>
+                <a:rPr lang="en-US" sz="1600" dirty="0">
+                  <a:latin typeface="Segoe UI" panose="020B0502040204020203" pitchFamily="34" charset="0"/>
+                  <a:ea typeface="Linux Libertine" panose="02000503000000000000" pitchFamily="2" charset="0"/>
+                  <a:cs typeface="Segoe UI" panose="020B0502040204020203" pitchFamily="34" charset="0"/>
+                </a:rPr>
+                <a:t>Physics-based Machine Learning</a:t>
+              </a:r>
+            </a:p>
+          </p:txBody>
+        </p:sp>
+        <p:sp>
+          <p:nvSpPr>
+            <p:cNvPr id="1032" name="TextBox 1031">
+              <a:extLst>
+                <a:ext uri="{FF2B5EF4-FFF2-40B4-BE49-F238E27FC236}">
+                  <a16:creationId xmlns:a16="http://schemas.microsoft.com/office/drawing/2014/main" id="{5DFA2662-F762-1722-EE1F-5BCBDC88AA4B}"/>
+                </a:ext>
+              </a:extLst>
+            </p:cNvPr>
+            <p:cNvSpPr txBox="1"/>
+            <p:nvPr/>
+          </p:nvSpPr>
+          <p:spPr>
+            <a:xfrm>
+              <a:off x="3426495" y="1062385"/>
+              <a:ext cx="2048512" cy="489937"/>
+            </a:xfrm>
+            <a:prstGeom prst="rect">
+              <a:avLst/>
+            </a:prstGeom>
+            <a:noFill/>
+          </p:spPr>
+          <p:txBody>
+            <a:bodyPr wrap="square" lIns="0" tIns="0" rIns="0" bIns="0" rtlCol="0">
+              <a:noAutofit/>
+            </a:bodyPr>
+            <a:lstStyle/>
+            <a:p>
+              <a:pPr algn="ctr"/>
+              <a:r>
+                <a:rPr lang="en-US" sz="1400" dirty="0">
+                  <a:solidFill>
+                    <a:schemeClr val="accent2">
+                      <a:lumMod val="50000"/>
+                    </a:schemeClr>
+                  </a:solidFill>
+                  <a:latin typeface="Segoe UI" panose="020B0502040204020203" pitchFamily="34" charset="0"/>
+                  <a:ea typeface="Linux Libertine" panose="02000503000000000000" pitchFamily="2" charset="0"/>
+                  <a:cs typeface="Segoe UI" panose="020B0502040204020203" pitchFamily="34" charset="0"/>
+                </a:rPr>
+                <a:t>AI that </a:t>
+              </a:r>
+              <a:r>
+                <a:rPr lang="en-US" sz="1400" u="sng" dirty="0">
+                  <a:solidFill>
+                    <a:schemeClr val="accent2">
+                      <a:lumMod val="50000"/>
+                    </a:schemeClr>
+                  </a:solidFill>
+                  <a:latin typeface="Segoe UI" panose="020B0502040204020203" pitchFamily="34" charset="0"/>
+                  <a:ea typeface="Linux Libertine" panose="02000503000000000000" pitchFamily="2" charset="0"/>
+                  <a:cs typeface="Segoe UI" panose="020B0502040204020203" pitchFamily="34" charset="0"/>
+                </a:rPr>
+                <a:t>analyzes</a:t>
+              </a:r>
+              <a:r>
+                <a:rPr lang="en-US" sz="1400" dirty="0">
+                  <a:solidFill>
+                    <a:schemeClr val="accent2">
+                      <a:lumMod val="50000"/>
+                    </a:schemeClr>
+                  </a:solidFill>
+                  <a:latin typeface="Segoe UI" panose="020B0502040204020203" pitchFamily="34" charset="0"/>
+                  <a:ea typeface="Linux Libertine" panose="02000503000000000000" pitchFamily="2" charset="0"/>
+                  <a:cs typeface="Segoe UI" panose="020B0502040204020203" pitchFamily="34" charset="0"/>
+                </a:rPr>
+                <a:t> </a:t>
+              </a:r>
+            </a:p>
+            <a:p>
+              <a:pPr algn="ctr"/>
+              <a:r>
+                <a:rPr lang="en-US" sz="1400" dirty="0">
+                  <a:solidFill>
+                    <a:schemeClr val="accent2">
+                      <a:lumMod val="50000"/>
+                    </a:schemeClr>
+                  </a:solidFill>
+                  <a:latin typeface="Segoe UI" panose="020B0502040204020203" pitchFamily="34" charset="0"/>
+                  <a:ea typeface="Linux Libertine" panose="02000503000000000000" pitchFamily="2" charset="0"/>
+                  <a:cs typeface="Segoe UI" panose="020B0502040204020203" pitchFamily="34" charset="0"/>
+                </a:rPr>
+                <a:t>the physics of light </a:t>
+              </a:r>
+            </a:p>
+          </p:txBody>
+        </p:sp>
+      </p:grpSp>
+      <p:grpSp>
+        <p:nvGrpSpPr>
+          <p:cNvPr id="1123" name="Group 1122">
+            <a:extLst>
+              <a:ext uri="{FF2B5EF4-FFF2-40B4-BE49-F238E27FC236}">
+                <a16:creationId xmlns:a16="http://schemas.microsoft.com/office/drawing/2014/main" id="{EA33BD20-9106-F5B1-BA0E-5277DC88C561}"/>
+              </a:ext>
+            </a:extLst>
+          </p:cNvPr>
+          <p:cNvGrpSpPr/>
+          <p:nvPr/>
+        </p:nvGrpSpPr>
+        <p:grpSpPr>
+          <a:xfrm>
+            <a:off x="2814731" y="1026576"/>
+            <a:ext cx="1405283" cy="803336"/>
+            <a:chOff x="6525971" y="1268445"/>
+            <a:chExt cx="1405283" cy="803336"/>
+          </a:xfrm>
+        </p:grpSpPr>
+        <p:pic>
+          <p:nvPicPr>
+            <p:cNvPr id="10" name="Graphic 9" descr="Dim (Smaller Sun) with solid fill">
+              <a:extLst>
+                <a:ext uri="{FF2B5EF4-FFF2-40B4-BE49-F238E27FC236}">
+                  <a16:creationId xmlns:a16="http://schemas.microsoft.com/office/drawing/2014/main" id="{2029C5DE-FBBD-E514-5C30-CDD41C6D7665}"/>
+                </a:ext>
+              </a:extLst>
+            </p:cNvPr>
+            <p:cNvPicPr>
+              <a:picLocks noChangeAspect="1"/>
+            </p:cNvPicPr>
+            <p:nvPr/>
+          </p:nvPicPr>
+          <p:blipFill>
+            <a:blip r:embed="rId6">
+              <a:extLst>
+                <a:ext uri="{28A0092B-C50C-407E-A947-70E740481C1C}">
+                  <a14:useLocalDpi xmlns:a14="http://schemas.microsoft.com/office/drawing/2010/main" val="0"/>
+                </a:ext>
+                <a:ext uri="{96DAC541-7B7A-43D3-8B79-37D633B846F1}">
+                  <asvg:svgBlip xmlns:asvg="http://schemas.microsoft.com/office/drawing/2016/SVG/main" r:embed="rId7"/>
+                </a:ext>
+              </a:extLst>
+            </a:blip>
+            <a:stretch>
+              <a:fillRect/>
+            </a:stretch>
+          </p:blipFill>
+          <p:spPr>
+            <a:xfrm flipH="1">
+              <a:off x="7590735" y="1357465"/>
+              <a:ext cx="340519" cy="340519"/>
+            </a:xfrm>
+            <a:prstGeom prst="rect">
+              <a:avLst/>
+            </a:prstGeom>
+          </p:spPr>
+        </p:pic>
+        <p:sp>
+          <p:nvSpPr>
+            <p:cNvPr id="11" name="Oval 10">
+              <a:extLst>
+                <a:ext uri="{FF2B5EF4-FFF2-40B4-BE49-F238E27FC236}">
+                  <a16:creationId xmlns:a16="http://schemas.microsoft.com/office/drawing/2014/main" id="{800234F0-D748-1A25-EEFD-11A10FF0D5C4}"/>
+                </a:ext>
+              </a:extLst>
+            </p:cNvPr>
+            <p:cNvSpPr/>
+            <p:nvPr/>
+          </p:nvSpPr>
+          <p:spPr>
+            <a:xfrm flipH="1" flipV="1">
+              <a:off x="7427749" y="2018810"/>
+              <a:ext cx="52971" cy="52971"/>
+            </a:xfrm>
+            <a:prstGeom prst="ellipse">
+              <a:avLst/>
+            </a:prstGeom>
+            <a:solidFill>
+              <a:srgbClr val="949984"/>
+            </a:solidFill>
+            <a:ln>
+              <a:noFill/>
+            </a:ln>
+          </p:spPr>
+          <p:style>
+            <a:lnRef idx="2">
+              <a:schemeClr val="accent1">
+                <a:shade val="50000"/>
+              </a:schemeClr>
+            </a:lnRef>
+            <a:fillRef idx="1">
+              <a:schemeClr val="accent1"/>
+            </a:fillRef>
+            <a:effectRef idx="0">
+              <a:schemeClr val="accent1"/>
+            </a:effectRef>
+            <a:fontRef idx="minor">
+              <a:schemeClr val="lt1"/>
+            </a:fontRef>
+          </p:style>
+          <p:txBody>
+            <a:bodyPr rtlCol="0" anchor="ctr"/>
+            <a:lstStyle/>
+            <a:p>
+              <a:pPr algn="ctr"/>
+              <a:endParaRPr lang="en-US">
+                <a:latin typeface="Segoe UI" panose="020B0502040204020203" pitchFamily="34" charset="0"/>
+                <a:ea typeface="Linux Libertine" panose="02000503000000000000" pitchFamily="2" charset="0"/>
+                <a:cs typeface="Segoe UI" panose="020B0502040204020203" pitchFamily="34" charset="0"/>
+              </a:endParaRPr>
+            </a:p>
+          </p:txBody>
+        </p:sp>
+        <p:cxnSp>
+          <p:nvCxnSpPr>
+            <p:cNvPr id="12" name="Straight Arrow Connector 11">
+              <a:extLst>
+                <a:ext uri="{FF2B5EF4-FFF2-40B4-BE49-F238E27FC236}">
+                  <a16:creationId xmlns:a16="http://schemas.microsoft.com/office/drawing/2014/main" id="{F8858164-3A99-452E-2C66-311E823F4527}"/>
+                </a:ext>
+              </a:extLst>
+            </p:cNvPr>
+            <p:cNvCxnSpPr>
+              <a:cxnSpLocks/>
+            </p:cNvCxnSpPr>
+            <p:nvPr/>
+          </p:nvCxnSpPr>
+          <p:spPr>
+            <a:xfrm flipH="1">
+              <a:off x="7480720" y="1638110"/>
+              <a:ext cx="219519" cy="391917"/>
+            </a:xfrm>
+            <a:prstGeom prst="straightConnector1">
+              <a:avLst/>
+            </a:prstGeom>
+            <a:ln w="19050">
+              <a:solidFill>
+                <a:schemeClr val="accent4">
+                  <a:lumMod val="75000"/>
+                </a:schemeClr>
+              </a:solidFill>
+              <a:tailEnd type="triangle"/>
+            </a:ln>
+          </p:spPr>
+          <p:style>
+            <a:lnRef idx="1">
+              <a:schemeClr val="accent1"/>
+            </a:lnRef>
+            <a:fillRef idx="0">
+              <a:schemeClr val="accent1"/>
+            </a:fillRef>
+            <a:effectRef idx="0">
+              <a:schemeClr val="accent1"/>
+            </a:effectRef>
+            <a:fontRef idx="minor">
+              <a:schemeClr val="tx1"/>
+            </a:fontRef>
+          </p:style>
+        </p:cxnSp>
+        <p:sp>
+          <p:nvSpPr>
+            <p:cNvPr id="13" name="Oval 12">
+              <a:extLst>
+                <a:ext uri="{FF2B5EF4-FFF2-40B4-BE49-F238E27FC236}">
+                  <a16:creationId xmlns:a16="http://schemas.microsoft.com/office/drawing/2014/main" id="{D6F027A0-2330-5263-78B4-29AC10820169}"/>
+                </a:ext>
+              </a:extLst>
+            </p:cNvPr>
+            <p:cNvSpPr/>
+            <p:nvPr/>
+          </p:nvSpPr>
+          <p:spPr>
+            <a:xfrm flipH="1" flipV="1">
+              <a:off x="7313498" y="1870526"/>
+              <a:ext cx="52971" cy="52971"/>
+            </a:xfrm>
+            <a:prstGeom prst="ellipse">
+              <a:avLst/>
+            </a:prstGeom>
+            <a:solidFill>
+              <a:srgbClr val="949984"/>
+            </a:solidFill>
+            <a:ln>
+              <a:noFill/>
+            </a:ln>
+          </p:spPr>
+          <p:style>
+            <a:lnRef idx="2">
+              <a:schemeClr val="accent1">
+                <a:shade val="50000"/>
+              </a:schemeClr>
+            </a:lnRef>
+            <a:fillRef idx="1">
+              <a:schemeClr val="accent1"/>
+            </a:fillRef>
+            <a:effectRef idx="0">
+              <a:schemeClr val="accent1"/>
+            </a:effectRef>
+            <a:fontRef idx="minor">
+              <a:schemeClr val="lt1"/>
+            </a:fontRef>
+          </p:style>
+          <p:txBody>
+            <a:bodyPr rtlCol="0" anchor="ctr"/>
+            <a:lstStyle/>
+            <a:p>
+              <a:pPr algn="ctr"/>
+              <a:endParaRPr lang="en-US">
+                <a:latin typeface="Segoe UI" panose="020B0502040204020203" pitchFamily="34" charset="0"/>
+                <a:ea typeface="Linux Libertine" panose="02000503000000000000" pitchFamily="2" charset="0"/>
+                <a:cs typeface="Segoe UI" panose="020B0502040204020203" pitchFamily="34" charset="0"/>
+              </a:endParaRPr>
+            </a:p>
+          </p:txBody>
+        </p:sp>
+        <p:sp>
+          <p:nvSpPr>
+            <p:cNvPr id="14" name="Oval 13">
+              <a:extLst>
+                <a:ext uri="{FF2B5EF4-FFF2-40B4-BE49-F238E27FC236}">
+                  <a16:creationId xmlns:a16="http://schemas.microsoft.com/office/drawing/2014/main" id="{25D6A5E1-2F72-03B2-98CD-9B9C82DC3325}"/>
+                </a:ext>
+              </a:extLst>
+            </p:cNvPr>
+            <p:cNvSpPr/>
+            <p:nvPr/>
+          </p:nvSpPr>
+          <p:spPr>
+            <a:xfrm flipH="1" flipV="1">
+              <a:off x="7120559" y="2018809"/>
+              <a:ext cx="52971" cy="52971"/>
+            </a:xfrm>
+            <a:prstGeom prst="ellipse">
+              <a:avLst/>
+            </a:prstGeom>
+            <a:solidFill>
+              <a:srgbClr val="949984"/>
+            </a:solidFill>
+            <a:ln>
+              <a:noFill/>
+            </a:ln>
+          </p:spPr>
+          <p:style>
+            <a:lnRef idx="2">
+              <a:schemeClr val="accent1">
+                <a:shade val="50000"/>
+              </a:schemeClr>
+            </a:lnRef>
+            <a:fillRef idx="1">
+              <a:schemeClr val="accent1"/>
+            </a:fillRef>
+            <a:effectRef idx="0">
+              <a:schemeClr val="accent1"/>
+            </a:effectRef>
+            <a:fontRef idx="minor">
+              <a:schemeClr val="lt1"/>
+            </a:fontRef>
+          </p:style>
+          <p:txBody>
+            <a:bodyPr rtlCol="0" anchor="ctr"/>
+            <a:lstStyle/>
+            <a:p>
+              <a:pPr algn="ctr"/>
+              <a:endParaRPr lang="en-US">
+                <a:latin typeface="Segoe UI" panose="020B0502040204020203" pitchFamily="34" charset="0"/>
+                <a:ea typeface="Linux Libertine" panose="02000503000000000000" pitchFamily="2" charset="0"/>
+                <a:cs typeface="Segoe UI" panose="020B0502040204020203" pitchFamily="34" charset="0"/>
+              </a:endParaRPr>
+            </a:p>
+          </p:txBody>
+        </p:sp>
+        <p:cxnSp>
+          <p:nvCxnSpPr>
+            <p:cNvPr id="15" name="Straight Arrow Connector 14">
+              <a:extLst>
+                <a:ext uri="{FF2B5EF4-FFF2-40B4-BE49-F238E27FC236}">
+                  <a16:creationId xmlns:a16="http://schemas.microsoft.com/office/drawing/2014/main" id="{94EE3C99-DD46-97C8-7DC3-6C8EE03E63D9}"/>
+                </a:ext>
+              </a:extLst>
+            </p:cNvPr>
+            <p:cNvCxnSpPr>
+              <a:cxnSpLocks/>
+              <a:endCxn id="13" idx="1"/>
+            </p:cNvCxnSpPr>
+            <p:nvPr/>
+          </p:nvCxnSpPr>
+          <p:spPr>
+            <a:xfrm flipH="1" flipV="1">
+              <a:off x="7358712" y="1915740"/>
+              <a:ext cx="81100" cy="103069"/>
+            </a:xfrm>
+            <a:prstGeom prst="straightConnector1">
+              <a:avLst/>
+            </a:prstGeom>
+            <a:ln w="19050">
+              <a:solidFill>
+                <a:schemeClr val="accent4">
+                  <a:lumMod val="75000"/>
+                </a:schemeClr>
+              </a:solidFill>
+              <a:tailEnd type="triangle"/>
+            </a:ln>
+          </p:spPr>
+          <p:style>
+            <a:lnRef idx="1">
+              <a:schemeClr val="accent1"/>
+            </a:lnRef>
+            <a:fillRef idx="0">
+              <a:schemeClr val="accent1"/>
+            </a:fillRef>
+            <a:effectRef idx="0">
+              <a:schemeClr val="accent1"/>
+            </a:effectRef>
+            <a:fontRef idx="minor">
+              <a:schemeClr val="tx1"/>
+            </a:fontRef>
+          </p:style>
+        </p:cxnSp>
+        <p:cxnSp>
+          <p:nvCxnSpPr>
+            <p:cNvPr id="16" name="Straight Arrow Connector 15">
+              <a:extLst>
+                <a:ext uri="{FF2B5EF4-FFF2-40B4-BE49-F238E27FC236}">
+                  <a16:creationId xmlns:a16="http://schemas.microsoft.com/office/drawing/2014/main" id="{61B01524-81D4-701B-B85C-1BE48FDFA0B4}"/>
+                </a:ext>
+              </a:extLst>
+            </p:cNvPr>
+            <p:cNvCxnSpPr>
+              <a:cxnSpLocks/>
+              <a:stCxn id="13" idx="7"/>
+              <a:endCxn id="14" idx="3"/>
+            </p:cNvCxnSpPr>
+            <p:nvPr/>
+          </p:nvCxnSpPr>
+          <p:spPr>
+            <a:xfrm flipH="1">
+              <a:off x="7165773" y="1915740"/>
+              <a:ext cx="155482" cy="110826"/>
+            </a:xfrm>
+            <a:prstGeom prst="straightConnector1">
+              <a:avLst/>
+            </a:prstGeom>
+            <a:ln w="19050">
+              <a:solidFill>
+                <a:schemeClr val="accent4">
+                  <a:lumMod val="75000"/>
+                </a:schemeClr>
+              </a:solidFill>
+              <a:tailEnd type="triangle"/>
+            </a:ln>
+          </p:spPr>
+          <p:style>
+            <a:lnRef idx="1">
+              <a:schemeClr val="accent1"/>
+            </a:lnRef>
+            <a:fillRef idx="0">
+              <a:schemeClr val="accent1"/>
+            </a:fillRef>
+            <a:effectRef idx="0">
+              <a:schemeClr val="accent1"/>
+            </a:effectRef>
+            <a:fontRef idx="minor">
+              <a:schemeClr val="tx1"/>
+            </a:fontRef>
+          </p:style>
+        </p:cxnSp>
+        <p:cxnSp>
+          <p:nvCxnSpPr>
+            <p:cNvPr id="17" name="Straight Arrow Connector 16">
+              <a:extLst>
+                <a:ext uri="{FF2B5EF4-FFF2-40B4-BE49-F238E27FC236}">
+                  <a16:creationId xmlns:a16="http://schemas.microsoft.com/office/drawing/2014/main" id="{9B98F1CA-E9C5-1978-F46C-73778EFEDB02}"/>
+                </a:ext>
+              </a:extLst>
+            </p:cNvPr>
+            <p:cNvCxnSpPr>
+              <a:cxnSpLocks/>
+              <a:stCxn id="14" idx="5"/>
+            </p:cNvCxnSpPr>
+            <p:nvPr/>
+          </p:nvCxnSpPr>
+          <p:spPr>
+            <a:xfrm flipH="1" flipV="1">
+              <a:off x="6752308" y="1460620"/>
+              <a:ext cx="376008" cy="565946"/>
+            </a:xfrm>
+            <a:prstGeom prst="straightConnector1">
+              <a:avLst/>
+            </a:prstGeom>
+            <a:ln w="19050">
+              <a:solidFill>
+                <a:schemeClr val="accent4">
+                  <a:lumMod val="75000"/>
+                </a:schemeClr>
+              </a:solidFill>
+              <a:tailEnd type="none"/>
+            </a:ln>
+          </p:spPr>
+          <p:style>
+            <a:lnRef idx="1">
+              <a:schemeClr val="accent1"/>
+            </a:lnRef>
+            <a:fillRef idx="0">
+              <a:schemeClr val="accent1"/>
+            </a:fillRef>
+            <a:effectRef idx="0">
+              <a:schemeClr val="accent1"/>
+            </a:effectRef>
+            <a:fontRef idx="minor">
+              <a:schemeClr val="tx1"/>
+            </a:fontRef>
+          </p:style>
+        </p:cxnSp>
+        <p:grpSp>
+          <p:nvGrpSpPr>
+            <p:cNvPr id="18" name="Group 17">
+              <a:extLst>
+                <a:ext uri="{FF2B5EF4-FFF2-40B4-BE49-F238E27FC236}">
+                  <a16:creationId xmlns:a16="http://schemas.microsoft.com/office/drawing/2014/main" id="{B3887300-E06A-01EB-2611-CBF0B53D9FD2}"/>
                 </a:ext>
               </a:extLst>
             </p:cNvPr>
@@ -3653,18 +4829,18 @@
           </p:nvGrpSpPr>
           <p:grpSpPr>
             <a:xfrm>
-              <a:off x="30516" y="31308"/>
-              <a:ext cx="2145170" cy="2772662"/>
-              <a:chOff x="30516" y="12047"/>
-              <a:chExt cx="2145170" cy="2772662"/>
+              <a:off x="6525971" y="1352051"/>
+              <a:ext cx="690275" cy="636482"/>
+              <a:chOff x="6479493" y="1352051"/>
+              <a:chExt cx="690275" cy="636482"/>
             </a:xfrm>
           </p:grpSpPr>
           <p:sp>
             <p:nvSpPr>
-              <p:cNvPr id="1197" name="Rectangle: Rounded Corners 1196">
+              <p:cNvPr id="19" name="Freeform: Shape 18">
                 <a:extLst>
                   <a:ext uri="{FF2B5EF4-FFF2-40B4-BE49-F238E27FC236}">
-                    <a16:creationId xmlns:a16="http://schemas.microsoft.com/office/drawing/2014/main" id="{8AB99F17-E189-C8EE-CB47-F44419E7F826}"/>
+                    <a16:creationId xmlns:a16="http://schemas.microsoft.com/office/drawing/2014/main" id="{35CD5D58-8389-FDF2-63C6-69E96DDCC197}"/>
                   </a:ext>
                 </a:extLst>
               </p:cNvPr>
@@ -3673,46 +4849,121 @@
             </p:nvSpPr>
             <p:spPr>
               <a:xfrm>
-                <a:off x="30516" y="188828"/>
-                <a:ext cx="2145170" cy="2595881"/>
+                <a:off x="6481655" y="1352051"/>
+                <a:ext cx="688113" cy="633216"/>
               </a:xfrm>
-              <a:prstGeom prst="roundRect">
-                <a:avLst>
-                  <a:gd name="adj" fmla="val 8264"/>
-                </a:avLst>
-              </a:prstGeom>
+              <a:custGeom>
+                <a:avLst/>
+                <a:gdLst>
+                  <a:gd name="connsiteX0" fmla="*/ 447449 w 688113"/>
+                  <a:gd name="connsiteY0" fmla="*/ 114284 h 633216"/>
+                  <a:gd name="connsiteX1" fmla="*/ 682940 w 688113"/>
+                  <a:gd name="connsiteY1" fmla="*/ 122061 h 633216"/>
+                  <a:gd name="connsiteX2" fmla="*/ 681752 w 688113"/>
+                  <a:gd name="connsiteY2" fmla="*/ 131247 h 633216"/>
+                  <a:gd name="connsiteX3" fmla="*/ 120604 w 688113"/>
+                  <a:gd name="connsiteY3" fmla="*/ 627591 h 633216"/>
+                  <a:gd name="connsiteX4" fmla="*/ 111215 w 688113"/>
+                  <a:gd name="connsiteY4" fmla="*/ 627759 h 633216"/>
+                  <a:gd name="connsiteX5" fmla="*/ 128907 w 688113"/>
+                  <a:gd name="connsiteY5" fmla="*/ 396038 h 633216"/>
+                  <a:gd name="connsiteX6" fmla="*/ 134567 w 688113"/>
+                  <a:gd name="connsiteY6" fmla="*/ 388570 h 633216"/>
+                  <a:gd name="connsiteX7" fmla="*/ 439303 w 688113"/>
+                  <a:gd name="connsiteY7" fmla="*/ 119027 h 633216"/>
+                  <a:gd name="connsiteX8" fmla="*/ 447449 w 688113"/>
+                  <a:gd name="connsiteY8" fmla="*/ 114284 h 633216"/>
+                </a:gdLst>
+                <a:ahLst/>
+                <a:cxnLst>
+                  <a:cxn ang="0">
+                    <a:pos x="connsiteX0" y="connsiteY0"/>
+                  </a:cxn>
+                  <a:cxn ang="0">
+                    <a:pos x="connsiteX1" y="connsiteY1"/>
+                  </a:cxn>
+                  <a:cxn ang="0">
+                    <a:pos x="connsiteX2" y="connsiteY2"/>
+                  </a:cxn>
+                  <a:cxn ang="0">
+                    <a:pos x="connsiteX3" y="connsiteY3"/>
+                  </a:cxn>
+                  <a:cxn ang="0">
+                    <a:pos x="connsiteX4" y="connsiteY4"/>
+                  </a:cxn>
+                  <a:cxn ang="0">
+                    <a:pos x="connsiteX5" y="connsiteY5"/>
+                  </a:cxn>
+                  <a:cxn ang="0">
+                    <a:pos x="connsiteX6" y="connsiteY6"/>
+                  </a:cxn>
+                  <a:cxn ang="0">
+                    <a:pos x="connsiteX7" y="connsiteY7"/>
+                  </a:cxn>
+                  <a:cxn ang="0">
+                    <a:pos x="connsiteX8" y="connsiteY8"/>
+                  </a:cxn>
+                </a:cxnLst>
+                <a:rect l="l" t="t" r="r" b="b"/>
+                <a:pathLst>
+                  <a:path w="688113" h="633216">
+                    <a:moveTo>
+                      <a:pt x="447449" y="114284"/>
+                    </a:moveTo>
+                    <a:lnTo>
+                      <a:pt x="682940" y="122061"/>
+                    </a:lnTo>
+                    <a:cubicBezTo>
+                      <a:pt x="687815" y="122223"/>
+                      <a:pt x="687326" y="126317"/>
+                      <a:pt x="681752" y="131247"/>
+                    </a:cubicBezTo>
+                    <a:lnTo>
+                      <a:pt x="120604" y="627591"/>
+                    </a:lnTo>
+                    <a:cubicBezTo>
+                      <a:pt x="115035" y="632516"/>
+                      <a:pt x="110850" y="632557"/>
+                      <a:pt x="111215" y="627759"/>
+                    </a:cubicBezTo>
+                    <a:lnTo>
+                      <a:pt x="128907" y="396038"/>
+                    </a:lnTo>
+                    <a:cubicBezTo>
+                      <a:pt x="129021" y="394569"/>
+                      <a:pt x="131542" y="391246"/>
+                      <a:pt x="134567" y="388570"/>
+                    </a:cubicBezTo>
+                    <a:lnTo>
+                      <a:pt x="439303" y="119027"/>
+                    </a:lnTo>
+                    <a:cubicBezTo>
+                      <a:pt x="442327" y="116352"/>
+                      <a:pt x="445955" y="114236"/>
+                      <a:pt x="447449" y="114284"/>
+                    </a:cubicBezTo>
+                    <a:close/>
+                  </a:path>
+                </a:pathLst>
+              </a:custGeom>
               <a:solidFill>
-                <a:schemeClr val="accent5">
-                  <a:lumMod val="20000"/>
-                  <a:lumOff val="80000"/>
-                </a:schemeClr>
+                <a:srgbClr val="BFE2E2"/>
               </a:solidFill>
-              <a:ln>
-                <a:noFill/>
+              <a:ln w="11753" cap="rnd">
+                <a:solidFill>
+                  <a:schemeClr val="accent5">
+                    <a:lumMod val="50000"/>
+                  </a:schemeClr>
+                </a:solidFill>
+                <a:prstDash val="solid"/>
+                <a:round/>
               </a:ln>
             </p:spPr>
-            <p:style>
-              <a:lnRef idx="2">
-                <a:schemeClr val="accent1">
-                  <a:shade val="50000"/>
-                </a:schemeClr>
-              </a:lnRef>
-              <a:fillRef idx="1">
-                <a:schemeClr val="accent1"/>
-              </a:fillRef>
-              <a:effectRef idx="0">
-                <a:schemeClr val="accent1"/>
-              </a:effectRef>
-              <a:fontRef idx="minor">
-                <a:schemeClr val="lt1"/>
-              </a:fontRef>
-            </p:style>
             <p:txBody>
               <a:bodyPr rtlCol="0" anchor="ctr"/>
               <a:lstStyle/>
               <a:p>
-                <a:pPr algn="ctr"/>
-                <a:endParaRPr lang="en-US" dirty="0">
+                <a:endParaRPr lang="en-US">
                   <a:latin typeface="Segoe UI" panose="020B0502040204020203" pitchFamily="34" charset="0"/>
                   <a:ea typeface="Linux Libertine" panose="02000503000000000000" pitchFamily="2" charset="0"/>
                   <a:cs typeface="Segoe UI" panose="020B0502040204020203" pitchFamily="34" charset="0"/>
@@ -3722,2680 +4973,10 @@
           </p:sp>
           <p:sp>
             <p:nvSpPr>
-              <p:cNvPr id="21" name="TextBox 20">
+              <p:cNvPr id="20" name="Freeform: Shape 19">
                 <a:extLst>
                   <a:ext uri="{FF2B5EF4-FFF2-40B4-BE49-F238E27FC236}">
-                    <a16:creationId xmlns:a16="http://schemas.microsoft.com/office/drawing/2014/main" id="{3FF3E58E-6025-BDCE-7059-3A2BC79AAB8B}"/>
-                  </a:ext>
-                </a:extLst>
-              </p:cNvPr>
-              <p:cNvSpPr txBox="1"/>
-              <p:nvPr/>
-            </p:nvSpPr>
-            <p:spPr>
-              <a:xfrm>
-                <a:off x="83482" y="562884"/>
-                <a:ext cx="2034769" cy="442690"/>
-              </a:xfrm>
-              <a:prstGeom prst="rect">
-                <a:avLst/>
-              </a:prstGeom>
-              <a:noFill/>
-            </p:spPr>
-            <p:txBody>
-              <a:bodyPr wrap="square" lIns="0" tIns="0" rIns="0" bIns="0" rtlCol="0">
-                <a:noAutofit/>
-              </a:bodyPr>
-              <a:lstStyle/>
-              <a:p>
-                <a:pPr algn="ctr"/>
-                <a:r>
-                  <a:rPr lang="en-US" sz="1400" dirty="0">
-                    <a:solidFill>
-                      <a:schemeClr val="accent5">
-                        <a:lumMod val="50000"/>
-                      </a:schemeClr>
-                    </a:solidFill>
-                    <a:latin typeface="Segoe UI" panose="020B0502040204020203" pitchFamily="34" charset="0"/>
-                    <a:ea typeface="Linux Libertine" panose="02000503000000000000" pitchFamily="2" charset="0"/>
-                    <a:cs typeface="Segoe UI" panose="020B0502040204020203" pitchFamily="34" charset="0"/>
-                  </a:rPr>
-                  <a:t>Cameras that </a:t>
-                </a:r>
-                <a:r>
-                  <a:rPr lang="en-US" sz="1400" u="sng" dirty="0">
-                    <a:solidFill>
-                      <a:schemeClr val="accent5">
-                        <a:lumMod val="50000"/>
-                      </a:schemeClr>
-                    </a:solidFill>
-                    <a:latin typeface="Segoe UI" panose="020B0502040204020203" pitchFamily="34" charset="0"/>
-                    <a:ea typeface="Linux Libertine" panose="02000503000000000000" pitchFamily="2" charset="0"/>
-                    <a:cs typeface="Segoe UI" panose="020B0502040204020203" pitchFamily="34" charset="0"/>
-                  </a:rPr>
-                  <a:t>capture</a:t>
-                </a:r>
-                <a:r>
-                  <a:rPr lang="en-US" sz="1400" dirty="0">
-                    <a:solidFill>
-                      <a:schemeClr val="accent5">
-                        <a:lumMod val="50000"/>
-                      </a:schemeClr>
-                    </a:solidFill>
-                    <a:latin typeface="Segoe UI" panose="020B0502040204020203" pitchFamily="34" charset="0"/>
-                    <a:ea typeface="Linux Libertine" panose="02000503000000000000" pitchFamily="2" charset="0"/>
-                    <a:cs typeface="Segoe UI" panose="020B0502040204020203" pitchFamily="34" charset="0"/>
-                  </a:rPr>
-                  <a:t> </a:t>
-                </a:r>
-                <a:br>
-                  <a:rPr lang="en-US" sz="1400" dirty="0">
-                    <a:solidFill>
-                      <a:schemeClr val="accent5">
-                        <a:lumMod val="50000"/>
-                      </a:schemeClr>
-                    </a:solidFill>
-                    <a:latin typeface="Segoe UI" panose="020B0502040204020203" pitchFamily="34" charset="0"/>
-                    <a:ea typeface="Linux Libertine" panose="02000503000000000000" pitchFamily="2" charset="0"/>
-                    <a:cs typeface="Segoe UI" panose="020B0502040204020203" pitchFamily="34" charset="0"/>
-                  </a:rPr>
-                </a:br>
-                <a:r>
-                  <a:rPr lang="en-US" sz="1400" dirty="0">
-                    <a:solidFill>
-                      <a:schemeClr val="accent5">
-                        <a:lumMod val="50000"/>
-                      </a:schemeClr>
-                    </a:solidFill>
-                    <a:latin typeface="Segoe UI" panose="020B0502040204020203" pitchFamily="34" charset="0"/>
-                    <a:ea typeface="Linux Libertine" panose="02000503000000000000" pitchFamily="2" charset="0"/>
-                    <a:cs typeface="Segoe UI" panose="020B0502040204020203" pitchFamily="34" charset="0"/>
-                  </a:rPr>
-                  <a:t>unique light properties</a:t>
-                </a:r>
-              </a:p>
-            </p:txBody>
-          </p:sp>
-          <p:sp>
-            <p:nvSpPr>
-              <p:cNvPr id="1029" name="TextBox 1028">
-                <a:extLst>
-                  <a:ext uri="{FF2B5EF4-FFF2-40B4-BE49-F238E27FC236}">
-                    <a16:creationId xmlns:a16="http://schemas.microsoft.com/office/drawing/2014/main" id="{4EF00B8E-050C-ADBC-4091-25CFB21ADFC0}"/>
-                  </a:ext>
-                </a:extLst>
-              </p:cNvPr>
-              <p:cNvSpPr txBox="1"/>
-              <p:nvPr/>
-            </p:nvSpPr>
-            <p:spPr>
-              <a:xfrm>
-                <a:off x="174867" y="12047"/>
-                <a:ext cx="1810771" cy="534136"/>
-              </a:xfrm>
-              <a:prstGeom prst="roundRect">
-                <a:avLst>
-                  <a:gd name="adj" fmla="val 20156"/>
-                </a:avLst>
-              </a:prstGeom>
-            </p:spPr>
-            <p:style>
-              <a:lnRef idx="3">
-                <a:schemeClr val="lt1"/>
-              </a:lnRef>
-              <a:fillRef idx="1">
-                <a:schemeClr val="accent5"/>
-              </a:fillRef>
-              <a:effectRef idx="1">
-                <a:schemeClr val="accent5"/>
-              </a:effectRef>
-              <a:fontRef idx="minor">
-                <a:schemeClr val="lt1"/>
-              </a:fontRef>
-            </p:style>
-            <p:txBody>
-              <a:bodyPr wrap="square" lIns="0" tIns="0" rIns="0" bIns="0" rtlCol="0" anchor="ctr" anchorCtr="0">
-                <a:noAutofit/>
-              </a:bodyPr>
-              <a:lstStyle/>
-              <a:p>
-                <a:pPr algn="ctr"/>
-                <a:r>
-                  <a:rPr lang="en-US" sz="1600" dirty="0">
-                    <a:latin typeface="Segoe UI" panose="020B0502040204020203" pitchFamily="34" charset="0"/>
-                    <a:ea typeface="Linux Libertine" panose="02000503000000000000" pitchFamily="2" charset="0"/>
-                    <a:cs typeface="Segoe UI" panose="020B0502040204020203" pitchFamily="34" charset="0"/>
-                  </a:rPr>
-                  <a:t>Computational Imaging</a:t>
-                </a:r>
-              </a:p>
-            </p:txBody>
-          </p:sp>
-          <p:pic>
-            <p:nvPicPr>
-              <p:cNvPr id="2" name="Graphic 1">
-                <a:extLst>
-                  <a:ext uri="{FF2B5EF4-FFF2-40B4-BE49-F238E27FC236}">
-                    <a16:creationId xmlns:a16="http://schemas.microsoft.com/office/drawing/2014/main" id="{81A1F06D-5D3A-910D-60A8-46C138FA388E}"/>
-                  </a:ext>
-                </a:extLst>
-              </p:cNvPr>
-              <p:cNvPicPr>
-                <a:picLocks noChangeAspect="1"/>
-              </p:cNvPicPr>
-              <p:nvPr/>
-            </p:nvPicPr>
-            <p:blipFill>
-              <a:blip r:embed="rId3">
-                <a:extLst>
-                  <a:ext uri="{96DAC541-7B7A-43D3-8B79-37D633B846F1}">
-                    <asvg:svgBlip xmlns:asvg="http://schemas.microsoft.com/office/drawing/2016/SVG/main" r:embed="rId4"/>
-                  </a:ext>
-                </a:extLst>
-              </a:blip>
-              <a:stretch>
-                <a:fillRect/>
-              </a:stretch>
-            </p:blipFill>
-            <p:spPr>
-              <a:xfrm>
-                <a:off x="1025253" y="1078359"/>
-                <a:ext cx="719684" cy="741030"/>
-              </a:xfrm>
-              <a:prstGeom prst="rect">
-                <a:avLst/>
-              </a:prstGeom>
-            </p:spPr>
-          </p:pic>
-          <p:grpSp>
-            <p:nvGrpSpPr>
-              <p:cNvPr id="3" name="Group 2">
-                <a:extLst>
-                  <a:ext uri="{FF2B5EF4-FFF2-40B4-BE49-F238E27FC236}">
-                    <a16:creationId xmlns:a16="http://schemas.microsoft.com/office/drawing/2014/main" id="{F95C2623-A4E4-48B8-0BBF-830A526E9098}"/>
-                  </a:ext>
-                </a:extLst>
-              </p:cNvPr>
-              <p:cNvGrpSpPr/>
-              <p:nvPr/>
-            </p:nvGrpSpPr>
-            <p:grpSpPr>
-              <a:xfrm>
-                <a:off x="344884" y="1166862"/>
-                <a:ext cx="644273" cy="293447"/>
-                <a:chOff x="3747799" y="1443901"/>
-                <a:chExt cx="644273" cy="293447"/>
-              </a:xfrm>
-            </p:grpSpPr>
-            <p:grpSp>
-              <p:nvGrpSpPr>
-                <p:cNvPr id="4" name="Group 3">
-                  <a:extLst>
-                    <a:ext uri="{FF2B5EF4-FFF2-40B4-BE49-F238E27FC236}">
-                      <a16:creationId xmlns:a16="http://schemas.microsoft.com/office/drawing/2014/main" id="{EF2E735C-15DE-A6B5-2EAD-2E22056B4396}"/>
-                    </a:ext>
-                  </a:extLst>
-                </p:cNvPr>
-                <p:cNvGrpSpPr/>
-                <p:nvPr/>
-              </p:nvGrpSpPr>
-              <p:grpSpPr>
-                <a:xfrm rot="2426354">
-                  <a:off x="3747799" y="1443901"/>
-                  <a:ext cx="605810" cy="293447"/>
-                  <a:chOff x="1048747" y="3024435"/>
-                  <a:chExt cx="1758409" cy="851751"/>
-                </a:xfrm>
-              </p:grpSpPr>
-              <p:pic>
-                <p:nvPicPr>
-                  <p:cNvPr id="7" name="Picture 6" descr="Shape&#10;&#10;Description automatically generated with low confidence">
-                    <a:extLst>
-                      <a:ext uri="{FF2B5EF4-FFF2-40B4-BE49-F238E27FC236}">
-                        <a16:creationId xmlns:a16="http://schemas.microsoft.com/office/drawing/2014/main" id="{90C0ADD0-4FBC-C120-9354-1D4600C49791}"/>
-                      </a:ext>
-                    </a:extLst>
-                  </p:cNvPr>
-                  <p:cNvPicPr>
-                    <a:picLocks noChangeAspect="1"/>
-                  </p:cNvPicPr>
-                  <p:nvPr/>
-                </p:nvPicPr>
-                <p:blipFill rotWithShape="1">
-                  <a:blip r:embed="rId5">
-                    <a:duotone>
-                      <a:schemeClr val="accent2">
-                        <a:shade val="45000"/>
-                        <a:satMod val="135000"/>
-                      </a:schemeClr>
-                      <a:prstClr val="white"/>
-                    </a:duotone>
-                    <a:extLst>
-                      <a:ext uri="{28A0092B-C50C-407E-A947-70E740481C1C}">
-                        <a14:useLocalDpi xmlns:a14="http://schemas.microsoft.com/office/drawing/2010/main" val="0"/>
-                      </a:ext>
-                    </a:extLst>
-                  </a:blip>
-                  <a:srcRect l="19118" t="26464" b="37566"/>
-                  <a:stretch/>
-                </p:blipFill>
-                <p:spPr>
-                  <a:xfrm rot="20201210">
-                    <a:off x="1048747" y="3257496"/>
-                    <a:ext cx="1095789" cy="618690"/>
-                  </a:xfrm>
-                  <a:prstGeom prst="rect">
-                    <a:avLst/>
-                  </a:prstGeom>
-                </p:spPr>
-              </p:pic>
-              <p:pic>
-                <p:nvPicPr>
-                  <p:cNvPr id="8" name="Picture 7" descr="Shape&#10;&#10;Description automatically generated with low confidence">
-                    <a:extLst>
-                      <a:ext uri="{FF2B5EF4-FFF2-40B4-BE49-F238E27FC236}">
-                        <a16:creationId xmlns:a16="http://schemas.microsoft.com/office/drawing/2014/main" id="{576598B4-1207-512C-C347-BF3455342442}"/>
-                      </a:ext>
-                    </a:extLst>
-                  </p:cNvPr>
-                  <p:cNvPicPr>
-                    <a:picLocks noChangeAspect="1"/>
-                  </p:cNvPicPr>
-                  <p:nvPr/>
-                </p:nvPicPr>
-                <p:blipFill rotWithShape="1">
-                  <a:blip r:embed="rId5">
-                    <a:duotone>
-                      <a:schemeClr val="accent2">
-                        <a:shade val="45000"/>
-                        <a:satMod val="135000"/>
-                      </a:schemeClr>
-                      <a:prstClr val="white"/>
-                    </a:duotone>
-                    <a:extLst>
-                      <a:ext uri="{28A0092B-C50C-407E-A947-70E740481C1C}">
-                        <a14:useLocalDpi xmlns:a14="http://schemas.microsoft.com/office/drawing/2010/main" val="0"/>
-                      </a:ext>
-                    </a:extLst>
-                  </a:blip>
-                  <a:srcRect t="26464" b="37566"/>
-                  <a:stretch/>
-                </p:blipFill>
-                <p:spPr>
-                  <a:xfrm rot="20201210">
-                    <a:off x="1452358" y="3024435"/>
-                    <a:ext cx="1354798" cy="618690"/>
-                  </a:xfrm>
-                  <a:prstGeom prst="rect">
-                    <a:avLst/>
-                  </a:prstGeom>
-                </p:spPr>
-              </p:pic>
-            </p:grpSp>
-            <p:cxnSp>
-              <p:nvCxnSpPr>
-                <p:cNvPr id="5" name="Straight Arrow Connector 4">
-                  <a:extLst>
-                    <a:ext uri="{FF2B5EF4-FFF2-40B4-BE49-F238E27FC236}">
-                      <a16:creationId xmlns:a16="http://schemas.microsoft.com/office/drawing/2014/main" id="{B15AF6D7-A23E-3B02-6F7D-8AB296DE39E0}"/>
-                    </a:ext>
-                  </a:extLst>
-                </p:cNvPr>
-                <p:cNvCxnSpPr>
-                  <a:cxnSpLocks/>
-                </p:cNvCxnSpPr>
-                <p:nvPr/>
-              </p:nvCxnSpPr>
-              <p:spPr>
-                <a:xfrm>
-                  <a:off x="3796777" y="1485111"/>
-                  <a:ext cx="595295" cy="182334"/>
-                </a:xfrm>
-                <a:prstGeom prst="straightConnector1">
-                  <a:avLst/>
-                </a:prstGeom>
-                <a:ln w="19050">
-                  <a:solidFill>
-                    <a:schemeClr val="accent4">
-                      <a:lumMod val="75000"/>
-                    </a:schemeClr>
-                  </a:solidFill>
-                  <a:tailEnd type="triangle"/>
-                </a:ln>
-              </p:spPr>
-              <p:style>
-                <a:lnRef idx="1">
-                  <a:schemeClr val="accent1"/>
-                </a:lnRef>
-                <a:fillRef idx="0">
-                  <a:schemeClr val="accent1"/>
-                </a:fillRef>
-                <a:effectRef idx="0">
-                  <a:schemeClr val="accent1"/>
-                </a:effectRef>
-                <a:fontRef idx="minor">
-                  <a:schemeClr val="tx1"/>
-                </a:fontRef>
-              </p:style>
-            </p:cxnSp>
-          </p:grpSp>
-          <p:sp>
-            <p:nvSpPr>
-              <p:cNvPr id="1145" name="TextBox 1144">
-                <a:extLst>
-                  <a:ext uri="{FF2B5EF4-FFF2-40B4-BE49-F238E27FC236}">
-                    <a16:creationId xmlns:a16="http://schemas.microsoft.com/office/drawing/2014/main" id="{3996E979-B7C7-F8AE-ED55-46F70AC8E4EE}"/>
-                  </a:ext>
-                </a:extLst>
-              </p:cNvPr>
-              <p:cNvSpPr txBox="1"/>
-              <p:nvPr/>
-            </p:nvSpPr>
-            <p:spPr>
-              <a:xfrm>
-                <a:off x="92099" y="1916008"/>
-                <a:ext cx="2014936" cy="209388"/>
-              </a:xfrm>
-              <a:prstGeom prst="roundRect">
-                <a:avLst>
-                  <a:gd name="adj" fmla="val 50000"/>
-                </a:avLst>
-              </a:prstGeom>
-              <a:solidFill>
-                <a:schemeClr val="bg1">
-                  <a:alpha val="50000"/>
-                </a:schemeClr>
-              </a:solidFill>
-            </p:spPr>
-            <p:txBody>
-              <a:bodyPr wrap="square" lIns="0" tIns="0" rIns="0" bIns="0" rtlCol="0" anchor="ctr" anchorCtr="0">
-                <a:noAutofit/>
-              </a:bodyPr>
-              <a:lstStyle/>
-              <a:p>
-                <a:pPr algn="ctr"/>
-                <a:r>
-                  <a:rPr lang="en-US" sz="1300" b="1" dirty="0">
-                    <a:latin typeface="Segoe UI Semibold" panose="020B0502040204020203" pitchFamily="34" charset="0"/>
-                    <a:ea typeface="Linux Libertine" panose="02000503000000000000" pitchFamily="2" charset="0"/>
-                    <a:cs typeface="Segoe UI Semibold" panose="020B0502040204020203" pitchFamily="34" charset="0"/>
-                  </a:rPr>
-                  <a:t>Polarization</a:t>
-                </a:r>
-              </a:p>
-            </p:txBody>
-          </p:sp>
-          <p:sp>
-            <p:nvSpPr>
-              <p:cNvPr id="1192" name="TextBox 1191">
-                <a:extLst>
-                  <a:ext uri="{FF2B5EF4-FFF2-40B4-BE49-F238E27FC236}">
-                    <a16:creationId xmlns:a16="http://schemas.microsoft.com/office/drawing/2014/main" id="{085E26E8-8F9B-BD96-1CED-44B61B924EAD}"/>
-                  </a:ext>
-                </a:extLst>
-              </p:cNvPr>
-              <p:cNvSpPr txBox="1"/>
-              <p:nvPr/>
-            </p:nvSpPr>
-            <p:spPr>
-              <a:xfrm>
-                <a:off x="92104" y="2488171"/>
-                <a:ext cx="2014937" cy="215449"/>
-              </a:xfrm>
-              <a:prstGeom prst="roundRect">
-                <a:avLst>
-                  <a:gd name="adj" fmla="val 50000"/>
-                </a:avLst>
-              </a:prstGeom>
-              <a:solidFill>
-                <a:schemeClr val="bg1">
-                  <a:alpha val="50000"/>
-                </a:schemeClr>
-              </a:solidFill>
-            </p:spPr>
-            <p:txBody>
-              <a:bodyPr wrap="square" lIns="0" tIns="0" rIns="0" bIns="0" rtlCol="0" anchor="ctr" anchorCtr="0">
-                <a:noAutofit/>
-              </a:bodyPr>
-              <a:lstStyle/>
-              <a:p>
-                <a:pPr algn="ctr"/>
-                <a:r>
-                  <a:rPr lang="en-US" sz="1300" b="1" dirty="0">
-                    <a:latin typeface="Segoe UI Semibold" panose="020B0502040204020203" pitchFamily="34" charset="0"/>
-                    <a:ea typeface="Linux Libertine" panose="02000503000000000000" pitchFamily="2" charset="0"/>
-                    <a:cs typeface="Segoe UI Semibold" panose="020B0502040204020203" pitchFamily="34" charset="0"/>
-                  </a:rPr>
-                  <a:t>Single-photon Statistics</a:t>
-                </a:r>
-              </a:p>
-            </p:txBody>
-          </p:sp>
-          <p:sp>
-            <p:nvSpPr>
-              <p:cNvPr id="1193" name="TextBox 1192">
-                <a:extLst>
-                  <a:ext uri="{FF2B5EF4-FFF2-40B4-BE49-F238E27FC236}">
-                    <a16:creationId xmlns:a16="http://schemas.microsoft.com/office/drawing/2014/main" id="{74F0C6B7-7501-8EFC-6E5F-92350ED8B6EC}"/>
-                  </a:ext>
-                </a:extLst>
-              </p:cNvPr>
-              <p:cNvSpPr txBox="1"/>
-              <p:nvPr/>
-            </p:nvSpPr>
-            <p:spPr>
-              <a:xfrm>
-                <a:off x="92099" y="2199106"/>
-                <a:ext cx="2026616" cy="215449"/>
-              </a:xfrm>
-              <a:prstGeom prst="roundRect">
-                <a:avLst>
-                  <a:gd name="adj" fmla="val 50000"/>
-                </a:avLst>
-              </a:prstGeom>
-              <a:solidFill>
-                <a:schemeClr val="bg1">
-                  <a:alpha val="50000"/>
-                </a:schemeClr>
-              </a:solidFill>
-            </p:spPr>
-            <p:txBody>
-              <a:bodyPr wrap="square" lIns="0" tIns="0" rIns="0" bIns="0" rtlCol="0" anchor="ctr" anchorCtr="0">
-                <a:noAutofit/>
-              </a:bodyPr>
-              <a:lstStyle/>
-              <a:p>
-                <a:pPr algn="ctr"/>
-                <a:r>
-                  <a:rPr lang="en-US" sz="1300" b="1" dirty="0">
-                    <a:latin typeface="Segoe UI Semibold" panose="020B0502040204020203" pitchFamily="34" charset="0"/>
-                    <a:ea typeface="Linux Libertine" panose="02000503000000000000" pitchFamily="2" charset="0"/>
-                    <a:cs typeface="Segoe UI Semibold" panose="020B0502040204020203" pitchFamily="34" charset="0"/>
-                  </a:rPr>
-                  <a:t>Time of Flight</a:t>
-                </a:r>
-              </a:p>
-            </p:txBody>
-          </p:sp>
-        </p:grpSp>
-        <p:grpSp>
-          <p:nvGrpSpPr>
-            <p:cNvPr id="62" name="Group 61">
-              <a:extLst>
-                <a:ext uri="{FF2B5EF4-FFF2-40B4-BE49-F238E27FC236}">
-                  <a16:creationId xmlns:a16="http://schemas.microsoft.com/office/drawing/2014/main" id="{A0BC2D95-E02A-BBF9-4DF1-23799ACEC838}"/>
-                </a:ext>
-              </a:extLst>
-            </p:cNvPr>
-            <p:cNvGrpSpPr/>
-            <p:nvPr/>
-          </p:nvGrpSpPr>
-          <p:grpSpPr>
-            <a:xfrm>
-              <a:off x="2412586" y="31311"/>
-              <a:ext cx="2138954" cy="2772657"/>
-              <a:chOff x="2412586" y="12051"/>
-              <a:chExt cx="2138954" cy="2772657"/>
-            </a:xfrm>
-          </p:grpSpPr>
-          <p:grpSp>
-            <p:nvGrpSpPr>
-              <p:cNvPr id="1215" name="Group 1214">
-                <a:extLst>
-                  <a:ext uri="{FF2B5EF4-FFF2-40B4-BE49-F238E27FC236}">
-                    <a16:creationId xmlns:a16="http://schemas.microsoft.com/office/drawing/2014/main" id="{B2E18140-5A0E-067A-695E-F3CED0ACBC61}"/>
-                  </a:ext>
-                </a:extLst>
-              </p:cNvPr>
-              <p:cNvGrpSpPr/>
-              <p:nvPr/>
-            </p:nvGrpSpPr>
-            <p:grpSpPr>
-              <a:xfrm>
-                <a:off x="2412586" y="12051"/>
-                <a:ext cx="2138954" cy="2772657"/>
-                <a:chOff x="3379104" y="427068"/>
-                <a:chExt cx="2138954" cy="3160824"/>
-              </a:xfrm>
-            </p:grpSpPr>
-            <p:sp>
-              <p:nvSpPr>
-                <p:cNvPr id="1200" name="Rectangle: Rounded Corners 1199">
-                  <a:extLst>
-                    <a:ext uri="{FF2B5EF4-FFF2-40B4-BE49-F238E27FC236}">
-                      <a16:creationId xmlns:a16="http://schemas.microsoft.com/office/drawing/2014/main" id="{96FC56C4-7A16-B344-8E36-ED5DC1445BED}"/>
-                    </a:ext>
-                  </a:extLst>
-                </p:cNvPr>
-                <p:cNvSpPr/>
-                <p:nvPr/>
-              </p:nvSpPr>
-              <p:spPr>
-                <a:xfrm>
-                  <a:off x="3379104" y="664302"/>
-                  <a:ext cx="2138954" cy="2923590"/>
-                </a:xfrm>
-                <a:prstGeom prst="roundRect">
-                  <a:avLst>
-                    <a:gd name="adj" fmla="val 8264"/>
-                  </a:avLst>
-                </a:prstGeom>
-                <a:solidFill>
-                  <a:schemeClr val="accent2">
-                    <a:lumMod val="20000"/>
-                    <a:lumOff val="80000"/>
-                  </a:schemeClr>
-                </a:solidFill>
-                <a:ln>
-                  <a:noFill/>
-                </a:ln>
-              </p:spPr>
-              <p:style>
-                <a:lnRef idx="2">
-                  <a:schemeClr val="accent1">
-                    <a:shade val="50000"/>
-                  </a:schemeClr>
-                </a:lnRef>
-                <a:fillRef idx="1">
-                  <a:schemeClr val="accent1"/>
-                </a:fillRef>
-                <a:effectRef idx="0">
-                  <a:schemeClr val="accent1"/>
-                </a:effectRef>
-                <a:fontRef idx="minor">
-                  <a:schemeClr val="lt1"/>
-                </a:fontRef>
-              </p:style>
-              <p:txBody>
-                <a:bodyPr rtlCol="0" anchor="ctr"/>
-                <a:lstStyle/>
-                <a:p>
-                  <a:pPr algn="ctr"/>
-                  <a:endParaRPr lang="en-US" dirty="0">
-                    <a:latin typeface="Segoe UI" panose="020B0502040204020203" pitchFamily="34" charset="0"/>
-                    <a:ea typeface="Linux Libertine" panose="02000503000000000000" pitchFamily="2" charset="0"/>
-                    <a:cs typeface="Segoe UI" panose="020B0502040204020203" pitchFamily="34" charset="0"/>
-                  </a:endParaRPr>
-                </a:p>
-              </p:txBody>
-            </p:sp>
-            <p:sp>
-              <p:nvSpPr>
-                <p:cNvPr id="1031" name="TextBox 1030">
-                  <a:extLst>
-                    <a:ext uri="{FF2B5EF4-FFF2-40B4-BE49-F238E27FC236}">
-                      <a16:creationId xmlns:a16="http://schemas.microsoft.com/office/drawing/2014/main" id="{D539C33D-E8C7-CC55-AF44-15719A6CE959}"/>
-                    </a:ext>
-                  </a:extLst>
-                </p:cNvPr>
-                <p:cNvSpPr txBox="1"/>
-                <p:nvPr/>
-              </p:nvSpPr>
-              <p:spPr>
-                <a:xfrm>
-                  <a:off x="3527373" y="427068"/>
-                  <a:ext cx="1858686" cy="608915"/>
-                </a:xfrm>
-                <a:prstGeom prst="roundRect">
-                  <a:avLst/>
-                </a:prstGeom>
-                <a:ln/>
-              </p:spPr>
-              <p:style>
-                <a:lnRef idx="3">
-                  <a:schemeClr val="lt1"/>
-                </a:lnRef>
-                <a:fillRef idx="1">
-                  <a:schemeClr val="accent2"/>
-                </a:fillRef>
-                <a:effectRef idx="1">
-                  <a:schemeClr val="accent2"/>
-                </a:effectRef>
-                <a:fontRef idx="minor">
-                  <a:schemeClr val="lt1"/>
-                </a:fontRef>
-              </p:style>
-              <p:txBody>
-                <a:bodyPr wrap="square" lIns="0" tIns="0" rIns="0" bIns="0" rtlCol="0" anchor="ctr" anchorCtr="0">
-                  <a:noAutofit/>
-                </a:bodyPr>
-                <a:lstStyle/>
-                <a:p>
-                  <a:pPr algn="ctr"/>
-                  <a:r>
-                    <a:rPr lang="en-US" sz="1600" dirty="0">
-                      <a:latin typeface="Segoe UI" panose="020B0502040204020203" pitchFamily="34" charset="0"/>
-                      <a:ea typeface="Linux Libertine" panose="02000503000000000000" pitchFamily="2" charset="0"/>
-                      <a:cs typeface="Segoe UI" panose="020B0502040204020203" pitchFamily="34" charset="0"/>
-                    </a:rPr>
-                    <a:t>Physics-based Machine Learning</a:t>
-                  </a:r>
-                </a:p>
-              </p:txBody>
-            </p:sp>
-            <p:sp>
-              <p:nvSpPr>
-                <p:cNvPr id="1032" name="TextBox 1031">
-                  <a:extLst>
-                    <a:ext uri="{FF2B5EF4-FFF2-40B4-BE49-F238E27FC236}">
-                      <a16:creationId xmlns:a16="http://schemas.microsoft.com/office/drawing/2014/main" id="{5DFA2662-F762-1722-EE1F-5BCBDC88AA4B}"/>
-                    </a:ext>
-                  </a:extLst>
-                </p:cNvPr>
-                <p:cNvSpPr txBox="1"/>
-                <p:nvPr/>
-              </p:nvSpPr>
-              <p:spPr>
-                <a:xfrm>
-                  <a:off x="3426495" y="1062385"/>
-                  <a:ext cx="2048512" cy="489937"/>
-                </a:xfrm>
-                <a:prstGeom prst="rect">
-                  <a:avLst/>
-                </a:prstGeom>
-                <a:noFill/>
-              </p:spPr>
-              <p:txBody>
-                <a:bodyPr wrap="square" lIns="0" tIns="0" rIns="0" bIns="0" rtlCol="0">
-                  <a:noAutofit/>
-                </a:bodyPr>
-                <a:lstStyle/>
-                <a:p>
-                  <a:pPr algn="ctr"/>
-                  <a:r>
-                    <a:rPr lang="en-US" sz="1400" dirty="0">
-                      <a:solidFill>
-                        <a:schemeClr val="accent2">
-                          <a:lumMod val="50000"/>
-                        </a:schemeClr>
-                      </a:solidFill>
-                      <a:latin typeface="Segoe UI" panose="020B0502040204020203" pitchFamily="34" charset="0"/>
-                      <a:ea typeface="Linux Libertine" panose="02000503000000000000" pitchFamily="2" charset="0"/>
-                      <a:cs typeface="Segoe UI" panose="020B0502040204020203" pitchFamily="34" charset="0"/>
-                    </a:rPr>
-                    <a:t>AI that </a:t>
-                  </a:r>
-                  <a:r>
-                    <a:rPr lang="en-US" sz="1400" u="sng" dirty="0">
-                      <a:solidFill>
-                        <a:schemeClr val="accent2">
-                          <a:lumMod val="50000"/>
-                        </a:schemeClr>
-                      </a:solidFill>
-                      <a:latin typeface="Segoe UI" panose="020B0502040204020203" pitchFamily="34" charset="0"/>
-                      <a:ea typeface="Linux Libertine" panose="02000503000000000000" pitchFamily="2" charset="0"/>
-                      <a:cs typeface="Segoe UI" panose="020B0502040204020203" pitchFamily="34" charset="0"/>
-                    </a:rPr>
-                    <a:t>analyzes</a:t>
-                  </a:r>
-                  <a:r>
-                    <a:rPr lang="en-US" sz="1400" dirty="0">
-                      <a:solidFill>
-                        <a:schemeClr val="accent2">
-                          <a:lumMod val="50000"/>
-                        </a:schemeClr>
-                      </a:solidFill>
-                      <a:latin typeface="Segoe UI" panose="020B0502040204020203" pitchFamily="34" charset="0"/>
-                      <a:ea typeface="Linux Libertine" panose="02000503000000000000" pitchFamily="2" charset="0"/>
-                      <a:cs typeface="Segoe UI" panose="020B0502040204020203" pitchFamily="34" charset="0"/>
-                    </a:rPr>
-                    <a:t> </a:t>
-                  </a:r>
-                </a:p>
-                <a:p>
-                  <a:pPr algn="ctr"/>
-                  <a:r>
-                    <a:rPr lang="en-US" sz="1400" dirty="0">
-                      <a:solidFill>
-                        <a:schemeClr val="accent2">
-                          <a:lumMod val="50000"/>
-                        </a:schemeClr>
-                      </a:solidFill>
-                      <a:latin typeface="Segoe UI" panose="020B0502040204020203" pitchFamily="34" charset="0"/>
-                      <a:ea typeface="Linux Libertine" panose="02000503000000000000" pitchFamily="2" charset="0"/>
-                      <a:cs typeface="Segoe UI" panose="020B0502040204020203" pitchFamily="34" charset="0"/>
-                    </a:rPr>
-                    <a:t>the physics of light </a:t>
-                  </a:r>
-                </a:p>
-              </p:txBody>
-            </p:sp>
-          </p:grpSp>
-          <p:grpSp>
-            <p:nvGrpSpPr>
-              <p:cNvPr id="1123" name="Group 1122">
-                <a:extLst>
-                  <a:ext uri="{FF2B5EF4-FFF2-40B4-BE49-F238E27FC236}">
-                    <a16:creationId xmlns:a16="http://schemas.microsoft.com/office/drawing/2014/main" id="{EA33BD20-9106-F5B1-BA0E-5277DC88C561}"/>
-                  </a:ext>
-                </a:extLst>
-              </p:cNvPr>
-              <p:cNvGrpSpPr/>
-              <p:nvPr/>
-            </p:nvGrpSpPr>
-            <p:grpSpPr>
-              <a:xfrm>
-                <a:off x="2814731" y="1007316"/>
-                <a:ext cx="1405283" cy="803336"/>
-                <a:chOff x="6525971" y="1268445"/>
-                <a:chExt cx="1405283" cy="803336"/>
-              </a:xfrm>
-            </p:grpSpPr>
-            <p:pic>
-              <p:nvPicPr>
-                <p:cNvPr id="10" name="Graphic 9" descr="Dim (Smaller Sun) with solid fill">
-                  <a:extLst>
-                    <a:ext uri="{FF2B5EF4-FFF2-40B4-BE49-F238E27FC236}">
-                      <a16:creationId xmlns:a16="http://schemas.microsoft.com/office/drawing/2014/main" id="{2029C5DE-FBBD-E514-5C30-CDD41C6D7665}"/>
-                    </a:ext>
-                  </a:extLst>
-                </p:cNvPr>
-                <p:cNvPicPr>
-                  <a:picLocks noChangeAspect="1"/>
-                </p:cNvPicPr>
-                <p:nvPr/>
-              </p:nvPicPr>
-              <p:blipFill>
-                <a:blip r:embed="rId6">
-                  <a:extLst>
-                    <a:ext uri="{28A0092B-C50C-407E-A947-70E740481C1C}">
-                      <a14:useLocalDpi xmlns:a14="http://schemas.microsoft.com/office/drawing/2010/main" val="0"/>
-                    </a:ext>
-                    <a:ext uri="{96DAC541-7B7A-43D3-8B79-37D633B846F1}">
-                      <asvg:svgBlip xmlns:asvg="http://schemas.microsoft.com/office/drawing/2016/SVG/main" r:embed="rId7"/>
-                    </a:ext>
-                  </a:extLst>
-                </a:blip>
-                <a:stretch>
-                  <a:fillRect/>
-                </a:stretch>
-              </p:blipFill>
-              <p:spPr>
-                <a:xfrm flipH="1">
-                  <a:off x="7590735" y="1357465"/>
-                  <a:ext cx="340519" cy="340519"/>
-                </a:xfrm>
-                <a:prstGeom prst="rect">
-                  <a:avLst/>
-                </a:prstGeom>
-              </p:spPr>
-            </p:pic>
-            <p:sp>
-              <p:nvSpPr>
-                <p:cNvPr id="11" name="Oval 10">
-                  <a:extLst>
-                    <a:ext uri="{FF2B5EF4-FFF2-40B4-BE49-F238E27FC236}">
-                      <a16:creationId xmlns:a16="http://schemas.microsoft.com/office/drawing/2014/main" id="{800234F0-D748-1A25-EEFD-11A10FF0D5C4}"/>
-                    </a:ext>
-                  </a:extLst>
-                </p:cNvPr>
-                <p:cNvSpPr/>
-                <p:nvPr/>
-              </p:nvSpPr>
-              <p:spPr>
-                <a:xfrm flipH="1" flipV="1">
-                  <a:off x="7427749" y="2018810"/>
-                  <a:ext cx="52971" cy="52971"/>
-                </a:xfrm>
-                <a:prstGeom prst="ellipse">
-                  <a:avLst/>
-                </a:prstGeom>
-                <a:solidFill>
-                  <a:srgbClr val="949984"/>
-                </a:solidFill>
-                <a:ln>
-                  <a:noFill/>
-                </a:ln>
-              </p:spPr>
-              <p:style>
-                <a:lnRef idx="2">
-                  <a:schemeClr val="accent1">
-                    <a:shade val="50000"/>
-                  </a:schemeClr>
-                </a:lnRef>
-                <a:fillRef idx="1">
-                  <a:schemeClr val="accent1"/>
-                </a:fillRef>
-                <a:effectRef idx="0">
-                  <a:schemeClr val="accent1"/>
-                </a:effectRef>
-                <a:fontRef idx="minor">
-                  <a:schemeClr val="lt1"/>
-                </a:fontRef>
-              </p:style>
-              <p:txBody>
-                <a:bodyPr rtlCol="0" anchor="ctr"/>
-                <a:lstStyle/>
-                <a:p>
-                  <a:pPr algn="ctr"/>
-                  <a:endParaRPr lang="en-US">
-                    <a:latin typeface="Segoe UI" panose="020B0502040204020203" pitchFamily="34" charset="0"/>
-                    <a:ea typeface="Linux Libertine" panose="02000503000000000000" pitchFamily="2" charset="0"/>
-                    <a:cs typeface="Segoe UI" panose="020B0502040204020203" pitchFamily="34" charset="0"/>
-                  </a:endParaRPr>
-                </a:p>
-              </p:txBody>
-            </p:sp>
-            <p:cxnSp>
-              <p:nvCxnSpPr>
-                <p:cNvPr id="12" name="Straight Arrow Connector 11">
-                  <a:extLst>
-                    <a:ext uri="{FF2B5EF4-FFF2-40B4-BE49-F238E27FC236}">
-                      <a16:creationId xmlns:a16="http://schemas.microsoft.com/office/drawing/2014/main" id="{F8858164-3A99-452E-2C66-311E823F4527}"/>
-                    </a:ext>
-                  </a:extLst>
-                </p:cNvPr>
-                <p:cNvCxnSpPr>
-                  <a:cxnSpLocks/>
-                </p:cNvCxnSpPr>
-                <p:nvPr/>
-              </p:nvCxnSpPr>
-              <p:spPr>
-                <a:xfrm flipH="1">
-                  <a:off x="7480720" y="1638110"/>
-                  <a:ext cx="219519" cy="391917"/>
-                </a:xfrm>
-                <a:prstGeom prst="straightConnector1">
-                  <a:avLst/>
-                </a:prstGeom>
-                <a:ln w="19050">
-                  <a:solidFill>
-                    <a:schemeClr val="accent4">
-                      <a:lumMod val="75000"/>
-                    </a:schemeClr>
-                  </a:solidFill>
-                  <a:tailEnd type="triangle"/>
-                </a:ln>
-              </p:spPr>
-              <p:style>
-                <a:lnRef idx="1">
-                  <a:schemeClr val="accent1"/>
-                </a:lnRef>
-                <a:fillRef idx="0">
-                  <a:schemeClr val="accent1"/>
-                </a:fillRef>
-                <a:effectRef idx="0">
-                  <a:schemeClr val="accent1"/>
-                </a:effectRef>
-                <a:fontRef idx="minor">
-                  <a:schemeClr val="tx1"/>
-                </a:fontRef>
-              </p:style>
-            </p:cxnSp>
-            <p:sp>
-              <p:nvSpPr>
-                <p:cNvPr id="13" name="Oval 12">
-                  <a:extLst>
-                    <a:ext uri="{FF2B5EF4-FFF2-40B4-BE49-F238E27FC236}">
-                      <a16:creationId xmlns:a16="http://schemas.microsoft.com/office/drawing/2014/main" id="{D6F027A0-2330-5263-78B4-29AC10820169}"/>
-                    </a:ext>
-                  </a:extLst>
-                </p:cNvPr>
-                <p:cNvSpPr/>
-                <p:nvPr/>
-              </p:nvSpPr>
-              <p:spPr>
-                <a:xfrm flipH="1" flipV="1">
-                  <a:off x="7313498" y="1870526"/>
-                  <a:ext cx="52971" cy="52971"/>
-                </a:xfrm>
-                <a:prstGeom prst="ellipse">
-                  <a:avLst/>
-                </a:prstGeom>
-                <a:solidFill>
-                  <a:srgbClr val="949984"/>
-                </a:solidFill>
-                <a:ln>
-                  <a:noFill/>
-                </a:ln>
-              </p:spPr>
-              <p:style>
-                <a:lnRef idx="2">
-                  <a:schemeClr val="accent1">
-                    <a:shade val="50000"/>
-                  </a:schemeClr>
-                </a:lnRef>
-                <a:fillRef idx="1">
-                  <a:schemeClr val="accent1"/>
-                </a:fillRef>
-                <a:effectRef idx="0">
-                  <a:schemeClr val="accent1"/>
-                </a:effectRef>
-                <a:fontRef idx="minor">
-                  <a:schemeClr val="lt1"/>
-                </a:fontRef>
-              </p:style>
-              <p:txBody>
-                <a:bodyPr rtlCol="0" anchor="ctr"/>
-                <a:lstStyle/>
-                <a:p>
-                  <a:pPr algn="ctr"/>
-                  <a:endParaRPr lang="en-US">
-                    <a:latin typeface="Segoe UI" panose="020B0502040204020203" pitchFamily="34" charset="0"/>
-                    <a:ea typeface="Linux Libertine" panose="02000503000000000000" pitchFamily="2" charset="0"/>
-                    <a:cs typeface="Segoe UI" panose="020B0502040204020203" pitchFamily="34" charset="0"/>
-                  </a:endParaRPr>
-                </a:p>
-              </p:txBody>
-            </p:sp>
-            <p:sp>
-              <p:nvSpPr>
-                <p:cNvPr id="14" name="Oval 13">
-                  <a:extLst>
-                    <a:ext uri="{FF2B5EF4-FFF2-40B4-BE49-F238E27FC236}">
-                      <a16:creationId xmlns:a16="http://schemas.microsoft.com/office/drawing/2014/main" id="{25D6A5E1-2F72-03B2-98CD-9B9C82DC3325}"/>
-                    </a:ext>
-                  </a:extLst>
-                </p:cNvPr>
-                <p:cNvSpPr/>
-                <p:nvPr/>
-              </p:nvSpPr>
-              <p:spPr>
-                <a:xfrm flipH="1" flipV="1">
-                  <a:off x="7120559" y="2018809"/>
-                  <a:ext cx="52971" cy="52971"/>
-                </a:xfrm>
-                <a:prstGeom prst="ellipse">
-                  <a:avLst/>
-                </a:prstGeom>
-                <a:solidFill>
-                  <a:srgbClr val="949984"/>
-                </a:solidFill>
-                <a:ln>
-                  <a:noFill/>
-                </a:ln>
-              </p:spPr>
-              <p:style>
-                <a:lnRef idx="2">
-                  <a:schemeClr val="accent1">
-                    <a:shade val="50000"/>
-                  </a:schemeClr>
-                </a:lnRef>
-                <a:fillRef idx="1">
-                  <a:schemeClr val="accent1"/>
-                </a:fillRef>
-                <a:effectRef idx="0">
-                  <a:schemeClr val="accent1"/>
-                </a:effectRef>
-                <a:fontRef idx="minor">
-                  <a:schemeClr val="lt1"/>
-                </a:fontRef>
-              </p:style>
-              <p:txBody>
-                <a:bodyPr rtlCol="0" anchor="ctr"/>
-                <a:lstStyle/>
-                <a:p>
-                  <a:pPr algn="ctr"/>
-                  <a:endParaRPr lang="en-US">
-                    <a:latin typeface="Segoe UI" panose="020B0502040204020203" pitchFamily="34" charset="0"/>
-                    <a:ea typeface="Linux Libertine" panose="02000503000000000000" pitchFamily="2" charset="0"/>
-                    <a:cs typeface="Segoe UI" panose="020B0502040204020203" pitchFamily="34" charset="0"/>
-                  </a:endParaRPr>
-                </a:p>
-              </p:txBody>
-            </p:sp>
-            <p:cxnSp>
-              <p:nvCxnSpPr>
-                <p:cNvPr id="15" name="Straight Arrow Connector 14">
-                  <a:extLst>
-                    <a:ext uri="{FF2B5EF4-FFF2-40B4-BE49-F238E27FC236}">
-                      <a16:creationId xmlns:a16="http://schemas.microsoft.com/office/drawing/2014/main" id="{94EE3C99-DD46-97C8-7DC3-6C8EE03E63D9}"/>
-                    </a:ext>
-                  </a:extLst>
-                </p:cNvPr>
-                <p:cNvCxnSpPr>
-                  <a:cxnSpLocks/>
-                  <a:endCxn id="13" idx="1"/>
-                </p:cNvCxnSpPr>
-                <p:nvPr/>
-              </p:nvCxnSpPr>
-              <p:spPr>
-                <a:xfrm flipH="1" flipV="1">
-                  <a:off x="7358712" y="1915740"/>
-                  <a:ext cx="81100" cy="103069"/>
-                </a:xfrm>
-                <a:prstGeom prst="straightConnector1">
-                  <a:avLst/>
-                </a:prstGeom>
-                <a:ln w="19050">
-                  <a:solidFill>
-                    <a:schemeClr val="accent4">
-                      <a:lumMod val="75000"/>
-                    </a:schemeClr>
-                  </a:solidFill>
-                  <a:tailEnd type="triangle"/>
-                </a:ln>
-              </p:spPr>
-              <p:style>
-                <a:lnRef idx="1">
-                  <a:schemeClr val="accent1"/>
-                </a:lnRef>
-                <a:fillRef idx="0">
-                  <a:schemeClr val="accent1"/>
-                </a:fillRef>
-                <a:effectRef idx="0">
-                  <a:schemeClr val="accent1"/>
-                </a:effectRef>
-                <a:fontRef idx="minor">
-                  <a:schemeClr val="tx1"/>
-                </a:fontRef>
-              </p:style>
-            </p:cxnSp>
-            <p:cxnSp>
-              <p:nvCxnSpPr>
-                <p:cNvPr id="16" name="Straight Arrow Connector 15">
-                  <a:extLst>
-                    <a:ext uri="{FF2B5EF4-FFF2-40B4-BE49-F238E27FC236}">
-                      <a16:creationId xmlns:a16="http://schemas.microsoft.com/office/drawing/2014/main" id="{61B01524-81D4-701B-B85C-1BE48FDFA0B4}"/>
-                    </a:ext>
-                  </a:extLst>
-                </p:cNvPr>
-                <p:cNvCxnSpPr>
-                  <a:cxnSpLocks/>
-                  <a:stCxn id="13" idx="7"/>
-                  <a:endCxn id="14" idx="3"/>
-                </p:cNvCxnSpPr>
-                <p:nvPr/>
-              </p:nvCxnSpPr>
-              <p:spPr>
-                <a:xfrm flipH="1">
-                  <a:off x="7165773" y="1915740"/>
-                  <a:ext cx="155482" cy="110826"/>
-                </a:xfrm>
-                <a:prstGeom prst="straightConnector1">
-                  <a:avLst/>
-                </a:prstGeom>
-                <a:ln w="19050">
-                  <a:solidFill>
-                    <a:schemeClr val="accent4">
-                      <a:lumMod val="75000"/>
-                    </a:schemeClr>
-                  </a:solidFill>
-                  <a:tailEnd type="triangle"/>
-                </a:ln>
-              </p:spPr>
-              <p:style>
-                <a:lnRef idx="1">
-                  <a:schemeClr val="accent1"/>
-                </a:lnRef>
-                <a:fillRef idx="0">
-                  <a:schemeClr val="accent1"/>
-                </a:fillRef>
-                <a:effectRef idx="0">
-                  <a:schemeClr val="accent1"/>
-                </a:effectRef>
-                <a:fontRef idx="minor">
-                  <a:schemeClr val="tx1"/>
-                </a:fontRef>
-              </p:style>
-            </p:cxnSp>
-            <p:cxnSp>
-              <p:nvCxnSpPr>
-                <p:cNvPr id="17" name="Straight Arrow Connector 16">
-                  <a:extLst>
-                    <a:ext uri="{FF2B5EF4-FFF2-40B4-BE49-F238E27FC236}">
-                      <a16:creationId xmlns:a16="http://schemas.microsoft.com/office/drawing/2014/main" id="{9B98F1CA-E9C5-1978-F46C-73778EFEDB02}"/>
-                    </a:ext>
-                  </a:extLst>
-                </p:cNvPr>
-                <p:cNvCxnSpPr>
-                  <a:cxnSpLocks/>
-                  <a:stCxn id="14" idx="5"/>
-                </p:cNvCxnSpPr>
-                <p:nvPr/>
-              </p:nvCxnSpPr>
-              <p:spPr>
-                <a:xfrm flipH="1" flipV="1">
-                  <a:off x="6752308" y="1460620"/>
-                  <a:ext cx="376008" cy="565946"/>
-                </a:xfrm>
-                <a:prstGeom prst="straightConnector1">
-                  <a:avLst/>
-                </a:prstGeom>
-                <a:ln w="19050">
-                  <a:solidFill>
-                    <a:schemeClr val="accent4">
-                      <a:lumMod val="75000"/>
-                    </a:schemeClr>
-                  </a:solidFill>
-                  <a:tailEnd type="none"/>
-                </a:ln>
-              </p:spPr>
-              <p:style>
-                <a:lnRef idx="1">
-                  <a:schemeClr val="accent1"/>
-                </a:lnRef>
-                <a:fillRef idx="0">
-                  <a:schemeClr val="accent1"/>
-                </a:fillRef>
-                <a:effectRef idx="0">
-                  <a:schemeClr val="accent1"/>
-                </a:effectRef>
-                <a:fontRef idx="minor">
-                  <a:schemeClr val="tx1"/>
-                </a:fontRef>
-              </p:style>
-            </p:cxnSp>
-            <p:grpSp>
-              <p:nvGrpSpPr>
-                <p:cNvPr id="18" name="Group 17">
-                  <a:extLst>
-                    <a:ext uri="{FF2B5EF4-FFF2-40B4-BE49-F238E27FC236}">
-                      <a16:creationId xmlns:a16="http://schemas.microsoft.com/office/drawing/2014/main" id="{B3887300-E06A-01EB-2611-CBF0B53D9FD2}"/>
-                    </a:ext>
-                  </a:extLst>
-                </p:cNvPr>
-                <p:cNvGrpSpPr/>
-                <p:nvPr/>
-              </p:nvGrpSpPr>
-              <p:grpSpPr>
-                <a:xfrm>
-                  <a:off x="6525971" y="1352051"/>
-                  <a:ext cx="690275" cy="636482"/>
-                  <a:chOff x="6479493" y="1352051"/>
-                  <a:chExt cx="690275" cy="636482"/>
-                </a:xfrm>
-              </p:grpSpPr>
-              <p:sp>
-                <p:nvSpPr>
-                  <p:cNvPr id="19" name="Freeform: Shape 18">
-                    <a:extLst>
-                      <a:ext uri="{FF2B5EF4-FFF2-40B4-BE49-F238E27FC236}">
-                        <a16:creationId xmlns:a16="http://schemas.microsoft.com/office/drawing/2014/main" id="{35CD5D58-8389-FDF2-63C6-69E96DDCC197}"/>
-                      </a:ext>
-                    </a:extLst>
-                  </p:cNvPr>
-                  <p:cNvSpPr/>
-                  <p:nvPr/>
-                </p:nvSpPr>
-                <p:spPr>
-                  <a:xfrm>
-                    <a:off x="6481655" y="1352051"/>
-                    <a:ext cx="688113" cy="633216"/>
-                  </a:xfrm>
-                  <a:custGeom>
-                    <a:avLst/>
-                    <a:gdLst>
-                      <a:gd name="connsiteX0" fmla="*/ 447449 w 688113"/>
-                      <a:gd name="connsiteY0" fmla="*/ 114284 h 633216"/>
-                      <a:gd name="connsiteX1" fmla="*/ 682940 w 688113"/>
-                      <a:gd name="connsiteY1" fmla="*/ 122061 h 633216"/>
-                      <a:gd name="connsiteX2" fmla="*/ 681752 w 688113"/>
-                      <a:gd name="connsiteY2" fmla="*/ 131247 h 633216"/>
-                      <a:gd name="connsiteX3" fmla="*/ 120604 w 688113"/>
-                      <a:gd name="connsiteY3" fmla="*/ 627591 h 633216"/>
-                      <a:gd name="connsiteX4" fmla="*/ 111215 w 688113"/>
-                      <a:gd name="connsiteY4" fmla="*/ 627759 h 633216"/>
-                      <a:gd name="connsiteX5" fmla="*/ 128907 w 688113"/>
-                      <a:gd name="connsiteY5" fmla="*/ 396038 h 633216"/>
-                      <a:gd name="connsiteX6" fmla="*/ 134567 w 688113"/>
-                      <a:gd name="connsiteY6" fmla="*/ 388570 h 633216"/>
-                      <a:gd name="connsiteX7" fmla="*/ 439303 w 688113"/>
-                      <a:gd name="connsiteY7" fmla="*/ 119027 h 633216"/>
-                      <a:gd name="connsiteX8" fmla="*/ 447449 w 688113"/>
-                      <a:gd name="connsiteY8" fmla="*/ 114284 h 633216"/>
-                    </a:gdLst>
-                    <a:ahLst/>
-                    <a:cxnLst>
-                      <a:cxn ang="0">
-                        <a:pos x="connsiteX0" y="connsiteY0"/>
-                      </a:cxn>
-                      <a:cxn ang="0">
-                        <a:pos x="connsiteX1" y="connsiteY1"/>
-                      </a:cxn>
-                      <a:cxn ang="0">
-                        <a:pos x="connsiteX2" y="connsiteY2"/>
-                      </a:cxn>
-                      <a:cxn ang="0">
-                        <a:pos x="connsiteX3" y="connsiteY3"/>
-                      </a:cxn>
-                      <a:cxn ang="0">
-                        <a:pos x="connsiteX4" y="connsiteY4"/>
-                      </a:cxn>
-                      <a:cxn ang="0">
-                        <a:pos x="connsiteX5" y="connsiteY5"/>
-                      </a:cxn>
-                      <a:cxn ang="0">
-                        <a:pos x="connsiteX6" y="connsiteY6"/>
-                      </a:cxn>
-                      <a:cxn ang="0">
-                        <a:pos x="connsiteX7" y="connsiteY7"/>
-                      </a:cxn>
-                      <a:cxn ang="0">
-                        <a:pos x="connsiteX8" y="connsiteY8"/>
-                      </a:cxn>
-                    </a:cxnLst>
-                    <a:rect l="l" t="t" r="r" b="b"/>
-                    <a:pathLst>
-                      <a:path w="688113" h="633216">
-                        <a:moveTo>
-                          <a:pt x="447449" y="114284"/>
-                        </a:moveTo>
-                        <a:lnTo>
-                          <a:pt x="682940" y="122061"/>
-                        </a:lnTo>
-                        <a:cubicBezTo>
-                          <a:pt x="687815" y="122223"/>
-                          <a:pt x="687326" y="126317"/>
-                          <a:pt x="681752" y="131247"/>
-                        </a:cubicBezTo>
-                        <a:lnTo>
-                          <a:pt x="120604" y="627591"/>
-                        </a:lnTo>
-                        <a:cubicBezTo>
-                          <a:pt x="115035" y="632516"/>
-                          <a:pt x="110850" y="632557"/>
-                          <a:pt x="111215" y="627759"/>
-                        </a:cubicBezTo>
-                        <a:lnTo>
-                          <a:pt x="128907" y="396038"/>
-                        </a:lnTo>
-                        <a:cubicBezTo>
-                          <a:pt x="129021" y="394569"/>
-                          <a:pt x="131542" y="391246"/>
-                          <a:pt x="134567" y="388570"/>
-                        </a:cubicBezTo>
-                        <a:lnTo>
-                          <a:pt x="439303" y="119027"/>
-                        </a:lnTo>
-                        <a:cubicBezTo>
-                          <a:pt x="442327" y="116352"/>
-                          <a:pt x="445955" y="114236"/>
-                          <a:pt x="447449" y="114284"/>
-                        </a:cubicBezTo>
-                        <a:close/>
-                      </a:path>
-                    </a:pathLst>
-                  </a:custGeom>
-                  <a:solidFill>
-                    <a:srgbClr val="BFE2E2"/>
-                  </a:solidFill>
-                  <a:ln w="11753" cap="rnd">
-                    <a:solidFill>
-                      <a:schemeClr val="accent5">
-                        <a:lumMod val="50000"/>
-                      </a:schemeClr>
-                    </a:solidFill>
-                    <a:prstDash val="solid"/>
-                    <a:round/>
-                  </a:ln>
-                </p:spPr>
-                <p:txBody>
-                  <a:bodyPr rtlCol="0" anchor="ctr"/>
-                  <a:lstStyle/>
-                  <a:p>
-                    <a:endParaRPr lang="en-US">
-                      <a:latin typeface="Segoe UI" panose="020B0502040204020203" pitchFamily="34" charset="0"/>
-                      <a:ea typeface="Linux Libertine" panose="02000503000000000000" pitchFamily="2" charset="0"/>
-                      <a:cs typeface="Segoe UI" panose="020B0502040204020203" pitchFamily="34" charset="0"/>
-                    </a:endParaRPr>
-                  </a:p>
-                </p:txBody>
-              </p:sp>
-              <p:sp>
-                <p:nvSpPr>
-                  <p:cNvPr id="20" name="Freeform: Shape 19">
-                    <a:extLst>
-                      <a:ext uri="{FF2B5EF4-FFF2-40B4-BE49-F238E27FC236}">
-                        <a16:creationId xmlns:a16="http://schemas.microsoft.com/office/drawing/2014/main" id="{D09A019B-FBE2-6476-C317-6DA3A13F1FE0}"/>
-                      </a:ext>
-                    </a:extLst>
-                  </p:cNvPr>
-                  <p:cNvSpPr/>
-                  <p:nvPr/>
-                </p:nvSpPr>
-                <p:spPr>
-                  <a:xfrm>
-                    <a:off x="6860822" y="1533524"/>
-                    <a:ext cx="130117" cy="120635"/>
-                  </a:xfrm>
-                  <a:custGeom>
-                    <a:avLst/>
-                    <a:gdLst>
-                      <a:gd name="connsiteX0" fmla="*/ 86721 w 130117"/>
-                      <a:gd name="connsiteY0" fmla="*/ 15581 h 120635"/>
-                      <a:gd name="connsiteX1" fmla="*/ 130117 w 130117"/>
-                      <a:gd name="connsiteY1" fmla="*/ 28348 h 120635"/>
-                      <a:gd name="connsiteX2" fmla="*/ 31440 w 130117"/>
-                      <a:gd name="connsiteY2" fmla="*/ 115630 h 120635"/>
-                      <a:gd name="connsiteX3" fmla="*/ 0 w 130117"/>
-                      <a:gd name="connsiteY3" fmla="*/ 92288 h 120635"/>
-                    </a:gdLst>
-                    <a:ahLst/>
-                    <a:cxnLst>
-                      <a:cxn ang="0">
-                        <a:pos x="connsiteX0" y="connsiteY0"/>
-                      </a:cxn>
-                      <a:cxn ang="0">
-                        <a:pos x="connsiteX1" y="connsiteY1"/>
-                      </a:cxn>
-                      <a:cxn ang="0">
-                        <a:pos x="connsiteX2" y="connsiteY2"/>
-                      </a:cxn>
-                      <a:cxn ang="0">
-                        <a:pos x="connsiteX3" y="connsiteY3"/>
-                      </a:cxn>
-                    </a:cxnLst>
-                    <a:rect l="l" t="t" r="r" b="b"/>
-                    <a:pathLst>
-                      <a:path w="130117" h="120635">
-                        <a:moveTo>
-                          <a:pt x="86721" y="15581"/>
-                        </a:moveTo>
-                        <a:lnTo>
-                          <a:pt x="130117" y="28348"/>
-                        </a:lnTo>
-                        <a:lnTo>
-                          <a:pt x="31440" y="115630"/>
-                        </a:lnTo>
-                        <a:lnTo>
-                          <a:pt x="0" y="92288"/>
-                        </a:lnTo>
-                        <a:close/>
-                      </a:path>
-                    </a:pathLst>
-                  </a:custGeom>
-                  <a:solidFill>
-                    <a:srgbClr val="DADBD1"/>
-                  </a:solidFill>
-                  <a:ln w="2303" cap="rnd">
-                    <a:solidFill>
-                      <a:schemeClr val="accent5">
-                        <a:lumMod val="50000"/>
-                      </a:schemeClr>
-                    </a:solidFill>
-                    <a:prstDash val="solid"/>
-                    <a:round/>
-                  </a:ln>
-                </p:spPr>
-                <p:txBody>
-                  <a:bodyPr rtlCol="0" anchor="ctr"/>
-                  <a:lstStyle/>
-                  <a:p>
-                    <a:endParaRPr lang="en-US">
-                      <a:latin typeface="Segoe UI" panose="020B0502040204020203" pitchFamily="34" charset="0"/>
-                      <a:ea typeface="Linux Libertine" panose="02000503000000000000" pitchFamily="2" charset="0"/>
-                      <a:cs typeface="Segoe UI" panose="020B0502040204020203" pitchFamily="34" charset="0"/>
-                    </a:endParaRPr>
-                  </a:p>
-                </p:txBody>
-              </p:sp>
-              <p:sp>
-                <p:nvSpPr>
-                  <p:cNvPr id="22" name="Freeform: Shape 21">
-                    <a:extLst>
-                      <a:ext uri="{FF2B5EF4-FFF2-40B4-BE49-F238E27FC236}">
-                        <a16:creationId xmlns:a16="http://schemas.microsoft.com/office/drawing/2014/main" id="{1D7169E8-B1E1-8595-1A32-F927A36BD63E}"/>
-                      </a:ext>
-                    </a:extLst>
-                  </p:cNvPr>
-                  <p:cNvSpPr/>
-                  <p:nvPr/>
-                </p:nvSpPr>
-                <p:spPr>
-                  <a:xfrm>
-                    <a:off x="6745203" y="1586567"/>
-                    <a:ext cx="93214" cy="85923"/>
-                  </a:xfrm>
-                  <a:custGeom>
-                    <a:avLst/>
-                    <a:gdLst>
-                      <a:gd name="connsiteX0" fmla="*/ 73229 w 93214"/>
-                      <a:gd name="connsiteY0" fmla="*/ 3390 h 85923"/>
-                      <a:gd name="connsiteX1" fmla="*/ 93215 w 93214"/>
-                      <a:gd name="connsiteY1" fmla="*/ 17761 h 85923"/>
-                      <a:gd name="connsiteX2" fmla="*/ 16152 w 93214"/>
-                      <a:gd name="connsiteY2" fmla="*/ 85924 h 85923"/>
-                      <a:gd name="connsiteX3" fmla="*/ 3657 w 93214"/>
-                      <a:gd name="connsiteY3" fmla="*/ 64928 h 85923"/>
-                    </a:gdLst>
-                    <a:ahLst/>
-                    <a:cxnLst>
-                      <a:cxn ang="0">
-                        <a:pos x="connsiteX0" y="connsiteY0"/>
-                      </a:cxn>
-                      <a:cxn ang="0">
-                        <a:pos x="connsiteX1" y="connsiteY1"/>
-                      </a:cxn>
-                      <a:cxn ang="0">
-                        <a:pos x="connsiteX2" y="connsiteY2"/>
-                      </a:cxn>
-                      <a:cxn ang="0">
-                        <a:pos x="connsiteX3" y="connsiteY3"/>
-                      </a:cxn>
-                    </a:cxnLst>
-                    <a:rect l="l" t="t" r="r" b="b"/>
-                    <a:pathLst>
-                      <a:path w="93214" h="85923">
-                        <a:moveTo>
-                          <a:pt x="73229" y="3390"/>
-                        </a:moveTo>
-                        <a:lnTo>
-                          <a:pt x="93215" y="17761"/>
-                        </a:lnTo>
-                        <a:lnTo>
-                          <a:pt x="16152" y="85924"/>
-                        </a:lnTo>
-                        <a:lnTo>
-                          <a:pt x="3657" y="64928"/>
-                        </a:lnTo>
-                        <a:close/>
-                      </a:path>
-                    </a:pathLst>
-                  </a:custGeom>
-                  <a:solidFill>
-                    <a:srgbClr val="949984"/>
-                  </a:solidFill>
-                  <a:ln w="2303" cap="rnd">
-                    <a:solidFill>
-                      <a:schemeClr val="accent5">
-                        <a:lumMod val="50000"/>
-                      </a:schemeClr>
-                    </a:solidFill>
-                    <a:prstDash val="solid"/>
-                    <a:round/>
-                  </a:ln>
-                </p:spPr>
-                <p:txBody>
-                  <a:bodyPr rtlCol="0" anchor="ctr"/>
-                  <a:lstStyle/>
-                  <a:p>
-                    <a:endParaRPr lang="en-US">
-                      <a:latin typeface="Segoe UI" panose="020B0502040204020203" pitchFamily="34" charset="0"/>
-                      <a:ea typeface="Linux Libertine" panose="02000503000000000000" pitchFamily="2" charset="0"/>
-                      <a:cs typeface="Segoe UI" panose="020B0502040204020203" pitchFamily="34" charset="0"/>
-                    </a:endParaRPr>
-                  </a:p>
-                </p:txBody>
-              </p:sp>
-              <p:sp>
-                <p:nvSpPr>
-                  <p:cNvPr id="23" name="Freeform: Shape 22">
-                    <a:extLst>
-                      <a:ext uri="{FF2B5EF4-FFF2-40B4-BE49-F238E27FC236}">
-                        <a16:creationId xmlns:a16="http://schemas.microsoft.com/office/drawing/2014/main" id="{47F9D244-83E0-C510-D089-2CDBC51BE384}"/>
-                      </a:ext>
-                    </a:extLst>
-                  </p:cNvPr>
-                  <p:cNvSpPr/>
-                  <p:nvPr/>
-                </p:nvSpPr>
-                <p:spPr>
-                  <a:xfrm>
-                    <a:off x="6559003" y="1823331"/>
-                    <a:ext cx="173660" cy="161018"/>
-                  </a:xfrm>
-                  <a:custGeom>
-                    <a:avLst/>
-                    <a:gdLst>
-                      <a:gd name="connsiteX0" fmla="*/ 139192 w 173660"/>
-                      <a:gd name="connsiteY0" fmla="*/ 0 h 161018"/>
-                      <a:gd name="connsiteX1" fmla="*/ 149725 w 173660"/>
-                      <a:gd name="connsiteY1" fmla="*/ 59073 h 161018"/>
-                      <a:gd name="connsiteX2" fmla="*/ 34469 w 173660"/>
-                      <a:gd name="connsiteY2" fmla="*/ 161019 h 161018"/>
-                      <a:gd name="connsiteX3" fmla="*/ 39925 w 173660"/>
-                      <a:gd name="connsiteY3" fmla="*/ 87803 h 161018"/>
-                    </a:gdLst>
-                    <a:ahLst/>
-                    <a:cxnLst>
-                      <a:cxn ang="0">
-                        <a:pos x="connsiteX0" y="connsiteY0"/>
-                      </a:cxn>
-                      <a:cxn ang="0">
-                        <a:pos x="connsiteX1" y="connsiteY1"/>
-                      </a:cxn>
-                      <a:cxn ang="0">
-                        <a:pos x="connsiteX2" y="connsiteY2"/>
-                      </a:cxn>
-                      <a:cxn ang="0">
-                        <a:pos x="connsiteX3" y="connsiteY3"/>
-                      </a:cxn>
-                    </a:cxnLst>
-                    <a:rect l="l" t="t" r="r" b="b"/>
-                    <a:pathLst>
-                      <a:path w="173660" h="161018">
-                        <a:moveTo>
-                          <a:pt x="139192" y="0"/>
-                        </a:moveTo>
-                        <a:lnTo>
-                          <a:pt x="149725" y="59073"/>
-                        </a:lnTo>
-                        <a:lnTo>
-                          <a:pt x="34469" y="161019"/>
-                        </a:lnTo>
-                        <a:lnTo>
-                          <a:pt x="39925" y="87803"/>
-                        </a:lnTo>
-                        <a:close/>
-                      </a:path>
-                    </a:pathLst>
-                  </a:custGeom>
-                  <a:solidFill>
-                    <a:srgbClr val="FCFCFC"/>
-                  </a:solidFill>
-                  <a:ln w="2303" cap="rnd">
-                    <a:solidFill>
-                      <a:schemeClr val="accent5">
-                        <a:lumMod val="50000"/>
-                      </a:schemeClr>
-                    </a:solidFill>
-                    <a:prstDash val="solid"/>
-                    <a:round/>
-                  </a:ln>
-                </p:spPr>
-                <p:txBody>
-                  <a:bodyPr rtlCol="0" anchor="ctr"/>
-                  <a:lstStyle/>
-                  <a:p>
-                    <a:endParaRPr lang="en-US">
-                      <a:latin typeface="Segoe UI" panose="020B0502040204020203" pitchFamily="34" charset="0"/>
-                      <a:ea typeface="Linux Libertine" panose="02000503000000000000" pitchFamily="2" charset="0"/>
-                      <a:cs typeface="Segoe UI" panose="020B0502040204020203" pitchFamily="34" charset="0"/>
-                    </a:endParaRPr>
-                  </a:p>
-                </p:txBody>
-              </p:sp>
-              <p:sp>
-                <p:nvSpPr>
-                  <p:cNvPr id="24" name="Freeform: Shape 23">
-                    <a:extLst>
-                      <a:ext uri="{FF2B5EF4-FFF2-40B4-BE49-F238E27FC236}">
-                        <a16:creationId xmlns:a16="http://schemas.microsoft.com/office/drawing/2014/main" id="{95F534EE-827B-4909-D4F2-1DFBB267CF9F}"/>
-                      </a:ext>
-                    </a:extLst>
-                  </p:cNvPr>
-                  <p:cNvSpPr/>
-                  <p:nvPr/>
-                </p:nvSpPr>
-                <p:spPr>
-                  <a:xfrm>
-                    <a:off x="6610983" y="1468250"/>
-                    <a:ext cx="343804" cy="304099"/>
-                  </a:xfrm>
-                  <a:custGeom>
-                    <a:avLst/>
-                    <a:gdLst>
-                      <a:gd name="connsiteX0" fmla="*/ 343804 w 343804"/>
-                      <a:gd name="connsiteY0" fmla="*/ 0 h 304099"/>
-                      <a:gd name="connsiteX1" fmla="*/ 0 w 343804"/>
-                      <a:gd name="connsiteY1" fmla="*/ 304100 h 304099"/>
-                    </a:gdLst>
-                    <a:ahLst/>
-                    <a:cxnLst>
-                      <a:cxn ang="0">
-                        <a:pos x="connsiteX0" y="connsiteY0"/>
-                      </a:cxn>
-                      <a:cxn ang="0">
-                        <a:pos x="connsiteX1" y="connsiteY1"/>
-                      </a:cxn>
-                    </a:cxnLst>
-                    <a:rect l="l" t="t" r="r" b="b"/>
-                    <a:pathLst>
-                      <a:path w="343804" h="304099">
-                        <a:moveTo>
-                          <a:pt x="343804" y="0"/>
-                        </a:moveTo>
-                        <a:lnTo>
-                          <a:pt x="0" y="304100"/>
-                        </a:lnTo>
-                      </a:path>
-                    </a:pathLst>
-                  </a:custGeom>
-                  <a:noFill/>
-                  <a:ln w="4961" cap="flat">
-                    <a:solidFill>
-                      <a:schemeClr val="accent5">
-                        <a:lumMod val="50000"/>
-                      </a:schemeClr>
-                    </a:solidFill>
-                    <a:prstDash val="solid"/>
-                    <a:round/>
-                  </a:ln>
-                </p:spPr>
-                <p:txBody>
-                  <a:bodyPr rtlCol="0" anchor="ctr"/>
-                  <a:lstStyle/>
-                  <a:p>
-                    <a:endParaRPr lang="en-US">
-                      <a:latin typeface="Segoe UI" panose="020B0502040204020203" pitchFamily="34" charset="0"/>
-                      <a:ea typeface="Linux Libertine" panose="02000503000000000000" pitchFamily="2" charset="0"/>
-                      <a:cs typeface="Segoe UI" panose="020B0502040204020203" pitchFamily="34" charset="0"/>
-                    </a:endParaRPr>
-                  </a:p>
-                </p:txBody>
-              </p:sp>
-              <p:sp>
-                <p:nvSpPr>
-                  <p:cNvPr id="25" name="Freeform: Shape 24">
-                    <a:extLst>
-                      <a:ext uri="{FF2B5EF4-FFF2-40B4-BE49-F238E27FC236}">
-                        <a16:creationId xmlns:a16="http://schemas.microsoft.com/office/drawing/2014/main" id="{EDA00763-C74A-1E92-3BB1-FA280ACCE5AD}"/>
-                      </a:ext>
-                    </a:extLst>
-                  </p:cNvPr>
-                  <p:cNvSpPr/>
-                  <p:nvPr/>
-                </p:nvSpPr>
-                <p:spPr>
-                  <a:xfrm>
-                    <a:off x="6607862" y="1470156"/>
-                    <a:ext cx="382254" cy="338109"/>
-                  </a:xfrm>
-                  <a:custGeom>
-                    <a:avLst/>
-                    <a:gdLst>
-                      <a:gd name="connsiteX0" fmla="*/ 382255 w 382254"/>
-                      <a:gd name="connsiteY0" fmla="*/ 0 h 338109"/>
-                      <a:gd name="connsiteX1" fmla="*/ 0 w 382254"/>
-                      <a:gd name="connsiteY1" fmla="*/ 338110 h 338109"/>
-                    </a:gdLst>
-                    <a:ahLst/>
-                    <a:cxnLst>
-                      <a:cxn ang="0">
-                        <a:pos x="connsiteX0" y="connsiteY0"/>
-                      </a:cxn>
-                      <a:cxn ang="0">
-                        <a:pos x="connsiteX1" y="connsiteY1"/>
-                      </a:cxn>
-                    </a:cxnLst>
-                    <a:rect l="l" t="t" r="r" b="b"/>
-                    <a:pathLst>
-                      <a:path w="382254" h="338109">
-                        <a:moveTo>
-                          <a:pt x="382255" y="0"/>
-                        </a:moveTo>
-                        <a:lnTo>
-                          <a:pt x="0" y="338110"/>
-                        </a:lnTo>
-                      </a:path>
-                    </a:pathLst>
-                  </a:custGeom>
-                  <a:noFill/>
-                  <a:ln w="4961" cap="flat">
-                    <a:solidFill>
-                      <a:schemeClr val="accent5">
-                        <a:lumMod val="50000"/>
-                      </a:schemeClr>
-                    </a:solidFill>
-                    <a:prstDash val="solid"/>
-                    <a:round/>
-                  </a:ln>
-                </p:spPr>
-                <p:txBody>
-                  <a:bodyPr rtlCol="0" anchor="ctr"/>
-                  <a:lstStyle/>
-                  <a:p>
-                    <a:endParaRPr lang="en-US">
-                      <a:latin typeface="Segoe UI" panose="020B0502040204020203" pitchFamily="34" charset="0"/>
-                      <a:ea typeface="Linux Libertine" panose="02000503000000000000" pitchFamily="2" charset="0"/>
-                      <a:cs typeface="Segoe UI" panose="020B0502040204020203" pitchFamily="34" charset="0"/>
-                    </a:endParaRPr>
-                  </a:p>
-                </p:txBody>
-              </p:sp>
-              <p:sp>
-                <p:nvSpPr>
-                  <p:cNvPr id="26" name="Freeform: Shape 25">
-                    <a:extLst>
-                      <a:ext uri="{FF2B5EF4-FFF2-40B4-BE49-F238E27FC236}">
-                        <a16:creationId xmlns:a16="http://schemas.microsoft.com/office/drawing/2014/main" id="{7DBBB832-E2BC-F1FC-B1C3-97B7EC31F9F9}"/>
-                      </a:ext>
-                    </a:extLst>
-                  </p:cNvPr>
-                  <p:cNvSpPr/>
-                  <p:nvPr/>
-                </p:nvSpPr>
-                <p:spPr>
-                  <a:xfrm>
-                    <a:off x="6603956" y="1472546"/>
-                    <a:ext cx="430382" cy="380680"/>
-                  </a:xfrm>
-                  <a:custGeom>
-                    <a:avLst/>
-                    <a:gdLst>
-                      <a:gd name="connsiteX0" fmla="*/ 430383 w 430382"/>
-                      <a:gd name="connsiteY0" fmla="*/ 0 h 380680"/>
-                      <a:gd name="connsiteX1" fmla="*/ 0 w 430382"/>
-                      <a:gd name="connsiteY1" fmla="*/ 380680 h 380680"/>
-                    </a:gdLst>
-                    <a:ahLst/>
-                    <a:cxnLst>
-                      <a:cxn ang="0">
-                        <a:pos x="connsiteX0" y="connsiteY0"/>
-                      </a:cxn>
-                      <a:cxn ang="0">
-                        <a:pos x="connsiteX1" y="connsiteY1"/>
-                      </a:cxn>
-                    </a:cxnLst>
-                    <a:rect l="l" t="t" r="r" b="b"/>
-                    <a:pathLst>
-                      <a:path w="430382" h="380680">
-                        <a:moveTo>
-                          <a:pt x="430383" y="0"/>
-                        </a:moveTo>
-                        <a:lnTo>
-                          <a:pt x="0" y="380680"/>
-                        </a:lnTo>
-                      </a:path>
-                    </a:pathLst>
-                  </a:custGeom>
-                  <a:noFill/>
-                  <a:ln w="4961" cap="flat">
-                    <a:solidFill>
-                      <a:schemeClr val="accent5">
-                        <a:lumMod val="50000"/>
-                      </a:schemeClr>
-                    </a:solidFill>
-                    <a:prstDash val="solid"/>
-                    <a:round/>
-                  </a:ln>
-                </p:spPr>
-                <p:txBody>
-                  <a:bodyPr rtlCol="0" anchor="ctr"/>
-                  <a:lstStyle/>
-                  <a:p>
-                    <a:endParaRPr lang="en-US">
-                      <a:latin typeface="Segoe UI" panose="020B0502040204020203" pitchFamily="34" charset="0"/>
-                      <a:ea typeface="Linux Libertine" panose="02000503000000000000" pitchFamily="2" charset="0"/>
-                      <a:cs typeface="Segoe UI" panose="020B0502040204020203" pitchFamily="34" charset="0"/>
-                    </a:endParaRPr>
-                  </a:p>
-                </p:txBody>
-              </p:sp>
-              <p:sp>
-                <p:nvSpPr>
-                  <p:cNvPr id="27" name="Freeform: Shape 26">
-                    <a:extLst>
-                      <a:ext uri="{FF2B5EF4-FFF2-40B4-BE49-F238E27FC236}">
-                        <a16:creationId xmlns:a16="http://schemas.microsoft.com/office/drawing/2014/main" id="{E6E79E6A-7211-FCC1-1CC6-78489DD6B412}"/>
-                      </a:ext>
-                    </a:extLst>
-                  </p:cNvPr>
-                  <p:cNvSpPr/>
-                  <p:nvPr/>
-                </p:nvSpPr>
-                <p:spPr>
-                  <a:xfrm>
-                    <a:off x="6598927" y="1475618"/>
-                    <a:ext cx="492379" cy="435516"/>
-                  </a:xfrm>
-                  <a:custGeom>
-                    <a:avLst/>
-                    <a:gdLst>
-                      <a:gd name="connsiteX0" fmla="*/ 492379 w 492379"/>
-                      <a:gd name="connsiteY0" fmla="*/ 0 h 435516"/>
-                      <a:gd name="connsiteX1" fmla="*/ 0 w 492379"/>
-                      <a:gd name="connsiteY1" fmla="*/ 435517 h 435516"/>
-                    </a:gdLst>
-                    <a:ahLst/>
-                    <a:cxnLst>
-                      <a:cxn ang="0">
-                        <a:pos x="connsiteX0" y="connsiteY0"/>
-                      </a:cxn>
-                      <a:cxn ang="0">
-                        <a:pos x="connsiteX1" y="connsiteY1"/>
-                      </a:cxn>
-                    </a:cxnLst>
-                    <a:rect l="l" t="t" r="r" b="b"/>
-                    <a:pathLst>
-                      <a:path w="492379" h="435516">
-                        <a:moveTo>
-                          <a:pt x="492379" y="0"/>
-                        </a:moveTo>
-                        <a:lnTo>
-                          <a:pt x="0" y="435517"/>
-                        </a:lnTo>
-                      </a:path>
-                    </a:pathLst>
-                  </a:custGeom>
-                  <a:noFill/>
-                  <a:ln w="4961" cap="flat">
-                    <a:solidFill>
-                      <a:schemeClr val="accent5">
-                        <a:lumMod val="50000"/>
-                      </a:schemeClr>
-                    </a:solidFill>
-                    <a:prstDash val="solid"/>
-                    <a:round/>
-                  </a:ln>
-                </p:spPr>
-                <p:txBody>
-                  <a:bodyPr rtlCol="0" anchor="ctr"/>
-                  <a:lstStyle/>
-                  <a:p>
-                    <a:endParaRPr lang="en-US">
-                      <a:latin typeface="Segoe UI" panose="020B0502040204020203" pitchFamily="34" charset="0"/>
-                      <a:ea typeface="Linux Libertine" panose="02000503000000000000" pitchFamily="2" charset="0"/>
-                      <a:cs typeface="Segoe UI" panose="020B0502040204020203" pitchFamily="34" charset="0"/>
-                    </a:endParaRPr>
-                  </a:p>
-                </p:txBody>
-              </p:sp>
-              <p:sp>
-                <p:nvSpPr>
-                  <p:cNvPr id="28" name="Freeform: Shape 27">
-                    <a:extLst>
-                      <a:ext uri="{FF2B5EF4-FFF2-40B4-BE49-F238E27FC236}">
-                        <a16:creationId xmlns:a16="http://schemas.microsoft.com/office/drawing/2014/main" id="{B5843AC5-786D-C382-DC78-5031DD968B8F}"/>
-                      </a:ext>
-                    </a:extLst>
-                  </p:cNvPr>
-                  <p:cNvSpPr/>
-                  <p:nvPr/>
-                </p:nvSpPr>
-                <p:spPr>
-                  <a:xfrm>
-                    <a:off x="6863441" y="1455868"/>
-                    <a:ext cx="188956" cy="191704"/>
-                  </a:xfrm>
-                  <a:custGeom>
-                    <a:avLst/>
-                    <a:gdLst>
-                      <a:gd name="connsiteX0" fmla="*/ 0 w 188956"/>
-                      <a:gd name="connsiteY0" fmla="*/ 66085 h 191704"/>
-                      <a:gd name="connsiteX1" fmla="*/ 188956 w 188956"/>
-                      <a:gd name="connsiteY1" fmla="*/ 125620 h 191704"/>
-                    </a:gdLst>
-                    <a:ahLst/>
-                    <a:cxnLst>
-                      <a:cxn ang="0">
-                        <a:pos x="connsiteX0" y="connsiteY0"/>
-                      </a:cxn>
-                      <a:cxn ang="0">
-                        <a:pos x="connsiteX1" y="connsiteY1"/>
-                      </a:cxn>
-                    </a:cxnLst>
-                    <a:rect l="l" t="t" r="r" b="b"/>
-                    <a:pathLst>
-                      <a:path w="188956" h="191704">
-                        <a:moveTo>
-                          <a:pt x="0" y="66085"/>
-                        </a:moveTo>
-                        <a:lnTo>
-                          <a:pt x="188956" y="125620"/>
-                        </a:lnTo>
-                      </a:path>
-                    </a:pathLst>
-                  </a:custGeom>
-                  <a:noFill/>
-                  <a:ln w="4961" cap="flat">
-                    <a:solidFill>
-                      <a:schemeClr val="accent5">
-                        <a:lumMod val="50000"/>
-                      </a:schemeClr>
-                    </a:solidFill>
-                    <a:prstDash val="solid"/>
-                    <a:round/>
-                  </a:ln>
-                </p:spPr>
-                <p:txBody>
-                  <a:bodyPr rtlCol="0" anchor="ctr"/>
-                  <a:lstStyle/>
-                  <a:p>
-                    <a:endParaRPr lang="en-US">
-                      <a:latin typeface="Segoe UI" panose="020B0502040204020203" pitchFamily="34" charset="0"/>
-                      <a:ea typeface="Linux Libertine" panose="02000503000000000000" pitchFamily="2" charset="0"/>
-                      <a:cs typeface="Segoe UI" panose="020B0502040204020203" pitchFamily="34" charset="0"/>
-                    </a:endParaRPr>
-                  </a:p>
-                </p:txBody>
-              </p:sp>
-              <p:sp>
-                <p:nvSpPr>
-                  <p:cNvPr id="29" name="Freeform: Shape 28">
-                    <a:extLst>
-                      <a:ext uri="{FF2B5EF4-FFF2-40B4-BE49-F238E27FC236}">
-                        <a16:creationId xmlns:a16="http://schemas.microsoft.com/office/drawing/2014/main" id="{2260B9B0-A742-DA59-10F7-6AA135248626}"/>
-                      </a:ext>
-                    </a:extLst>
-                  </p:cNvPr>
-                  <p:cNvSpPr/>
-                  <p:nvPr/>
-                </p:nvSpPr>
-                <p:spPr>
-                  <a:xfrm>
-                    <a:off x="6800960" y="1557628"/>
-                    <a:ext cx="136390" cy="145209"/>
-                  </a:xfrm>
-                  <a:custGeom>
-                    <a:avLst/>
-                    <a:gdLst>
-                      <a:gd name="connsiteX0" fmla="*/ 0 w 136390"/>
-                      <a:gd name="connsiteY0" fmla="*/ 19590 h 145209"/>
-                      <a:gd name="connsiteX1" fmla="*/ 136391 w 136390"/>
-                      <a:gd name="connsiteY1" fmla="*/ 125620 h 145209"/>
-                    </a:gdLst>
-                    <a:ahLst/>
-                    <a:cxnLst>
-                      <a:cxn ang="0">
-                        <a:pos x="connsiteX0" y="connsiteY0"/>
-                      </a:cxn>
-                      <a:cxn ang="0">
-                        <a:pos x="connsiteX1" y="connsiteY1"/>
-                      </a:cxn>
-                    </a:cxnLst>
-                    <a:rect l="l" t="t" r="r" b="b"/>
-                    <a:pathLst>
-                      <a:path w="136390" h="145209">
-                        <a:moveTo>
-                          <a:pt x="0" y="19590"/>
-                        </a:moveTo>
-                        <a:lnTo>
-                          <a:pt x="136391" y="125620"/>
-                        </a:lnTo>
-                      </a:path>
-                    </a:pathLst>
-                  </a:custGeom>
-                  <a:noFill/>
-                  <a:ln w="4961" cap="flat">
-                    <a:solidFill>
-                      <a:schemeClr val="accent5">
-                        <a:lumMod val="50000"/>
-                      </a:schemeClr>
-                    </a:solidFill>
-                    <a:prstDash val="solid"/>
-                    <a:round/>
-                  </a:ln>
-                </p:spPr>
-                <p:txBody>
-                  <a:bodyPr rtlCol="0" anchor="ctr"/>
-                  <a:lstStyle/>
-                  <a:p>
-                    <a:endParaRPr lang="en-US">
-                      <a:latin typeface="Segoe UI" panose="020B0502040204020203" pitchFamily="34" charset="0"/>
-                      <a:ea typeface="Linux Libertine" panose="02000503000000000000" pitchFamily="2" charset="0"/>
-                      <a:cs typeface="Segoe UI" panose="020B0502040204020203" pitchFamily="34" charset="0"/>
-                    </a:endParaRPr>
-                  </a:p>
-                </p:txBody>
-              </p:sp>
-              <p:sp>
-                <p:nvSpPr>
-                  <p:cNvPr id="30" name="Freeform: Shape 29">
-                    <a:extLst>
-                      <a:ext uri="{FF2B5EF4-FFF2-40B4-BE49-F238E27FC236}">
-                        <a16:creationId xmlns:a16="http://schemas.microsoft.com/office/drawing/2014/main" id="{516187E1-811E-7591-B63D-8747A3499B8B}"/>
-                      </a:ext>
-                    </a:extLst>
-                  </p:cNvPr>
-                  <p:cNvSpPr/>
-                  <p:nvPr/>
-                </p:nvSpPr>
-                <p:spPr>
-                  <a:xfrm>
-                    <a:off x="6708056" y="1632480"/>
-                    <a:ext cx="144670" cy="152533"/>
-                  </a:xfrm>
-                  <a:custGeom>
-                    <a:avLst/>
-                    <a:gdLst>
-                      <a:gd name="connsiteX0" fmla="*/ 30427 w 144670"/>
-                      <a:gd name="connsiteY0" fmla="*/ 0 h 152533"/>
-                      <a:gd name="connsiteX1" fmla="*/ 114243 w 144670"/>
-                      <a:gd name="connsiteY1" fmla="*/ 152534 h 152533"/>
-                    </a:gdLst>
-                    <a:ahLst/>
-                    <a:cxnLst>
-                      <a:cxn ang="0">
-                        <a:pos x="connsiteX0" y="connsiteY0"/>
-                      </a:cxn>
-                      <a:cxn ang="0">
-                        <a:pos x="connsiteX1" y="connsiteY1"/>
-                      </a:cxn>
-                    </a:cxnLst>
-                    <a:rect l="l" t="t" r="r" b="b"/>
-                    <a:pathLst>
-                      <a:path w="144670" h="152533">
-                        <a:moveTo>
-                          <a:pt x="30427" y="0"/>
-                        </a:moveTo>
-                        <a:lnTo>
-                          <a:pt x="114243" y="152534"/>
-                        </a:lnTo>
-                      </a:path>
-                    </a:pathLst>
-                  </a:custGeom>
-                  <a:noFill/>
-                  <a:ln w="4961" cap="flat">
-                    <a:solidFill>
-                      <a:schemeClr val="accent5">
-                        <a:lumMod val="50000"/>
-                      </a:schemeClr>
-                    </a:solidFill>
-                    <a:prstDash val="solid"/>
-                    <a:round/>
-                  </a:ln>
-                </p:spPr>
-                <p:txBody>
-                  <a:bodyPr rtlCol="0" anchor="ctr"/>
-                  <a:lstStyle/>
-                  <a:p>
-                    <a:endParaRPr lang="en-US">
-                      <a:latin typeface="Segoe UI" panose="020B0502040204020203" pitchFamily="34" charset="0"/>
-                      <a:ea typeface="Linux Libertine" panose="02000503000000000000" pitchFamily="2" charset="0"/>
-                      <a:cs typeface="Segoe UI" panose="020B0502040204020203" pitchFamily="34" charset="0"/>
-                    </a:endParaRPr>
-                  </a:p>
-                </p:txBody>
-              </p:sp>
-              <p:sp>
-                <p:nvSpPr>
-                  <p:cNvPr id="31" name="Freeform: Shape 30">
-                    <a:extLst>
-                      <a:ext uri="{FF2B5EF4-FFF2-40B4-BE49-F238E27FC236}">
-                        <a16:creationId xmlns:a16="http://schemas.microsoft.com/office/drawing/2014/main" id="{AB8F799D-70DA-2881-7976-ED8376BF2022}"/>
-                      </a:ext>
-                    </a:extLst>
-                  </p:cNvPr>
-                  <p:cNvSpPr/>
-                  <p:nvPr/>
-                </p:nvSpPr>
-                <p:spPr>
-                  <a:xfrm>
-                    <a:off x="6593009" y="1687741"/>
-                    <a:ext cx="197241" cy="199032"/>
-                  </a:xfrm>
-                  <a:custGeom>
-                    <a:avLst/>
-                    <a:gdLst>
-                      <a:gd name="connsiteX0" fmla="*/ 82998 w 197241"/>
-                      <a:gd name="connsiteY0" fmla="*/ 0 h 199032"/>
-                      <a:gd name="connsiteX1" fmla="*/ 114243 w 197241"/>
-                      <a:gd name="connsiteY1" fmla="*/ 199033 h 199032"/>
-                    </a:gdLst>
-                    <a:ahLst/>
-                    <a:cxnLst>
-                      <a:cxn ang="0">
-                        <a:pos x="connsiteX0" y="connsiteY0"/>
-                      </a:cxn>
-                      <a:cxn ang="0">
-                        <a:pos x="connsiteX1" y="connsiteY1"/>
-                      </a:cxn>
-                    </a:cxnLst>
-                    <a:rect l="l" t="t" r="r" b="b"/>
-                    <a:pathLst>
-                      <a:path w="197241" h="199032">
-                        <a:moveTo>
-                          <a:pt x="82998" y="0"/>
-                        </a:moveTo>
-                        <a:lnTo>
-                          <a:pt x="114243" y="199033"/>
-                        </a:lnTo>
-                      </a:path>
-                    </a:pathLst>
-                  </a:custGeom>
-                  <a:noFill/>
-                  <a:ln w="4961" cap="flat">
-                    <a:solidFill>
-                      <a:schemeClr val="accent5">
-                        <a:lumMod val="50000"/>
-                      </a:schemeClr>
-                    </a:solidFill>
-                    <a:prstDash val="solid"/>
-                    <a:round/>
-                  </a:ln>
-                </p:spPr>
-                <p:txBody>
-                  <a:bodyPr rtlCol="0" anchor="ctr"/>
-                  <a:lstStyle/>
-                  <a:p>
-                    <a:endParaRPr lang="en-US">
-                      <a:latin typeface="Segoe UI" panose="020B0502040204020203" pitchFamily="34" charset="0"/>
-                      <a:ea typeface="Linux Libertine" panose="02000503000000000000" pitchFamily="2" charset="0"/>
-                      <a:cs typeface="Segoe UI" panose="020B0502040204020203" pitchFamily="34" charset="0"/>
-                    </a:endParaRPr>
-                  </a:p>
-                </p:txBody>
-              </p:sp>
-              <p:sp>
-                <p:nvSpPr>
-                  <p:cNvPr id="1120" name="Freeform: Shape 1119">
-                    <a:extLst>
-                      <a:ext uri="{FF2B5EF4-FFF2-40B4-BE49-F238E27FC236}">
-                        <a16:creationId xmlns:a16="http://schemas.microsoft.com/office/drawing/2014/main" id="{500D61F0-0D63-13F3-6974-A6D4A80BA752}"/>
-                      </a:ext>
-                    </a:extLst>
-                  </p:cNvPr>
-                  <p:cNvSpPr/>
-                  <p:nvPr/>
-                </p:nvSpPr>
-                <p:spPr>
-                  <a:xfrm>
-                    <a:off x="6479493" y="1352753"/>
-                    <a:ext cx="687952" cy="635780"/>
-                  </a:xfrm>
-                  <a:custGeom>
-                    <a:avLst/>
-                    <a:gdLst>
-                      <a:gd name="connsiteX0" fmla="*/ 446424 w 687952"/>
-                      <a:gd name="connsiteY0" fmla="*/ 113939 h 635780"/>
-                      <a:gd name="connsiteX1" fmla="*/ 687953 w 687952"/>
-                      <a:gd name="connsiteY1" fmla="*/ 126973 h 635780"/>
-                      <a:gd name="connsiteX2" fmla="*/ 112714 w 687952"/>
-                      <a:gd name="connsiteY2" fmla="*/ 635780 h 635780"/>
-                      <a:gd name="connsiteX3" fmla="*/ 134037 w 687952"/>
-                      <a:gd name="connsiteY3" fmla="*/ 390250 h 635780"/>
-                    </a:gdLst>
-                    <a:ahLst/>
-                    <a:cxnLst>
-                      <a:cxn ang="0">
-                        <a:pos x="connsiteX0" y="connsiteY0"/>
-                      </a:cxn>
-                      <a:cxn ang="0">
-                        <a:pos x="connsiteX1" y="connsiteY1"/>
-                      </a:cxn>
-                      <a:cxn ang="0">
-                        <a:pos x="connsiteX2" y="connsiteY2"/>
-                      </a:cxn>
-                      <a:cxn ang="0">
-                        <a:pos x="connsiteX3" y="connsiteY3"/>
-                      </a:cxn>
-                    </a:cxnLst>
-                    <a:rect l="l" t="t" r="r" b="b"/>
-                    <a:pathLst>
-                      <a:path w="687952" h="635780">
-                        <a:moveTo>
-                          <a:pt x="446424" y="113939"/>
-                        </a:moveTo>
-                        <a:lnTo>
-                          <a:pt x="687953" y="126973"/>
-                        </a:lnTo>
-                        <a:lnTo>
-                          <a:pt x="112714" y="635780"/>
-                        </a:lnTo>
-                        <a:lnTo>
-                          <a:pt x="134037" y="390250"/>
-                        </a:lnTo>
-                        <a:close/>
-                      </a:path>
-                    </a:pathLst>
-                  </a:custGeom>
-                  <a:noFill/>
-                  <a:ln w="4961" cap="flat">
-                    <a:solidFill>
-                      <a:schemeClr val="accent5">
-                        <a:lumMod val="50000"/>
-                      </a:schemeClr>
-                    </a:solidFill>
-                    <a:prstDash val="solid"/>
-                    <a:round/>
-                  </a:ln>
-                </p:spPr>
-                <p:txBody>
-                  <a:bodyPr rtlCol="0" anchor="ctr"/>
-                  <a:lstStyle/>
-                  <a:p>
-                    <a:endParaRPr lang="en-US">
-                      <a:latin typeface="Segoe UI" panose="020B0502040204020203" pitchFamily="34" charset="0"/>
-                      <a:ea typeface="Linux Libertine" panose="02000503000000000000" pitchFamily="2" charset="0"/>
-                      <a:cs typeface="Segoe UI" panose="020B0502040204020203" pitchFamily="34" charset="0"/>
-                    </a:endParaRPr>
-                  </a:p>
-                </p:txBody>
-              </p:sp>
-            </p:grpSp>
-            <p:cxnSp>
-              <p:nvCxnSpPr>
-                <p:cNvPr id="1121" name="Straight Arrow Connector 1120">
-                  <a:extLst>
-                    <a:ext uri="{FF2B5EF4-FFF2-40B4-BE49-F238E27FC236}">
-                      <a16:creationId xmlns:a16="http://schemas.microsoft.com/office/drawing/2014/main" id="{B24EB95E-0B30-1935-10D4-574A770171C4}"/>
-                    </a:ext>
-                  </a:extLst>
-                </p:cNvPr>
-                <p:cNvCxnSpPr>
-                  <a:cxnSpLocks/>
-                </p:cNvCxnSpPr>
-                <p:nvPr/>
-              </p:nvCxnSpPr>
-              <p:spPr>
-                <a:xfrm flipH="1" flipV="1">
-                  <a:off x="6738264" y="1447509"/>
-                  <a:ext cx="140863" cy="198680"/>
-                </a:xfrm>
-                <a:prstGeom prst="straightConnector1">
-                  <a:avLst/>
-                </a:prstGeom>
-                <a:ln w="19050">
-                  <a:solidFill>
-                    <a:schemeClr val="accent4">
-                      <a:lumMod val="75000"/>
-                    </a:schemeClr>
-                  </a:solidFill>
-                  <a:tailEnd type="triangle"/>
-                </a:ln>
-              </p:spPr>
-              <p:style>
-                <a:lnRef idx="1">
-                  <a:schemeClr val="accent1"/>
-                </a:lnRef>
-                <a:fillRef idx="0">
-                  <a:schemeClr val="accent1"/>
-                </a:fillRef>
-                <a:effectRef idx="0">
-                  <a:schemeClr val="accent1"/>
-                </a:effectRef>
-                <a:fontRef idx="minor">
-                  <a:schemeClr val="tx1"/>
-                </a:fontRef>
-              </p:style>
-            </p:cxnSp>
-            <p:sp>
-              <p:nvSpPr>
-                <p:cNvPr id="1122" name="Freeform: Shape 1121">
-                  <a:extLst>
-                    <a:ext uri="{FF2B5EF4-FFF2-40B4-BE49-F238E27FC236}">
-                      <a16:creationId xmlns:a16="http://schemas.microsoft.com/office/drawing/2014/main" id="{DBEF5985-7A2A-73BA-CC8E-F86553EB2CCC}"/>
-                    </a:ext>
-                  </a:extLst>
-                </p:cNvPr>
-                <p:cNvSpPr/>
-                <p:nvPr/>
-              </p:nvSpPr>
-              <p:spPr>
-                <a:xfrm rot="3199002">
-                  <a:off x="6577857" y="1296843"/>
-                  <a:ext cx="189823" cy="133027"/>
-                </a:xfrm>
-                <a:custGeom>
-                  <a:avLst/>
-                  <a:gdLst>
-                    <a:gd name="connsiteX0" fmla="*/ 134229 w 151925"/>
-                    <a:gd name="connsiteY0" fmla="*/ 14730 h 106468"/>
-                    <a:gd name="connsiteX1" fmla="*/ 124164 w 151925"/>
-                    <a:gd name="connsiteY1" fmla="*/ 20524 h 106468"/>
-                    <a:gd name="connsiteX2" fmla="*/ 106470 w 151925"/>
-                    <a:gd name="connsiteY2" fmla="*/ 30712 h 106468"/>
-                    <a:gd name="connsiteX3" fmla="*/ 106470 w 151925"/>
-                    <a:gd name="connsiteY3" fmla="*/ 6302 h 106468"/>
-                    <a:gd name="connsiteX4" fmla="*/ 104618 w 151925"/>
-                    <a:gd name="connsiteY4" fmla="*/ 1852 h 106468"/>
-                    <a:gd name="connsiteX5" fmla="*/ 100168 w 151925"/>
-                    <a:gd name="connsiteY5" fmla="*/ 0 h 106468"/>
-                    <a:gd name="connsiteX6" fmla="*/ 6302 w 151925"/>
-                    <a:gd name="connsiteY6" fmla="*/ 0 h 106468"/>
-                    <a:gd name="connsiteX7" fmla="*/ 1852 w 151925"/>
-                    <a:gd name="connsiteY7" fmla="*/ 1852 h 106468"/>
-                    <a:gd name="connsiteX8" fmla="*/ 0 w 151925"/>
-                    <a:gd name="connsiteY8" fmla="*/ 6302 h 106468"/>
-                    <a:gd name="connsiteX9" fmla="*/ 0 w 151925"/>
-                    <a:gd name="connsiteY9" fmla="*/ 100166 h 106468"/>
-                    <a:gd name="connsiteX10" fmla="*/ 1852 w 151925"/>
-                    <a:gd name="connsiteY10" fmla="*/ 104616 h 106468"/>
-                    <a:gd name="connsiteX11" fmla="*/ 6302 w 151925"/>
-                    <a:gd name="connsiteY11" fmla="*/ 106468 h 106468"/>
-                    <a:gd name="connsiteX12" fmla="*/ 100168 w 151925"/>
-                    <a:gd name="connsiteY12" fmla="*/ 106468 h 106468"/>
-                    <a:gd name="connsiteX13" fmla="*/ 104618 w 151925"/>
-                    <a:gd name="connsiteY13" fmla="*/ 104616 h 106468"/>
-                    <a:gd name="connsiteX14" fmla="*/ 106470 w 151925"/>
-                    <a:gd name="connsiteY14" fmla="*/ 100166 h 106468"/>
-                    <a:gd name="connsiteX15" fmla="*/ 106470 w 151925"/>
-                    <a:gd name="connsiteY15" fmla="*/ 79347 h 106468"/>
-                    <a:gd name="connsiteX16" fmla="*/ 124164 w 151925"/>
-                    <a:gd name="connsiteY16" fmla="*/ 89534 h 106468"/>
-                    <a:gd name="connsiteX17" fmla="*/ 134229 w 151925"/>
-                    <a:gd name="connsiteY17" fmla="*/ 95326 h 106468"/>
-                    <a:gd name="connsiteX18" fmla="*/ 151926 w 151925"/>
-                    <a:gd name="connsiteY18" fmla="*/ 85098 h 106468"/>
-                    <a:gd name="connsiteX19" fmla="*/ 151926 w 151925"/>
-                    <a:gd name="connsiteY19" fmla="*/ 24962 h 106468"/>
-                    <a:gd name="connsiteX20" fmla="*/ 134229 w 151925"/>
-                    <a:gd name="connsiteY20" fmla="*/ 14730 h 106468"/>
-                  </a:gdLst>
-                  <a:ahLst/>
-                  <a:cxnLst>
-                    <a:cxn ang="0">
-                      <a:pos x="connsiteX0" y="connsiteY0"/>
-                    </a:cxn>
-                    <a:cxn ang="0">
-                      <a:pos x="connsiteX1" y="connsiteY1"/>
-                    </a:cxn>
-                    <a:cxn ang="0">
-                      <a:pos x="connsiteX2" y="connsiteY2"/>
-                    </a:cxn>
-                    <a:cxn ang="0">
-                      <a:pos x="connsiteX3" y="connsiteY3"/>
-                    </a:cxn>
-                    <a:cxn ang="0">
-                      <a:pos x="connsiteX4" y="connsiteY4"/>
-                    </a:cxn>
-                    <a:cxn ang="0">
-                      <a:pos x="connsiteX5" y="connsiteY5"/>
-                    </a:cxn>
-                    <a:cxn ang="0">
-                      <a:pos x="connsiteX6" y="connsiteY6"/>
-                    </a:cxn>
-                    <a:cxn ang="0">
-                      <a:pos x="connsiteX7" y="connsiteY7"/>
-                    </a:cxn>
-                    <a:cxn ang="0">
-                      <a:pos x="connsiteX8" y="connsiteY8"/>
-                    </a:cxn>
-                    <a:cxn ang="0">
-                      <a:pos x="connsiteX9" y="connsiteY9"/>
-                    </a:cxn>
-                    <a:cxn ang="0">
-                      <a:pos x="connsiteX10" y="connsiteY10"/>
-                    </a:cxn>
-                    <a:cxn ang="0">
-                      <a:pos x="connsiteX11" y="connsiteY11"/>
-                    </a:cxn>
-                    <a:cxn ang="0">
-                      <a:pos x="connsiteX12" y="connsiteY12"/>
-                    </a:cxn>
-                    <a:cxn ang="0">
-                      <a:pos x="connsiteX13" y="connsiteY13"/>
-                    </a:cxn>
-                    <a:cxn ang="0">
-                      <a:pos x="connsiteX14" y="connsiteY14"/>
-                    </a:cxn>
-                    <a:cxn ang="0">
-                      <a:pos x="connsiteX15" y="connsiteY15"/>
-                    </a:cxn>
-                    <a:cxn ang="0">
-                      <a:pos x="connsiteX16" y="connsiteY16"/>
-                    </a:cxn>
-                    <a:cxn ang="0">
-                      <a:pos x="connsiteX17" y="connsiteY17"/>
-                    </a:cxn>
-                    <a:cxn ang="0">
-                      <a:pos x="connsiteX18" y="connsiteY18"/>
-                    </a:cxn>
-                    <a:cxn ang="0">
-                      <a:pos x="connsiteX19" y="connsiteY19"/>
-                    </a:cxn>
-                    <a:cxn ang="0">
-                      <a:pos x="connsiteX20" y="connsiteY20"/>
-                    </a:cxn>
-                  </a:cxnLst>
-                  <a:rect l="l" t="t" r="r" b="b"/>
-                  <a:pathLst>
-                    <a:path w="151925" h="106468">
-                      <a:moveTo>
-                        <a:pt x="134229" y="14730"/>
-                      </a:moveTo>
-                      <a:lnTo>
-                        <a:pt x="124164" y="20524"/>
-                      </a:lnTo>
-                      <a:lnTo>
-                        <a:pt x="106470" y="30712"/>
-                      </a:lnTo>
-                      <a:lnTo>
-                        <a:pt x="106470" y="6302"/>
-                      </a:lnTo>
-                      <a:cubicBezTo>
-                        <a:pt x="106465" y="4632"/>
-                        <a:pt x="105798" y="3033"/>
-                        <a:pt x="104618" y="1852"/>
-                      </a:cubicBezTo>
-                      <a:cubicBezTo>
-                        <a:pt x="103437" y="671"/>
-                        <a:pt x="101837" y="5"/>
-                        <a:pt x="100168" y="0"/>
-                      </a:cubicBezTo>
-                      <a:lnTo>
-                        <a:pt x="6302" y="0"/>
-                      </a:lnTo>
-                      <a:cubicBezTo>
-                        <a:pt x="4632" y="5"/>
-                        <a:pt x="3033" y="671"/>
-                        <a:pt x="1852" y="1852"/>
-                      </a:cubicBezTo>
-                      <a:cubicBezTo>
-                        <a:pt x="671" y="3033"/>
-                        <a:pt x="5" y="4632"/>
-                        <a:pt x="0" y="6302"/>
-                      </a:cubicBezTo>
-                      <a:lnTo>
-                        <a:pt x="0" y="100166"/>
-                      </a:lnTo>
-                      <a:cubicBezTo>
-                        <a:pt x="5" y="101836"/>
-                        <a:pt x="671" y="103435"/>
-                        <a:pt x="1852" y="104616"/>
-                      </a:cubicBezTo>
-                      <a:cubicBezTo>
-                        <a:pt x="3033" y="105798"/>
-                        <a:pt x="4632" y="106463"/>
-                        <a:pt x="6302" y="106468"/>
-                      </a:cubicBezTo>
-                      <a:lnTo>
-                        <a:pt x="100168" y="106468"/>
-                      </a:lnTo>
-                      <a:cubicBezTo>
-                        <a:pt x="101837" y="106463"/>
-                        <a:pt x="103437" y="105797"/>
-                        <a:pt x="104618" y="104616"/>
-                      </a:cubicBezTo>
-                      <a:cubicBezTo>
-                        <a:pt x="105798" y="103435"/>
-                        <a:pt x="106465" y="101836"/>
-                        <a:pt x="106470" y="100166"/>
-                      </a:cubicBezTo>
-                      <a:lnTo>
-                        <a:pt x="106470" y="79347"/>
-                      </a:lnTo>
-                      <a:lnTo>
-                        <a:pt x="124164" y="89534"/>
-                      </a:lnTo>
-                      <a:lnTo>
-                        <a:pt x="134229" y="95326"/>
-                      </a:lnTo>
-                      <a:cubicBezTo>
-                        <a:pt x="143962" y="100928"/>
-                        <a:pt x="151926" y="96327"/>
-                        <a:pt x="151926" y="85098"/>
-                      </a:cubicBezTo>
-                      <a:lnTo>
-                        <a:pt x="151926" y="24962"/>
-                      </a:lnTo>
-                      <a:cubicBezTo>
-                        <a:pt x="151926" y="13732"/>
-                        <a:pt x="143962" y="9128"/>
-                        <a:pt x="134229" y="14730"/>
-                      </a:cubicBezTo>
-                      <a:close/>
-                    </a:path>
-                  </a:pathLst>
-                </a:custGeom>
-                <a:solidFill>
-                  <a:srgbClr val="495463"/>
-                </a:solidFill>
-                <a:ln w="5901" cap="flat">
-                  <a:noFill/>
-                  <a:prstDash val="solid"/>
-                  <a:miter/>
-                </a:ln>
-              </p:spPr>
-              <p:txBody>
-                <a:bodyPr rtlCol="0" anchor="ctr"/>
-                <a:lstStyle/>
-                <a:p>
-                  <a:endParaRPr lang="en-US">
-                    <a:latin typeface="Segoe UI" panose="020B0502040204020203" pitchFamily="34" charset="0"/>
-                    <a:ea typeface="Linux Libertine" panose="02000503000000000000" pitchFamily="2" charset="0"/>
-                    <a:cs typeface="Segoe UI" panose="020B0502040204020203" pitchFamily="34" charset="0"/>
-                  </a:endParaRPr>
-                </a:p>
-              </p:txBody>
-            </p:sp>
-          </p:grpSp>
-          <p:sp>
-            <p:nvSpPr>
-              <p:cNvPr id="1203" name="TextBox 1202">
-                <a:extLst>
-                  <a:ext uri="{FF2B5EF4-FFF2-40B4-BE49-F238E27FC236}">
-                    <a16:creationId xmlns:a16="http://schemas.microsoft.com/office/drawing/2014/main" id="{B93B3C7F-28B0-C6C8-F9C2-D53425002745}"/>
-                  </a:ext>
-                </a:extLst>
-              </p:cNvPr>
-              <p:cNvSpPr txBox="1"/>
-              <p:nvPr/>
-            </p:nvSpPr>
-            <p:spPr>
-              <a:xfrm>
-                <a:off x="2493035" y="1912980"/>
-                <a:ext cx="1998890" cy="215444"/>
-              </a:xfrm>
-              <a:prstGeom prst="roundRect">
-                <a:avLst>
-                  <a:gd name="adj" fmla="val 50000"/>
-                </a:avLst>
-              </a:prstGeom>
-              <a:solidFill>
-                <a:schemeClr val="bg1">
-                  <a:alpha val="60000"/>
-                </a:schemeClr>
-              </a:solidFill>
-              <a:ln>
-                <a:noFill/>
-              </a:ln>
-            </p:spPr>
-            <p:txBody>
-              <a:bodyPr wrap="square" lIns="0" tIns="0" rIns="0" bIns="0" rtlCol="0" anchor="ctr" anchorCtr="0">
-                <a:noAutofit/>
-              </a:bodyPr>
-              <a:lstStyle/>
-              <a:p>
-                <a:pPr algn="ctr"/>
-                <a:r>
-                  <a:rPr lang="en-US" sz="1300" b="1" dirty="0">
-                    <a:latin typeface="Segoe UI Semibold" panose="020B0502040204020203" pitchFamily="34" charset="0"/>
-                    <a:ea typeface="Linux Libertine" panose="02000503000000000000" pitchFamily="2" charset="0"/>
-                    <a:cs typeface="Segoe UI Semibold" panose="020B0502040204020203" pitchFamily="34" charset="0"/>
-                  </a:rPr>
-                  <a:t>Neural Fields</a:t>
-                </a:r>
-              </a:p>
-            </p:txBody>
-          </p:sp>
-          <p:sp>
-            <p:nvSpPr>
-              <p:cNvPr id="1213" name="TextBox 1212">
-                <a:extLst>
-                  <a:ext uri="{FF2B5EF4-FFF2-40B4-BE49-F238E27FC236}">
-                    <a16:creationId xmlns:a16="http://schemas.microsoft.com/office/drawing/2014/main" id="{43D82B7E-F11A-03CE-EBDD-644D1BC89B97}"/>
-                  </a:ext>
-                </a:extLst>
-              </p:cNvPr>
-              <p:cNvSpPr txBox="1"/>
-              <p:nvPr/>
-            </p:nvSpPr>
-            <p:spPr>
-              <a:xfrm>
-                <a:off x="2493035" y="2497384"/>
-                <a:ext cx="1998890" cy="197015"/>
-              </a:xfrm>
-              <a:prstGeom prst="roundRect">
-                <a:avLst>
-                  <a:gd name="adj" fmla="val 50000"/>
-                </a:avLst>
-              </a:prstGeom>
-              <a:solidFill>
-                <a:schemeClr val="bg1">
-                  <a:alpha val="60000"/>
-                </a:schemeClr>
-              </a:solidFill>
-              <a:ln>
-                <a:noFill/>
-              </a:ln>
-            </p:spPr>
-            <p:txBody>
-              <a:bodyPr wrap="square" lIns="0" tIns="0" rIns="0" bIns="0" rtlCol="0" anchor="ctr" anchorCtr="0">
-                <a:noAutofit/>
-              </a:bodyPr>
-              <a:lstStyle/>
-              <a:p>
-                <a:pPr algn="ctr"/>
-                <a:r>
-                  <a:rPr lang="en-US" sz="1300" b="1" dirty="0">
-                    <a:latin typeface="Segoe UI Semibold" panose="020B0502040204020203" pitchFamily="34" charset="0"/>
-                    <a:ea typeface="Linux Libertine" panose="02000503000000000000" pitchFamily="2" charset="0"/>
-                    <a:cs typeface="Segoe UI Semibold" panose="020B0502040204020203" pitchFamily="34" charset="0"/>
-                  </a:rPr>
-                  <a:t>Deep Priors</a:t>
-                </a:r>
-              </a:p>
-            </p:txBody>
-          </p:sp>
-          <p:sp>
-            <p:nvSpPr>
-              <p:cNvPr id="32" name="TextBox 31">
-                <a:extLst>
-                  <a:ext uri="{FF2B5EF4-FFF2-40B4-BE49-F238E27FC236}">
-                    <a16:creationId xmlns:a16="http://schemas.microsoft.com/office/drawing/2014/main" id="{873A0210-A017-A961-8D8C-0FFFA4F17D6B}"/>
-                  </a:ext>
-                </a:extLst>
-              </p:cNvPr>
-              <p:cNvSpPr txBox="1"/>
-              <p:nvPr/>
-            </p:nvSpPr>
-            <p:spPr>
-              <a:xfrm>
-                <a:off x="2495540" y="2199099"/>
-                <a:ext cx="1993880" cy="215444"/>
-              </a:xfrm>
-              <a:prstGeom prst="roundRect">
-                <a:avLst>
-                  <a:gd name="adj" fmla="val 50000"/>
-                </a:avLst>
-              </a:prstGeom>
-              <a:solidFill>
-                <a:schemeClr val="bg1">
-                  <a:alpha val="60000"/>
-                </a:schemeClr>
-              </a:solidFill>
-              <a:ln>
-                <a:noFill/>
-              </a:ln>
-            </p:spPr>
-            <p:txBody>
-              <a:bodyPr wrap="square" lIns="0" tIns="0" rIns="0" bIns="0" rtlCol="0" anchor="ctr" anchorCtr="0">
-                <a:noAutofit/>
-              </a:bodyPr>
-              <a:lstStyle/>
-              <a:p>
-                <a:pPr algn="ctr"/>
-                <a:r>
-                  <a:rPr lang="en-US" sz="1300" b="1" dirty="0">
-                    <a:latin typeface="Segoe UI Semibold" panose="020B0502040204020203" pitchFamily="34" charset="0"/>
-                    <a:ea typeface="Linux Libertine" panose="02000503000000000000" pitchFamily="2" charset="0"/>
-                    <a:cs typeface="Segoe UI Semibold" panose="020B0502040204020203" pitchFamily="34" charset="0"/>
-                  </a:rPr>
-                  <a:t>Neural Rendering</a:t>
-                </a:r>
-              </a:p>
-            </p:txBody>
-          </p:sp>
-        </p:grpSp>
-        <p:grpSp>
-          <p:nvGrpSpPr>
-            <p:cNvPr id="58" name="Group 57">
-              <a:extLst>
-                <a:ext uri="{FF2B5EF4-FFF2-40B4-BE49-F238E27FC236}">
-                  <a16:creationId xmlns:a16="http://schemas.microsoft.com/office/drawing/2014/main" id="{8A97F3DD-19DB-1E39-0678-6D60966DDB5E}"/>
-                </a:ext>
-              </a:extLst>
-            </p:cNvPr>
-            <p:cNvGrpSpPr/>
-            <p:nvPr/>
-          </p:nvGrpSpPr>
-          <p:grpSpPr>
-            <a:xfrm>
-              <a:off x="4782614" y="28637"/>
-              <a:ext cx="2141200" cy="2778004"/>
-              <a:chOff x="5745681" y="96144"/>
-              <a:chExt cx="2141200" cy="2778004"/>
-            </a:xfrm>
-          </p:grpSpPr>
-          <p:sp>
-            <p:nvSpPr>
-              <p:cNvPr id="34" name="Rectangle: Rounded Corners 1199">
-                <a:extLst>
-                  <a:ext uri="{FF2B5EF4-FFF2-40B4-BE49-F238E27FC236}">
-                    <a16:creationId xmlns:a16="http://schemas.microsoft.com/office/drawing/2014/main" id="{95B70D67-3037-E9AA-C320-066C268C4C91}"/>
+                    <a16:creationId xmlns:a16="http://schemas.microsoft.com/office/drawing/2014/main" id="{D09A019B-FBE2-6476-C317-6DA3A13F1FE0}"/>
                   </a:ext>
                 </a:extLst>
               </p:cNvPr>
@@ -6404,46 +4985,73 @@
             </p:nvSpPr>
             <p:spPr>
               <a:xfrm>
-                <a:off x="5745681" y="309591"/>
-                <a:ext cx="2141200" cy="2564557"/>
+                <a:off x="6860822" y="1533524"/>
+                <a:ext cx="130117" cy="120635"/>
               </a:xfrm>
-              <a:prstGeom prst="roundRect">
-                <a:avLst>
-                  <a:gd name="adj" fmla="val 8264"/>
-                </a:avLst>
-              </a:prstGeom>
+              <a:custGeom>
+                <a:avLst/>
+                <a:gdLst>
+                  <a:gd name="connsiteX0" fmla="*/ 86721 w 130117"/>
+                  <a:gd name="connsiteY0" fmla="*/ 15581 h 120635"/>
+                  <a:gd name="connsiteX1" fmla="*/ 130117 w 130117"/>
+                  <a:gd name="connsiteY1" fmla="*/ 28348 h 120635"/>
+                  <a:gd name="connsiteX2" fmla="*/ 31440 w 130117"/>
+                  <a:gd name="connsiteY2" fmla="*/ 115630 h 120635"/>
+                  <a:gd name="connsiteX3" fmla="*/ 0 w 130117"/>
+                  <a:gd name="connsiteY3" fmla="*/ 92288 h 120635"/>
+                </a:gdLst>
+                <a:ahLst/>
+                <a:cxnLst>
+                  <a:cxn ang="0">
+                    <a:pos x="connsiteX0" y="connsiteY0"/>
+                  </a:cxn>
+                  <a:cxn ang="0">
+                    <a:pos x="connsiteX1" y="connsiteY1"/>
+                  </a:cxn>
+                  <a:cxn ang="0">
+                    <a:pos x="connsiteX2" y="connsiteY2"/>
+                  </a:cxn>
+                  <a:cxn ang="0">
+                    <a:pos x="connsiteX3" y="connsiteY3"/>
+                  </a:cxn>
+                </a:cxnLst>
+                <a:rect l="l" t="t" r="r" b="b"/>
+                <a:pathLst>
+                  <a:path w="130117" h="120635">
+                    <a:moveTo>
+                      <a:pt x="86721" y="15581"/>
+                    </a:moveTo>
+                    <a:lnTo>
+                      <a:pt x="130117" y="28348"/>
+                    </a:lnTo>
+                    <a:lnTo>
+                      <a:pt x="31440" y="115630"/>
+                    </a:lnTo>
+                    <a:lnTo>
+                      <a:pt x="0" y="92288"/>
+                    </a:lnTo>
+                    <a:close/>
+                  </a:path>
+                </a:pathLst>
+              </a:custGeom>
               <a:solidFill>
-                <a:schemeClr val="accent6">
-                  <a:lumMod val="20000"/>
-                  <a:lumOff val="80000"/>
-                </a:schemeClr>
+                <a:srgbClr val="DADBD1"/>
               </a:solidFill>
-              <a:ln>
-                <a:noFill/>
+              <a:ln w="2303" cap="rnd">
+                <a:solidFill>
+                  <a:schemeClr val="accent5">
+                    <a:lumMod val="50000"/>
+                  </a:schemeClr>
+                </a:solidFill>
+                <a:prstDash val="solid"/>
+                <a:round/>
               </a:ln>
             </p:spPr>
-            <p:style>
-              <a:lnRef idx="2">
-                <a:schemeClr val="accent1">
-                  <a:shade val="50000"/>
-                </a:schemeClr>
-              </a:lnRef>
-              <a:fillRef idx="1">
-                <a:schemeClr val="accent1"/>
-              </a:fillRef>
-              <a:effectRef idx="0">
-                <a:schemeClr val="accent1"/>
-              </a:effectRef>
-              <a:fontRef idx="minor">
-                <a:schemeClr val="lt1"/>
-              </a:fontRef>
-            </p:style>
             <p:txBody>
               <a:bodyPr rtlCol="0" anchor="ctr"/>
               <a:lstStyle/>
               <a:p>
-                <a:pPr algn="ctr"/>
-                <a:endParaRPr lang="en-US" dirty="0">
+                <a:endParaRPr lang="en-US">
                   <a:latin typeface="Segoe UI" panose="020B0502040204020203" pitchFamily="34" charset="0"/>
                   <a:ea typeface="Linux Libertine" panose="02000503000000000000" pitchFamily="2" charset="0"/>
                   <a:cs typeface="Segoe UI" panose="020B0502040204020203" pitchFamily="34" charset="0"/>
@@ -6453,405 +5061,1713 @@
           </p:sp>
           <p:sp>
             <p:nvSpPr>
-              <p:cNvPr id="35" name="TextBox 34">
+              <p:cNvPr id="22" name="Freeform: Shape 21">
                 <a:extLst>
                   <a:ext uri="{FF2B5EF4-FFF2-40B4-BE49-F238E27FC236}">
-                    <a16:creationId xmlns:a16="http://schemas.microsoft.com/office/drawing/2014/main" id="{730D602D-6919-C917-1F09-1F3EFB2E7446}"/>
+                    <a16:creationId xmlns:a16="http://schemas.microsoft.com/office/drawing/2014/main" id="{1D7169E8-B1E1-8595-1A32-F927A36BD63E}"/>
                   </a:ext>
                 </a:extLst>
               </p:cNvPr>
-              <p:cNvSpPr txBox="1"/>
+              <p:cNvSpPr/>
               <p:nvPr/>
             </p:nvSpPr>
             <p:spPr>
               <a:xfrm>
-                <a:off x="5873829" y="96144"/>
-                <a:ext cx="1884905" cy="544830"/>
+                <a:off x="6745203" y="1586567"/>
+                <a:ext cx="93214" cy="85923"/>
               </a:xfrm>
-              <a:prstGeom prst="roundRect">
+              <a:custGeom>
                 <a:avLst/>
-              </a:prstGeom>
-              <a:ln/>
+                <a:gdLst>
+                  <a:gd name="connsiteX0" fmla="*/ 73229 w 93214"/>
+                  <a:gd name="connsiteY0" fmla="*/ 3390 h 85923"/>
+                  <a:gd name="connsiteX1" fmla="*/ 93215 w 93214"/>
+                  <a:gd name="connsiteY1" fmla="*/ 17761 h 85923"/>
+                  <a:gd name="connsiteX2" fmla="*/ 16152 w 93214"/>
+                  <a:gd name="connsiteY2" fmla="*/ 85924 h 85923"/>
+                  <a:gd name="connsiteX3" fmla="*/ 3657 w 93214"/>
+                  <a:gd name="connsiteY3" fmla="*/ 64928 h 85923"/>
+                </a:gdLst>
+                <a:ahLst/>
+                <a:cxnLst>
+                  <a:cxn ang="0">
+                    <a:pos x="connsiteX0" y="connsiteY0"/>
+                  </a:cxn>
+                  <a:cxn ang="0">
+                    <a:pos x="connsiteX1" y="connsiteY1"/>
+                  </a:cxn>
+                  <a:cxn ang="0">
+                    <a:pos x="connsiteX2" y="connsiteY2"/>
+                  </a:cxn>
+                  <a:cxn ang="0">
+                    <a:pos x="connsiteX3" y="connsiteY3"/>
+                  </a:cxn>
+                </a:cxnLst>
+                <a:rect l="l" t="t" r="r" b="b"/>
+                <a:pathLst>
+                  <a:path w="93214" h="85923">
+                    <a:moveTo>
+                      <a:pt x="73229" y="3390"/>
+                    </a:moveTo>
+                    <a:lnTo>
+                      <a:pt x="93215" y="17761"/>
+                    </a:lnTo>
+                    <a:lnTo>
+                      <a:pt x="16152" y="85924"/>
+                    </a:lnTo>
+                    <a:lnTo>
+                      <a:pt x="3657" y="64928"/>
+                    </a:lnTo>
+                    <a:close/>
+                  </a:path>
+                </a:pathLst>
+              </a:custGeom>
+              <a:solidFill>
+                <a:srgbClr val="949984"/>
+              </a:solidFill>
+              <a:ln w="2303" cap="rnd">
+                <a:solidFill>
+                  <a:schemeClr val="accent5">
+                    <a:lumMod val="50000"/>
+                  </a:schemeClr>
+                </a:solidFill>
+                <a:prstDash val="solid"/>
+                <a:round/>
+              </a:ln>
             </p:spPr>
-            <p:style>
-              <a:lnRef idx="3">
-                <a:schemeClr val="lt1"/>
-              </a:lnRef>
-              <a:fillRef idx="1">
-                <a:schemeClr val="accent6"/>
-              </a:fillRef>
-              <a:effectRef idx="1">
-                <a:schemeClr val="accent6"/>
-              </a:effectRef>
-              <a:fontRef idx="minor">
-                <a:schemeClr val="lt1"/>
-              </a:fontRef>
-            </p:style>
             <p:txBody>
-              <a:bodyPr wrap="square" lIns="0" tIns="0" rIns="0" bIns="0" rtlCol="0" anchor="ctr" anchorCtr="0">
-                <a:noAutofit/>
-              </a:bodyPr>
+              <a:bodyPr rtlCol="0" anchor="ctr"/>
               <a:lstStyle/>
               <a:p>
-                <a:pPr algn="ctr"/>
-                <a:r>
-                  <a:rPr lang="en-US" sz="1600" dirty="0">
-                    <a:latin typeface="Segoe UI" panose="020B0502040204020203" pitchFamily="34" charset="0"/>
-                    <a:ea typeface="Linux Libertine" panose="02000503000000000000" pitchFamily="2" charset="0"/>
-                    <a:cs typeface="Segoe UI" panose="020B0502040204020203" pitchFamily="34" charset="0"/>
-                  </a:rPr>
-                  <a:t>Vision Systems that </a:t>
-                </a:r>
-                <a:br>
-                  <a:rPr lang="en-US" sz="1600" dirty="0">
-                    <a:latin typeface="Segoe UI" panose="020B0502040204020203" pitchFamily="34" charset="0"/>
-                    <a:ea typeface="Linux Libertine" panose="02000503000000000000" pitchFamily="2" charset="0"/>
-                    <a:cs typeface="Segoe UI" panose="020B0502040204020203" pitchFamily="34" charset="0"/>
-                  </a:rPr>
-                </a:br>
-                <a:r>
-                  <a:rPr lang="en-US" sz="1600" b="1" dirty="0">
-                    <a:latin typeface="Segoe UI Semibold" panose="020B0502040204020203" pitchFamily="34" charset="0"/>
-                    <a:ea typeface="Linux Libertine" panose="02000503000000000000" pitchFamily="2" charset="0"/>
-                    <a:cs typeface="Segoe UI Semibold" panose="020B0502040204020203" pitchFamily="34" charset="0"/>
-                  </a:rPr>
-                  <a:t>Reveal the Invisible</a:t>
-                </a:r>
+                <a:endParaRPr lang="en-US">
+                  <a:latin typeface="Segoe UI" panose="020B0502040204020203" pitchFamily="34" charset="0"/>
+                  <a:ea typeface="Linux Libertine" panose="02000503000000000000" pitchFamily="2" charset="0"/>
+                  <a:cs typeface="Segoe UI" panose="020B0502040204020203" pitchFamily="34" charset="0"/>
+                </a:endParaRPr>
               </a:p>
             </p:txBody>
           </p:sp>
-          <p:grpSp>
-            <p:nvGrpSpPr>
-              <p:cNvPr id="56" name="Group 55">
+          <p:sp>
+            <p:nvSpPr>
+              <p:cNvPr id="23" name="Freeform: Shape 22">
                 <a:extLst>
                   <a:ext uri="{FF2B5EF4-FFF2-40B4-BE49-F238E27FC236}">
-                    <a16:creationId xmlns:a16="http://schemas.microsoft.com/office/drawing/2014/main" id="{4D565627-1B79-3599-FC6F-D281D8C5FF74}"/>
+                    <a16:creationId xmlns:a16="http://schemas.microsoft.com/office/drawing/2014/main" id="{47F9D244-83E0-C510-D089-2CDBC51BE384}"/>
                   </a:ext>
                 </a:extLst>
               </p:cNvPr>
-              <p:cNvGrpSpPr/>
+              <p:cNvSpPr/>
               <p:nvPr/>
-            </p:nvGrpSpPr>
-            <p:grpSpPr>
+            </p:nvSpPr>
+            <p:spPr>
               <a:xfrm>
-                <a:off x="5792025" y="689795"/>
-                <a:ext cx="2048512" cy="2103260"/>
-                <a:chOff x="5795097" y="673853"/>
-                <a:chExt cx="2048512" cy="2103260"/>
+                <a:off x="6559003" y="1823331"/>
+                <a:ext cx="173660" cy="161018"/>
               </a:xfrm>
-            </p:grpSpPr>
-            <p:sp>
-              <p:nvSpPr>
-                <p:cNvPr id="36" name="TextBox 35">
-                  <a:extLst>
-                    <a:ext uri="{FF2B5EF4-FFF2-40B4-BE49-F238E27FC236}">
-                      <a16:creationId xmlns:a16="http://schemas.microsoft.com/office/drawing/2014/main" id="{9054E8DE-8D3B-44DF-99C8-8C8C35FD1519}"/>
-                    </a:ext>
-                  </a:extLst>
-                </p:cNvPr>
-                <p:cNvSpPr txBox="1"/>
-                <p:nvPr/>
-              </p:nvSpPr>
-              <p:spPr>
-                <a:xfrm>
-                  <a:off x="6053702" y="673853"/>
-                  <a:ext cx="1538880" cy="459598"/>
-                </a:xfrm>
-                <a:prstGeom prst="rect">
-                  <a:avLst/>
-                </a:prstGeom>
-                <a:noFill/>
-              </p:spPr>
-              <p:txBody>
-                <a:bodyPr wrap="square" lIns="0" tIns="0" rIns="0" bIns="0" rtlCol="0">
-                  <a:noAutofit/>
-                </a:bodyPr>
-                <a:lstStyle/>
-                <a:p>
-                  <a:pPr algn="ctr"/>
-                  <a:r>
-                    <a:rPr lang="en-US" sz="1400" dirty="0">
-                      <a:solidFill>
-                        <a:schemeClr val="accent6">
-                          <a:lumMod val="50000"/>
-                        </a:schemeClr>
-                      </a:solidFill>
-                      <a:latin typeface="Segoe UI" panose="020B0502040204020203" pitchFamily="34" charset="0"/>
-                      <a:ea typeface="Linux Libertine" panose="02000503000000000000" pitchFamily="2" charset="0"/>
-                      <a:cs typeface="Segoe UI" panose="020B0502040204020203" pitchFamily="34" charset="0"/>
-                    </a:rPr>
-                    <a:t>Augmented / Virtual Reality</a:t>
-                  </a:r>
-                </a:p>
-              </p:txBody>
-            </p:sp>
-            <p:sp>
-              <p:nvSpPr>
-                <p:cNvPr id="37" name="TextBox 36">
-                  <a:extLst>
-                    <a:ext uri="{FF2B5EF4-FFF2-40B4-BE49-F238E27FC236}">
-                      <a16:creationId xmlns:a16="http://schemas.microsoft.com/office/drawing/2014/main" id="{DA756A16-4C4F-0208-FA2E-826A7CA6EF2C}"/>
-                    </a:ext>
-                  </a:extLst>
-                </p:cNvPr>
-                <p:cNvSpPr txBox="1"/>
-                <p:nvPr/>
-              </p:nvSpPr>
-              <p:spPr>
-                <a:xfrm>
-                  <a:off x="5828958" y="1130778"/>
-                  <a:ext cx="1988368" cy="212334"/>
-                </a:xfrm>
-                <a:prstGeom prst="roundRect">
-                  <a:avLst>
-                    <a:gd name="adj" fmla="val 50000"/>
-                  </a:avLst>
-                </a:prstGeom>
+              <a:custGeom>
+                <a:avLst/>
+                <a:gdLst>
+                  <a:gd name="connsiteX0" fmla="*/ 139192 w 173660"/>
+                  <a:gd name="connsiteY0" fmla="*/ 0 h 161018"/>
+                  <a:gd name="connsiteX1" fmla="*/ 149725 w 173660"/>
+                  <a:gd name="connsiteY1" fmla="*/ 59073 h 161018"/>
+                  <a:gd name="connsiteX2" fmla="*/ 34469 w 173660"/>
+                  <a:gd name="connsiteY2" fmla="*/ 161019 h 161018"/>
+                  <a:gd name="connsiteX3" fmla="*/ 39925 w 173660"/>
+                  <a:gd name="connsiteY3" fmla="*/ 87803 h 161018"/>
+                </a:gdLst>
+                <a:ahLst/>
+                <a:cxnLst>
+                  <a:cxn ang="0">
+                    <a:pos x="connsiteX0" y="connsiteY0"/>
+                  </a:cxn>
+                  <a:cxn ang="0">
+                    <a:pos x="connsiteX1" y="connsiteY1"/>
+                  </a:cxn>
+                  <a:cxn ang="0">
+                    <a:pos x="connsiteX2" y="connsiteY2"/>
+                  </a:cxn>
+                  <a:cxn ang="0">
+                    <a:pos x="connsiteX3" y="connsiteY3"/>
+                  </a:cxn>
+                </a:cxnLst>
+                <a:rect l="l" t="t" r="r" b="b"/>
+                <a:pathLst>
+                  <a:path w="173660" h="161018">
+                    <a:moveTo>
+                      <a:pt x="139192" y="0"/>
+                    </a:moveTo>
+                    <a:lnTo>
+                      <a:pt x="149725" y="59073"/>
+                    </a:lnTo>
+                    <a:lnTo>
+                      <a:pt x="34469" y="161019"/>
+                    </a:lnTo>
+                    <a:lnTo>
+                      <a:pt x="39925" y="87803"/>
+                    </a:lnTo>
+                    <a:close/>
+                  </a:path>
+                </a:pathLst>
+              </a:custGeom>
+              <a:solidFill>
+                <a:srgbClr val="FCFCFC"/>
+              </a:solidFill>
+              <a:ln w="2303" cap="rnd">
                 <a:solidFill>
-                  <a:schemeClr val="bg1">
-                    <a:alpha val="60000"/>
+                  <a:schemeClr val="accent5">
+                    <a:lumMod val="50000"/>
                   </a:schemeClr>
                 </a:solidFill>
-              </p:spPr>
-              <p:txBody>
-                <a:bodyPr wrap="square" lIns="0" tIns="0" rIns="0" bIns="0" rtlCol="0" anchor="ctr" anchorCtr="0">
-                  <a:noAutofit/>
-                </a:bodyPr>
-                <a:lstStyle/>
-                <a:p>
-                  <a:pPr algn="ctr"/>
-                  <a:r>
-                    <a:rPr lang="en-US" sz="1300" b="1" dirty="0">
-                      <a:latin typeface="Segoe UI Semibold" panose="020B0502040204020203" pitchFamily="34" charset="0"/>
-                      <a:ea typeface="Linux Libertine" panose="02000503000000000000" pitchFamily="2" charset="0"/>
-                      <a:cs typeface="Segoe UI Semibold" panose="020B0502040204020203" pitchFamily="34" charset="0"/>
-                    </a:rPr>
-                    <a:t>3D Shape &amp; Appearance</a:t>
-                  </a:r>
-                </a:p>
-              </p:txBody>
-            </p:sp>
-            <p:sp>
-              <p:nvSpPr>
-                <p:cNvPr id="41" name="TextBox 40">
-                  <a:extLst>
-                    <a:ext uri="{FF2B5EF4-FFF2-40B4-BE49-F238E27FC236}">
-                      <a16:creationId xmlns:a16="http://schemas.microsoft.com/office/drawing/2014/main" id="{49E5E55A-8581-EECF-1764-B1520DC637D3}"/>
-                    </a:ext>
-                  </a:extLst>
-                </p:cNvPr>
-                <p:cNvSpPr txBox="1"/>
-                <p:nvPr/>
-              </p:nvSpPr>
-              <p:spPr>
-                <a:xfrm>
-                  <a:off x="5795097" y="1546711"/>
-                  <a:ext cx="2048512" cy="222193"/>
-                </a:xfrm>
-                <a:prstGeom prst="rect">
-                  <a:avLst/>
-                </a:prstGeom>
-                <a:noFill/>
-              </p:spPr>
-              <p:txBody>
-                <a:bodyPr wrap="square" lIns="0" tIns="0" rIns="0" bIns="0" rtlCol="0">
-                  <a:noAutofit/>
-                </a:bodyPr>
-                <a:lstStyle/>
-                <a:p>
-                  <a:pPr algn="ctr"/>
-                  <a:endParaRPr lang="en-US" sz="1400" dirty="0">
-                    <a:latin typeface="Segoe UI" panose="020B0502040204020203" pitchFamily="34" charset="0"/>
-                    <a:ea typeface="Linux Libertine" panose="02000503000000000000" pitchFamily="2" charset="0"/>
-                    <a:cs typeface="Segoe UI" panose="020B0502040204020203" pitchFamily="34" charset="0"/>
-                  </a:endParaRPr>
-                </a:p>
-              </p:txBody>
-            </p:sp>
-            <p:sp>
-              <p:nvSpPr>
-                <p:cNvPr id="48" name="TextBox 47">
-                  <a:extLst>
-                    <a:ext uri="{FF2B5EF4-FFF2-40B4-BE49-F238E27FC236}">
-                      <a16:creationId xmlns:a16="http://schemas.microsoft.com/office/drawing/2014/main" id="{75302DE9-4B3C-6862-E84B-115F4F48260B}"/>
-                    </a:ext>
-                  </a:extLst>
-                </p:cNvPr>
-                <p:cNvSpPr txBox="1"/>
-                <p:nvPr/>
-              </p:nvSpPr>
-              <p:spPr>
-                <a:xfrm>
-                  <a:off x="6053702" y="1490322"/>
-                  <a:ext cx="1538880" cy="489426"/>
-                </a:xfrm>
-                <a:prstGeom prst="rect">
-                  <a:avLst/>
-                </a:prstGeom>
-                <a:noFill/>
-              </p:spPr>
-              <p:txBody>
-                <a:bodyPr wrap="square" lIns="0" tIns="0" rIns="0" bIns="0" rtlCol="0">
-                  <a:noAutofit/>
-                </a:bodyPr>
-                <a:lstStyle/>
-                <a:p>
-                  <a:pPr algn="ctr"/>
-                  <a:r>
-                    <a:rPr lang="en-US" sz="1400" dirty="0">
-                      <a:solidFill>
-                        <a:schemeClr val="accent6">
-                          <a:lumMod val="50000"/>
-                        </a:schemeClr>
-                      </a:solidFill>
-                      <a:latin typeface="Segoe UI" panose="020B0502040204020203" pitchFamily="34" charset="0"/>
-                      <a:ea typeface="Linux Libertine" panose="02000503000000000000" pitchFamily="2" charset="0"/>
-                      <a:cs typeface="Segoe UI" panose="020B0502040204020203" pitchFamily="34" charset="0"/>
-                    </a:rPr>
-                    <a:t>Automotive and Robotics Vision</a:t>
-                  </a:r>
-                </a:p>
-              </p:txBody>
-            </p:sp>
-            <p:sp>
-              <p:nvSpPr>
-                <p:cNvPr id="49" name="TextBox 48">
-                  <a:extLst>
-                    <a:ext uri="{FF2B5EF4-FFF2-40B4-BE49-F238E27FC236}">
-                      <a16:creationId xmlns:a16="http://schemas.microsoft.com/office/drawing/2014/main" id="{E2A42F50-73FE-4DA0-673C-4A32DFC9DE07}"/>
-                    </a:ext>
-                  </a:extLst>
-                </p:cNvPr>
-                <p:cNvSpPr txBox="1"/>
-                <p:nvPr/>
-              </p:nvSpPr>
-              <p:spPr>
-                <a:xfrm>
-                  <a:off x="5832411" y="1941612"/>
-                  <a:ext cx="1981463" cy="222194"/>
-                </a:xfrm>
-                <a:prstGeom prst="roundRect">
-                  <a:avLst>
-                    <a:gd name="adj" fmla="val 50000"/>
-                  </a:avLst>
-                </a:prstGeom>
+                <a:prstDash val="solid"/>
+                <a:round/>
+              </a:ln>
+            </p:spPr>
+            <p:txBody>
+              <a:bodyPr rtlCol="0" anchor="ctr"/>
+              <a:lstStyle/>
+              <a:p>
+                <a:endParaRPr lang="en-US">
+                  <a:latin typeface="Segoe UI" panose="020B0502040204020203" pitchFamily="34" charset="0"/>
+                  <a:ea typeface="Linux Libertine" panose="02000503000000000000" pitchFamily="2" charset="0"/>
+                  <a:cs typeface="Segoe UI" panose="020B0502040204020203" pitchFamily="34" charset="0"/>
+                </a:endParaRPr>
+              </a:p>
+            </p:txBody>
+          </p:sp>
+          <p:sp>
+            <p:nvSpPr>
+              <p:cNvPr id="24" name="Freeform: Shape 23">
+                <a:extLst>
+                  <a:ext uri="{FF2B5EF4-FFF2-40B4-BE49-F238E27FC236}">
+                    <a16:creationId xmlns:a16="http://schemas.microsoft.com/office/drawing/2014/main" id="{95F534EE-827B-4909-D4F2-1DFBB267CF9F}"/>
+                  </a:ext>
+                </a:extLst>
+              </p:cNvPr>
+              <p:cNvSpPr/>
+              <p:nvPr/>
+            </p:nvSpPr>
+            <p:spPr>
+              <a:xfrm>
+                <a:off x="6610983" y="1468250"/>
+                <a:ext cx="343804" cy="304099"/>
+              </a:xfrm>
+              <a:custGeom>
+                <a:avLst/>
+                <a:gdLst>
+                  <a:gd name="connsiteX0" fmla="*/ 343804 w 343804"/>
+                  <a:gd name="connsiteY0" fmla="*/ 0 h 304099"/>
+                  <a:gd name="connsiteX1" fmla="*/ 0 w 343804"/>
+                  <a:gd name="connsiteY1" fmla="*/ 304100 h 304099"/>
+                </a:gdLst>
+                <a:ahLst/>
+                <a:cxnLst>
+                  <a:cxn ang="0">
+                    <a:pos x="connsiteX0" y="connsiteY0"/>
+                  </a:cxn>
+                  <a:cxn ang="0">
+                    <a:pos x="connsiteX1" y="connsiteY1"/>
+                  </a:cxn>
+                </a:cxnLst>
+                <a:rect l="l" t="t" r="r" b="b"/>
+                <a:pathLst>
+                  <a:path w="343804" h="304099">
+                    <a:moveTo>
+                      <a:pt x="343804" y="0"/>
+                    </a:moveTo>
+                    <a:lnTo>
+                      <a:pt x="0" y="304100"/>
+                    </a:lnTo>
+                  </a:path>
+                </a:pathLst>
+              </a:custGeom>
+              <a:noFill/>
+              <a:ln w="4961" cap="flat">
                 <a:solidFill>
-                  <a:schemeClr val="bg1">
-                    <a:alpha val="60000"/>
+                  <a:schemeClr val="accent5">
+                    <a:lumMod val="50000"/>
                   </a:schemeClr>
                 </a:solidFill>
-              </p:spPr>
-              <p:txBody>
-                <a:bodyPr wrap="square" lIns="0" tIns="0" rIns="0" bIns="0" rtlCol="0" anchor="ctr" anchorCtr="0">
-                  <a:noAutofit/>
-                </a:bodyPr>
-                <a:lstStyle/>
-                <a:p>
-                  <a:pPr algn="ctr"/>
-                  <a:r>
-                    <a:rPr lang="en-US" sz="1300" b="1" dirty="0">
-                      <a:latin typeface="Segoe UI Semibold" panose="020B0502040204020203" pitchFamily="34" charset="0"/>
-                      <a:ea typeface="Linux Libertine" panose="02000503000000000000" pitchFamily="2" charset="0"/>
-                      <a:cs typeface="Segoe UI Semibold" panose="020B0502040204020203" pitchFamily="34" charset="0"/>
-                    </a:rPr>
-                    <a:t>Seeing Around Corners</a:t>
-                  </a:r>
-                </a:p>
-              </p:txBody>
-            </p:sp>
-            <p:sp>
-              <p:nvSpPr>
-                <p:cNvPr id="50" name="TextBox 49">
-                  <a:extLst>
-                    <a:ext uri="{FF2B5EF4-FFF2-40B4-BE49-F238E27FC236}">
-                      <a16:creationId xmlns:a16="http://schemas.microsoft.com/office/drawing/2014/main" id="{B418A7EB-3C9F-85FE-2A38-0875386D41AD}"/>
-                    </a:ext>
-                  </a:extLst>
-                </p:cNvPr>
-                <p:cNvSpPr txBox="1"/>
-                <p:nvPr/>
-              </p:nvSpPr>
-              <p:spPr>
-                <a:xfrm>
-                  <a:off x="6053702" y="2318950"/>
-                  <a:ext cx="1538880" cy="221756"/>
-                </a:xfrm>
-                <a:prstGeom prst="rect">
-                  <a:avLst/>
-                </a:prstGeom>
-                <a:noFill/>
-              </p:spPr>
-              <p:txBody>
-                <a:bodyPr wrap="square" lIns="0" tIns="0" rIns="0" bIns="0" rtlCol="0">
-                  <a:noAutofit/>
-                </a:bodyPr>
-                <a:lstStyle/>
-                <a:p>
-                  <a:pPr algn="ctr"/>
-                  <a:r>
-                    <a:rPr lang="en-US" sz="1400" dirty="0">
-                      <a:solidFill>
-                        <a:schemeClr val="accent6">
-                          <a:lumMod val="50000"/>
-                        </a:schemeClr>
-                      </a:solidFill>
-                      <a:latin typeface="Segoe UI" panose="020B0502040204020203" pitchFamily="34" charset="0"/>
-                      <a:ea typeface="Linux Libertine" panose="02000503000000000000" pitchFamily="2" charset="0"/>
-                      <a:cs typeface="Segoe UI" panose="020B0502040204020203" pitchFamily="34" charset="0"/>
-                    </a:rPr>
-                    <a:t>Industrial Vision</a:t>
-                  </a:r>
-                </a:p>
-              </p:txBody>
-            </p:sp>
-            <p:sp>
-              <p:nvSpPr>
-                <p:cNvPr id="51" name="TextBox 50">
-                  <a:extLst>
-                    <a:ext uri="{FF2B5EF4-FFF2-40B4-BE49-F238E27FC236}">
-                      <a16:creationId xmlns:a16="http://schemas.microsoft.com/office/drawing/2014/main" id="{441E22D4-E2C3-2CEE-B392-1331DD0C0205}"/>
-                    </a:ext>
-                  </a:extLst>
-                </p:cNvPr>
-                <p:cNvSpPr txBox="1"/>
-                <p:nvPr/>
-              </p:nvSpPr>
-              <p:spPr>
-                <a:xfrm>
-                  <a:off x="5832411" y="2554919"/>
-                  <a:ext cx="1981463" cy="222194"/>
-                </a:xfrm>
-                <a:prstGeom prst="roundRect">
-                  <a:avLst>
-                    <a:gd name="adj" fmla="val 50000"/>
-                  </a:avLst>
-                </a:prstGeom>
+                <a:prstDash val="solid"/>
+                <a:round/>
+              </a:ln>
+            </p:spPr>
+            <p:txBody>
+              <a:bodyPr rtlCol="0" anchor="ctr"/>
+              <a:lstStyle/>
+              <a:p>
+                <a:endParaRPr lang="en-US">
+                  <a:latin typeface="Segoe UI" panose="020B0502040204020203" pitchFamily="34" charset="0"/>
+                  <a:ea typeface="Linux Libertine" panose="02000503000000000000" pitchFamily="2" charset="0"/>
+                  <a:cs typeface="Segoe UI" panose="020B0502040204020203" pitchFamily="34" charset="0"/>
+                </a:endParaRPr>
+              </a:p>
+            </p:txBody>
+          </p:sp>
+          <p:sp>
+            <p:nvSpPr>
+              <p:cNvPr id="25" name="Freeform: Shape 24">
+                <a:extLst>
+                  <a:ext uri="{FF2B5EF4-FFF2-40B4-BE49-F238E27FC236}">
+                    <a16:creationId xmlns:a16="http://schemas.microsoft.com/office/drawing/2014/main" id="{EDA00763-C74A-1E92-3BB1-FA280ACCE5AD}"/>
+                  </a:ext>
+                </a:extLst>
+              </p:cNvPr>
+              <p:cNvSpPr/>
+              <p:nvPr/>
+            </p:nvSpPr>
+            <p:spPr>
+              <a:xfrm>
+                <a:off x="6607862" y="1470156"/>
+                <a:ext cx="382254" cy="338109"/>
+              </a:xfrm>
+              <a:custGeom>
+                <a:avLst/>
+                <a:gdLst>
+                  <a:gd name="connsiteX0" fmla="*/ 382255 w 382254"/>
+                  <a:gd name="connsiteY0" fmla="*/ 0 h 338109"/>
+                  <a:gd name="connsiteX1" fmla="*/ 0 w 382254"/>
+                  <a:gd name="connsiteY1" fmla="*/ 338110 h 338109"/>
+                </a:gdLst>
+                <a:ahLst/>
+                <a:cxnLst>
+                  <a:cxn ang="0">
+                    <a:pos x="connsiteX0" y="connsiteY0"/>
+                  </a:cxn>
+                  <a:cxn ang="0">
+                    <a:pos x="connsiteX1" y="connsiteY1"/>
+                  </a:cxn>
+                </a:cxnLst>
+                <a:rect l="l" t="t" r="r" b="b"/>
+                <a:pathLst>
+                  <a:path w="382254" h="338109">
+                    <a:moveTo>
+                      <a:pt x="382255" y="0"/>
+                    </a:moveTo>
+                    <a:lnTo>
+                      <a:pt x="0" y="338110"/>
+                    </a:lnTo>
+                  </a:path>
+                </a:pathLst>
+              </a:custGeom>
+              <a:noFill/>
+              <a:ln w="4961" cap="flat">
                 <a:solidFill>
-                  <a:schemeClr val="bg1">
-                    <a:alpha val="60000"/>
+                  <a:schemeClr val="accent5">
+                    <a:lumMod val="50000"/>
                   </a:schemeClr>
                 </a:solidFill>
-              </p:spPr>
-              <p:txBody>
-                <a:bodyPr wrap="square" lIns="0" tIns="0" rIns="0" bIns="0" rtlCol="0" anchor="ctr" anchorCtr="0">
-                  <a:noAutofit/>
-                </a:bodyPr>
-                <a:lstStyle/>
-                <a:p>
-                  <a:pPr algn="ctr"/>
-                  <a:r>
-                    <a:rPr lang="en-US" sz="1300" b="1" dirty="0">
-                      <a:latin typeface="Segoe UI Semibold" panose="020B0502040204020203" pitchFamily="34" charset="0"/>
-                      <a:ea typeface="Linux Libertine" panose="02000503000000000000" pitchFamily="2" charset="0"/>
-                      <a:cs typeface="Segoe UI Semibold" panose="020B0502040204020203" pitchFamily="34" charset="0"/>
-                    </a:rPr>
-                    <a:t>Internal Stress Analysis</a:t>
-                  </a:r>
-                </a:p>
-              </p:txBody>
-            </p:sp>
-          </p:grpSp>
+                <a:prstDash val="solid"/>
+                <a:round/>
+              </a:ln>
+            </p:spPr>
+            <p:txBody>
+              <a:bodyPr rtlCol="0" anchor="ctr"/>
+              <a:lstStyle/>
+              <a:p>
+                <a:endParaRPr lang="en-US">
+                  <a:latin typeface="Segoe UI" panose="020B0502040204020203" pitchFamily="34" charset="0"/>
+                  <a:ea typeface="Linux Libertine" panose="02000503000000000000" pitchFamily="2" charset="0"/>
+                  <a:cs typeface="Segoe UI" panose="020B0502040204020203" pitchFamily="34" charset="0"/>
+                </a:endParaRPr>
+              </a:p>
+            </p:txBody>
+          </p:sp>
+          <p:sp>
+            <p:nvSpPr>
+              <p:cNvPr id="26" name="Freeform: Shape 25">
+                <a:extLst>
+                  <a:ext uri="{FF2B5EF4-FFF2-40B4-BE49-F238E27FC236}">
+                    <a16:creationId xmlns:a16="http://schemas.microsoft.com/office/drawing/2014/main" id="{7DBBB832-E2BC-F1FC-B1C3-97B7EC31F9F9}"/>
+                  </a:ext>
+                </a:extLst>
+              </p:cNvPr>
+              <p:cNvSpPr/>
+              <p:nvPr/>
+            </p:nvSpPr>
+            <p:spPr>
+              <a:xfrm>
+                <a:off x="6603956" y="1472546"/>
+                <a:ext cx="430382" cy="380680"/>
+              </a:xfrm>
+              <a:custGeom>
+                <a:avLst/>
+                <a:gdLst>
+                  <a:gd name="connsiteX0" fmla="*/ 430383 w 430382"/>
+                  <a:gd name="connsiteY0" fmla="*/ 0 h 380680"/>
+                  <a:gd name="connsiteX1" fmla="*/ 0 w 430382"/>
+                  <a:gd name="connsiteY1" fmla="*/ 380680 h 380680"/>
+                </a:gdLst>
+                <a:ahLst/>
+                <a:cxnLst>
+                  <a:cxn ang="0">
+                    <a:pos x="connsiteX0" y="connsiteY0"/>
+                  </a:cxn>
+                  <a:cxn ang="0">
+                    <a:pos x="connsiteX1" y="connsiteY1"/>
+                  </a:cxn>
+                </a:cxnLst>
+                <a:rect l="l" t="t" r="r" b="b"/>
+                <a:pathLst>
+                  <a:path w="430382" h="380680">
+                    <a:moveTo>
+                      <a:pt x="430383" y="0"/>
+                    </a:moveTo>
+                    <a:lnTo>
+                      <a:pt x="0" y="380680"/>
+                    </a:lnTo>
+                  </a:path>
+                </a:pathLst>
+              </a:custGeom>
+              <a:noFill/>
+              <a:ln w="4961" cap="flat">
+                <a:solidFill>
+                  <a:schemeClr val="accent5">
+                    <a:lumMod val="50000"/>
+                  </a:schemeClr>
+                </a:solidFill>
+                <a:prstDash val="solid"/>
+                <a:round/>
+              </a:ln>
+            </p:spPr>
+            <p:txBody>
+              <a:bodyPr rtlCol="0" anchor="ctr"/>
+              <a:lstStyle/>
+              <a:p>
+                <a:endParaRPr lang="en-US">
+                  <a:latin typeface="Segoe UI" panose="020B0502040204020203" pitchFamily="34" charset="0"/>
+                  <a:ea typeface="Linux Libertine" panose="02000503000000000000" pitchFamily="2" charset="0"/>
+                  <a:cs typeface="Segoe UI" panose="020B0502040204020203" pitchFamily="34" charset="0"/>
+                </a:endParaRPr>
+              </a:p>
+            </p:txBody>
+          </p:sp>
+          <p:sp>
+            <p:nvSpPr>
+              <p:cNvPr id="27" name="Freeform: Shape 26">
+                <a:extLst>
+                  <a:ext uri="{FF2B5EF4-FFF2-40B4-BE49-F238E27FC236}">
+                    <a16:creationId xmlns:a16="http://schemas.microsoft.com/office/drawing/2014/main" id="{E6E79E6A-7211-FCC1-1CC6-78489DD6B412}"/>
+                  </a:ext>
+                </a:extLst>
+              </p:cNvPr>
+              <p:cNvSpPr/>
+              <p:nvPr/>
+            </p:nvSpPr>
+            <p:spPr>
+              <a:xfrm>
+                <a:off x="6598927" y="1475618"/>
+                <a:ext cx="492379" cy="435516"/>
+              </a:xfrm>
+              <a:custGeom>
+                <a:avLst/>
+                <a:gdLst>
+                  <a:gd name="connsiteX0" fmla="*/ 492379 w 492379"/>
+                  <a:gd name="connsiteY0" fmla="*/ 0 h 435516"/>
+                  <a:gd name="connsiteX1" fmla="*/ 0 w 492379"/>
+                  <a:gd name="connsiteY1" fmla="*/ 435517 h 435516"/>
+                </a:gdLst>
+                <a:ahLst/>
+                <a:cxnLst>
+                  <a:cxn ang="0">
+                    <a:pos x="connsiteX0" y="connsiteY0"/>
+                  </a:cxn>
+                  <a:cxn ang="0">
+                    <a:pos x="connsiteX1" y="connsiteY1"/>
+                  </a:cxn>
+                </a:cxnLst>
+                <a:rect l="l" t="t" r="r" b="b"/>
+                <a:pathLst>
+                  <a:path w="492379" h="435516">
+                    <a:moveTo>
+                      <a:pt x="492379" y="0"/>
+                    </a:moveTo>
+                    <a:lnTo>
+                      <a:pt x="0" y="435517"/>
+                    </a:lnTo>
+                  </a:path>
+                </a:pathLst>
+              </a:custGeom>
+              <a:noFill/>
+              <a:ln w="4961" cap="flat">
+                <a:solidFill>
+                  <a:schemeClr val="accent5">
+                    <a:lumMod val="50000"/>
+                  </a:schemeClr>
+                </a:solidFill>
+                <a:prstDash val="solid"/>
+                <a:round/>
+              </a:ln>
+            </p:spPr>
+            <p:txBody>
+              <a:bodyPr rtlCol="0" anchor="ctr"/>
+              <a:lstStyle/>
+              <a:p>
+                <a:endParaRPr lang="en-US">
+                  <a:latin typeface="Segoe UI" panose="020B0502040204020203" pitchFamily="34" charset="0"/>
+                  <a:ea typeface="Linux Libertine" panose="02000503000000000000" pitchFamily="2" charset="0"/>
+                  <a:cs typeface="Segoe UI" panose="020B0502040204020203" pitchFamily="34" charset="0"/>
+                </a:endParaRPr>
+              </a:p>
+            </p:txBody>
+          </p:sp>
+          <p:sp>
+            <p:nvSpPr>
+              <p:cNvPr id="28" name="Freeform: Shape 27">
+                <a:extLst>
+                  <a:ext uri="{FF2B5EF4-FFF2-40B4-BE49-F238E27FC236}">
+                    <a16:creationId xmlns:a16="http://schemas.microsoft.com/office/drawing/2014/main" id="{B5843AC5-786D-C382-DC78-5031DD968B8F}"/>
+                  </a:ext>
+                </a:extLst>
+              </p:cNvPr>
+              <p:cNvSpPr/>
+              <p:nvPr/>
+            </p:nvSpPr>
+            <p:spPr>
+              <a:xfrm>
+                <a:off x="6863441" y="1455868"/>
+                <a:ext cx="188956" cy="191704"/>
+              </a:xfrm>
+              <a:custGeom>
+                <a:avLst/>
+                <a:gdLst>
+                  <a:gd name="connsiteX0" fmla="*/ 0 w 188956"/>
+                  <a:gd name="connsiteY0" fmla="*/ 66085 h 191704"/>
+                  <a:gd name="connsiteX1" fmla="*/ 188956 w 188956"/>
+                  <a:gd name="connsiteY1" fmla="*/ 125620 h 191704"/>
+                </a:gdLst>
+                <a:ahLst/>
+                <a:cxnLst>
+                  <a:cxn ang="0">
+                    <a:pos x="connsiteX0" y="connsiteY0"/>
+                  </a:cxn>
+                  <a:cxn ang="0">
+                    <a:pos x="connsiteX1" y="connsiteY1"/>
+                  </a:cxn>
+                </a:cxnLst>
+                <a:rect l="l" t="t" r="r" b="b"/>
+                <a:pathLst>
+                  <a:path w="188956" h="191704">
+                    <a:moveTo>
+                      <a:pt x="0" y="66085"/>
+                    </a:moveTo>
+                    <a:lnTo>
+                      <a:pt x="188956" y="125620"/>
+                    </a:lnTo>
+                  </a:path>
+                </a:pathLst>
+              </a:custGeom>
+              <a:noFill/>
+              <a:ln w="4961" cap="flat">
+                <a:solidFill>
+                  <a:schemeClr val="accent5">
+                    <a:lumMod val="50000"/>
+                  </a:schemeClr>
+                </a:solidFill>
+                <a:prstDash val="solid"/>
+                <a:round/>
+              </a:ln>
+            </p:spPr>
+            <p:txBody>
+              <a:bodyPr rtlCol="0" anchor="ctr"/>
+              <a:lstStyle/>
+              <a:p>
+                <a:endParaRPr lang="en-US">
+                  <a:latin typeface="Segoe UI" panose="020B0502040204020203" pitchFamily="34" charset="0"/>
+                  <a:ea typeface="Linux Libertine" panose="02000503000000000000" pitchFamily="2" charset="0"/>
+                  <a:cs typeface="Segoe UI" panose="020B0502040204020203" pitchFamily="34" charset="0"/>
+                </a:endParaRPr>
+              </a:p>
+            </p:txBody>
+          </p:sp>
+          <p:sp>
+            <p:nvSpPr>
+              <p:cNvPr id="29" name="Freeform: Shape 28">
+                <a:extLst>
+                  <a:ext uri="{FF2B5EF4-FFF2-40B4-BE49-F238E27FC236}">
+                    <a16:creationId xmlns:a16="http://schemas.microsoft.com/office/drawing/2014/main" id="{2260B9B0-A742-DA59-10F7-6AA135248626}"/>
+                  </a:ext>
+                </a:extLst>
+              </p:cNvPr>
+              <p:cNvSpPr/>
+              <p:nvPr/>
+            </p:nvSpPr>
+            <p:spPr>
+              <a:xfrm>
+                <a:off x="6800960" y="1557628"/>
+                <a:ext cx="136390" cy="145209"/>
+              </a:xfrm>
+              <a:custGeom>
+                <a:avLst/>
+                <a:gdLst>
+                  <a:gd name="connsiteX0" fmla="*/ 0 w 136390"/>
+                  <a:gd name="connsiteY0" fmla="*/ 19590 h 145209"/>
+                  <a:gd name="connsiteX1" fmla="*/ 136391 w 136390"/>
+                  <a:gd name="connsiteY1" fmla="*/ 125620 h 145209"/>
+                </a:gdLst>
+                <a:ahLst/>
+                <a:cxnLst>
+                  <a:cxn ang="0">
+                    <a:pos x="connsiteX0" y="connsiteY0"/>
+                  </a:cxn>
+                  <a:cxn ang="0">
+                    <a:pos x="connsiteX1" y="connsiteY1"/>
+                  </a:cxn>
+                </a:cxnLst>
+                <a:rect l="l" t="t" r="r" b="b"/>
+                <a:pathLst>
+                  <a:path w="136390" h="145209">
+                    <a:moveTo>
+                      <a:pt x="0" y="19590"/>
+                    </a:moveTo>
+                    <a:lnTo>
+                      <a:pt x="136391" y="125620"/>
+                    </a:lnTo>
+                  </a:path>
+                </a:pathLst>
+              </a:custGeom>
+              <a:noFill/>
+              <a:ln w="4961" cap="flat">
+                <a:solidFill>
+                  <a:schemeClr val="accent5">
+                    <a:lumMod val="50000"/>
+                  </a:schemeClr>
+                </a:solidFill>
+                <a:prstDash val="solid"/>
+                <a:round/>
+              </a:ln>
+            </p:spPr>
+            <p:txBody>
+              <a:bodyPr rtlCol="0" anchor="ctr"/>
+              <a:lstStyle/>
+              <a:p>
+                <a:endParaRPr lang="en-US">
+                  <a:latin typeface="Segoe UI" panose="020B0502040204020203" pitchFamily="34" charset="0"/>
+                  <a:ea typeface="Linux Libertine" panose="02000503000000000000" pitchFamily="2" charset="0"/>
+                  <a:cs typeface="Segoe UI" panose="020B0502040204020203" pitchFamily="34" charset="0"/>
+                </a:endParaRPr>
+              </a:p>
+            </p:txBody>
+          </p:sp>
+          <p:sp>
+            <p:nvSpPr>
+              <p:cNvPr id="30" name="Freeform: Shape 29">
+                <a:extLst>
+                  <a:ext uri="{FF2B5EF4-FFF2-40B4-BE49-F238E27FC236}">
+                    <a16:creationId xmlns:a16="http://schemas.microsoft.com/office/drawing/2014/main" id="{516187E1-811E-7591-B63D-8747A3499B8B}"/>
+                  </a:ext>
+                </a:extLst>
+              </p:cNvPr>
+              <p:cNvSpPr/>
+              <p:nvPr/>
+            </p:nvSpPr>
+            <p:spPr>
+              <a:xfrm>
+                <a:off x="6708056" y="1632480"/>
+                <a:ext cx="144670" cy="152533"/>
+              </a:xfrm>
+              <a:custGeom>
+                <a:avLst/>
+                <a:gdLst>
+                  <a:gd name="connsiteX0" fmla="*/ 30427 w 144670"/>
+                  <a:gd name="connsiteY0" fmla="*/ 0 h 152533"/>
+                  <a:gd name="connsiteX1" fmla="*/ 114243 w 144670"/>
+                  <a:gd name="connsiteY1" fmla="*/ 152534 h 152533"/>
+                </a:gdLst>
+                <a:ahLst/>
+                <a:cxnLst>
+                  <a:cxn ang="0">
+                    <a:pos x="connsiteX0" y="connsiteY0"/>
+                  </a:cxn>
+                  <a:cxn ang="0">
+                    <a:pos x="connsiteX1" y="connsiteY1"/>
+                  </a:cxn>
+                </a:cxnLst>
+                <a:rect l="l" t="t" r="r" b="b"/>
+                <a:pathLst>
+                  <a:path w="144670" h="152533">
+                    <a:moveTo>
+                      <a:pt x="30427" y="0"/>
+                    </a:moveTo>
+                    <a:lnTo>
+                      <a:pt x="114243" y="152534"/>
+                    </a:lnTo>
+                  </a:path>
+                </a:pathLst>
+              </a:custGeom>
+              <a:noFill/>
+              <a:ln w="4961" cap="flat">
+                <a:solidFill>
+                  <a:schemeClr val="accent5">
+                    <a:lumMod val="50000"/>
+                  </a:schemeClr>
+                </a:solidFill>
+                <a:prstDash val="solid"/>
+                <a:round/>
+              </a:ln>
+            </p:spPr>
+            <p:txBody>
+              <a:bodyPr rtlCol="0" anchor="ctr"/>
+              <a:lstStyle/>
+              <a:p>
+                <a:endParaRPr lang="en-US">
+                  <a:latin typeface="Segoe UI" panose="020B0502040204020203" pitchFamily="34" charset="0"/>
+                  <a:ea typeface="Linux Libertine" panose="02000503000000000000" pitchFamily="2" charset="0"/>
+                  <a:cs typeface="Segoe UI" panose="020B0502040204020203" pitchFamily="34" charset="0"/>
+                </a:endParaRPr>
+              </a:p>
+            </p:txBody>
+          </p:sp>
+          <p:sp>
+            <p:nvSpPr>
+              <p:cNvPr id="31" name="Freeform: Shape 30">
+                <a:extLst>
+                  <a:ext uri="{FF2B5EF4-FFF2-40B4-BE49-F238E27FC236}">
+                    <a16:creationId xmlns:a16="http://schemas.microsoft.com/office/drawing/2014/main" id="{AB8F799D-70DA-2881-7976-ED8376BF2022}"/>
+                  </a:ext>
+                </a:extLst>
+              </p:cNvPr>
+              <p:cNvSpPr/>
+              <p:nvPr/>
+            </p:nvSpPr>
+            <p:spPr>
+              <a:xfrm>
+                <a:off x="6593009" y="1687741"/>
+                <a:ext cx="197241" cy="199032"/>
+              </a:xfrm>
+              <a:custGeom>
+                <a:avLst/>
+                <a:gdLst>
+                  <a:gd name="connsiteX0" fmla="*/ 82998 w 197241"/>
+                  <a:gd name="connsiteY0" fmla="*/ 0 h 199032"/>
+                  <a:gd name="connsiteX1" fmla="*/ 114243 w 197241"/>
+                  <a:gd name="connsiteY1" fmla="*/ 199033 h 199032"/>
+                </a:gdLst>
+                <a:ahLst/>
+                <a:cxnLst>
+                  <a:cxn ang="0">
+                    <a:pos x="connsiteX0" y="connsiteY0"/>
+                  </a:cxn>
+                  <a:cxn ang="0">
+                    <a:pos x="connsiteX1" y="connsiteY1"/>
+                  </a:cxn>
+                </a:cxnLst>
+                <a:rect l="l" t="t" r="r" b="b"/>
+                <a:pathLst>
+                  <a:path w="197241" h="199032">
+                    <a:moveTo>
+                      <a:pt x="82998" y="0"/>
+                    </a:moveTo>
+                    <a:lnTo>
+                      <a:pt x="114243" y="199033"/>
+                    </a:lnTo>
+                  </a:path>
+                </a:pathLst>
+              </a:custGeom>
+              <a:noFill/>
+              <a:ln w="4961" cap="flat">
+                <a:solidFill>
+                  <a:schemeClr val="accent5">
+                    <a:lumMod val="50000"/>
+                  </a:schemeClr>
+                </a:solidFill>
+                <a:prstDash val="solid"/>
+                <a:round/>
+              </a:ln>
+            </p:spPr>
+            <p:txBody>
+              <a:bodyPr rtlCol="0" anchor="ctr"/>
+              <a:lstStyle/>
+              <a:p>
+                <a:endParaRPr lang="en-US">
+                  <a:latin typeface="Segoe UI" panose="020B0502040204020203" pitchFamily="34" charset="0"/>
+                  <a:ea typeface="Linux Libertine" panose="02000503000000000000" pitchFamily="2" charset="0"/>
+                  <a:cs typeface="Segoe UI" panose="020B0502040204020203" pitchFamily="34" charset="0"/>
+                </a:endParaRPr>
+              </a:p>
+            </p:txBody>
+          </p:sp>
+          <p:sp>
+            <p:nvSpPr>
+              <p:cNvPr id="1120" name="Freeform: Shape 1119">
+                <a:extLst>
+                  <a:ext uri="{FF2B5EF4-FFF2-40B4-BE49-F238E27FC236}">
+                    <a16:creationId xmlns:a16="http://schemas.microsoft.com/office/drawing/2014/main" id="{500D61F0-0D63-13F3-6974-A6D4A80BA752}"/>
+                  </a:ext>
+                </a:extLst>
+              </p:cNvPr>
+              <p:cNvSpPr/>
+              <p:nvPr/>
+            </p:nvSpPr>
+            <p:spPr>
+              <a:xfrm>
+                <a:off x="6479493" y="1352753"/>
+                <a:ext cx="687952" cy="635780"/>
+              </a:xfrm>
+              <a:custGeom>
+                <a:avLst/>
+                <a:gdLst>
+                  <a:gd name="connsiteX0" fmla="*/ 446424 w 687952"/>
+                  <a:gd name="connsiteY0" fmla="*/ 113939 h 635780"/>
+                  <a:gd name="connsiteX1" fmla="*/ 687953 w 687952"/>
+                  <a:gd name="connsiteY1" fmla="*/ 126973 h 635780"/>
+                  <a:gd name="connsiteX2" fmla="*/ 112714 w 687952"/>
+                  <a:gd name="connsiteY2" fmla="*/ 635780 h 635780"/>
+                  <a:gd name="connsiteX3" fmla="*/ 134037 w 687952"/>
+                  <a:gd name="connsiteY3" fmla="*/ 390250 h 635780"/>
+                </a:gdLst>
+                <a:ahLst/>
+                <a:cxnLst>
+                  <a:cxn ang="0">
+                    <a:pos x="connsiteX0" y="connsiteY0"/>
+                  </a:cxn>
+                  <a:cxn ang="0">
+                    <a:pos x="connsiteX1" y="connsiteY1"/>
+                  </a:cxn>
+                  <a:cxn ang="0">
+                    <a:pos x="connsiteX2" y="connsiteY2"/>
+                  </a:cxn>
+                  <a:cxn ang="0">
+                    <a:pos x="connsiteX3" y="connsiteY3"/>
+                  </a:cxn>
+                </a:cxnLst>
+                <a:rect l="l" t="t" r="r" b="b"/>
+                <a:pathLst>
+                  <a:path w="687952" h="635780">
+                    <a:moveTo>
+                      <a:pt x="446424" y="113939"/>
+                    </a:moveTo>
+                    <a:lnTo>
+                      <a:pt x="687953" y="126973"/>
+                    </a:lnTo>
+                    <a:lnTo>
+                      <a:pt x="112714" y="635780"/>
+                    </a:lnTo>
+                    <a:lnTo>
+                      <a:pt x="134037" y="390250"/>
+                    </a:lnTo>
+                    <a:close/>
+                  </a:path>
+                </a:pathLst>
+              </a:custGeom>
+              <a:noFill/>
+              <a:ln w="4961" cap="flat">
+                <a:solidFill>
+                  <a:schemeClr val="accent5">
+                    <a:lumMod val="50000"/>
+                  </a:schemeClr>
+                </a:solidFill>
+                <a:prstDash val="solid"/>
+                <a:round/>
+              </a:ln>
+            </p:spPr>
+            <p:txBody>
+              <a:bodyPr rtlCol="0" anchor="ctr"/>
+              <a:lstStyle/>
+              <a:p>
+                <a:endParaRPr lang="en-US">
+                  <a:latin typeface="Segoe UI" panose="020B0502040204020203" pitchFamily="34" charset="0"/>
+                  <a:ea typeface="Linux Libertine" panose="02000503000000000000" pitchFamily="2" charset="0"/>
+                  <a:cs typeface="Segoe UI" panose="020B0502040204020203" pitchFamily="34" charset="0"/>
+                </a:endParaRPr>
+              </a:p>
+            </p:txBody>
+          </p:sp>
         </p:grpSp>
+        <p:cxnSp>
+          <p:nvCxnSpPr>
+            <p:cNvPr id="1121" name="Straight Arrow Connector 1120">
+              <a:extLst>
+                <a:ext uri="{FF2B5EF4-FFF2-40B4-BE49-F238E27FC236}">
+                  <a16:creationId xmlns:a16="http://schemas.microsoft.com/office/drawing/2014/main" id="{B24EB95E-0B30-1935-10D4-574A770171C4}"/>
+                </a:ext>
+              </a:extLst>
+            </p:cNvPr>
+            <p:cNvCxnSpPr>
+              <a:cxnSpLocks/>
+            </p:cNvCxnSpPr>
+            <p:nvPr/>
+          </p:nvCxnSpPr>
+          <p:spPr>
+            <a:xfrm flipH="1" flipV="1">
+              <a:off x="6738264" y="1447509"/>
+              <a:ext cx="140863" cy="198680"/>
+            </a:xfrm>
+            <a:prstGeom prst="straightConnector1">
+              <a:avLst/>
+            </a:prstGeom>
+            <a:ln w="19050">
+              <a:solidFill>
+                <a:schemeClr val="accent4">
+                  <a:lumMod val="75000"/>
+                </a:schemeClr>
+              </a:solidFill>
+              <a:tailEnd type="triangle"/>
+            </a:ln>
+          </p:spPr>
+          <p:style>
+            <a:lnRef idx="1">
+              <a:schemeClr val="accent1"/>
+            </a:lnRef>
+            <a:fillRef idx="0">
+              <a:schemeClr val="accent1"/>
+            </a:fillRef>
+            <a:effectRef idx="0">
+              <a:schemeClr val="accent1"/>
+            </a:effectRef>
+            <a:fontRef idx="minor">
+              <a:schemeClr val="tx1"/>
+            </a:fontRef>
+          </p:style>
+        </p:cxnSp>
+        <p:sp>
+          <p:nvSpPr>
+            <p:cNvPr id="1122" name="Freeform: Shape 1121">
+              <a:extLst>
+                <a:ext uri="{FF2B5EF4-FFF2-40B4-BE49-F238E27FC236}">
+                  <a16:creationId xmlns:a16="http://schemas.microsoft.com/office/drawing/2014/main" id="{DBEF5985-7A2A-73BA-CC8E-F86553EB2CCC}"/>
+                </a:ext>
+              </a:extLst>
+            </p:cNvPr>
+            <p:cNvSpPr/>
+            <p:nvPr/>
+          </p:nvSpPr>
+          <p:spPr>
+            <a:xfrm rot="3199002">
+              <a:off x="6577857" y="1296843"/>
+              <a:ext cx="189823" cy="133027"/>
+            </a:xfrm>
+            <a:custGeom>
+              <a:avLst/>
+              <a:gdLst>
+                <a:gd name="connsiteX0" fmla="*/ 134229 w 151925"/>
+                <a:gd name="connsiteY0" fmla="*/ 14730 h 106468"/>
+                <a:gd name="connsiteX1" fmla="*/ 124164 w 151925"/>
+                <a:gd name="connsiteY1" fmla="*/ 20524 h 106468"/>
+                <a:gd name="connsiteX2" fmla="*/ 106470 w 151925"/>
+                <a:gd name="connsiteY2" fmla="*/ 30712 h 106468"/>
+                <a:gd name="connsiteX3" fmla="*/ 106470 w 151925"/>
+                <a:gd name="connsiteY3" fmla="*/ 6302 h 106468"/>
+                <a:gd name="connsiteX4" fmla="*/ 104618 w 151925"/>
+                <a:gd name="connsiteY4" fmla="*/ 1852 h 106468"/>
+                <a:gd name="connsiteX5" fmla="*/ 100168 w 151925"/>
+                <a:gd name="connsiteY5" fmla="*/ 0 h 106468"/>
+                <a:gd name="connsiteX6" fmla="*/ 6302 w 151925"/>
+                <a:gd name="connsiteY6" fmla="*/ 0 h 106468"/>
+                <a:gd name="connsiteX7" fmla="*/ 1852 w 151925"/>
+                <a:gd name="connsiteY7" fmla="*/ 1852 h 106468"/>
+                <a:gd name="connsiteX8" fmla="*/ 0 w 151925"/>
+                <a:gd name="connsiteY8" fmla="*/ 6302 h 106468"/>
+                <a:gd name="connsiteX9" fmla="*/ 0 w 151925"/>
+                <a:gd name="connsiteY9" fmla="*/ 100166 h 106468"/>
+                <a:gd name="connsiteX10" fmla="*/ 1852 w 151925"/>
+                <a:gd name="connsiteY10" fmla="*/ 104616 h 106468"/>
+                <a:gd name="connsiteX11" fmla="*/ 6302 w 151925"/>
+                <a:gd name="connsiteY11" fmla="*/ 106468 h 106468"/>
+                <a:gd name="connsiteX12" fmla="*/ 100168 w 151925"/>
+                <a:gd name="connsiteY12" fmla="*/ 106468 h 106468"/>
+                <a:gd name="connsiteX13" fmla="*/ 104618 w 151925"/>
+                <a:gd name="connsiteY13" fmla="*/ 104616 h 106468"/>
+                <a:gd name="connsiteX14" fmla="*/ 106470 w 151925"/>
+                <a:gd name="connsiteY14" fmla="*/ 100166 h 106468"/>
+                <a:gd name="connsiteX15" fmla="*/ 106470 w 151925"/>
+                <a:gd name="connsiteY15" fmla="*/ 79347 h 106468"/>
+                <a:gd name="connsiteX16" fmla="*/ 124164 w 151925"/>
+                <a:gd name="connsiteY16" fmla="*/ 89534 h 106468"/>
+                <a:gd name="connsiteX17" fmla="*/ 134229 w 151925"/>
+                <a:gd name="connsiteY17" fmla="*/ 95326 h 106468"/>
+                <a:gd name="connsiteX18" fmla="*/ 151926 w 151925"/>
+                <a:gd name="connsiteY18" fmla="*/ 85098 h 106468"/>
+                <a:gd name="connsiteX19" fmla="*/ 151926 w 151925"/>
+                <a:gd name="connsiteY19" fmla="*/ 24962 h 106468"/>
+                <a:gd name="connsiteX20" fmla="*/ 134229 w 151925"/>
+                <a:gd name="connsiteY20" fmla="*/ 14730 h 106468"/>
+              </a:gdLst>
+              <a:ahLst/>
+              <a:cxnLst>
+                <a:cxn ang="0">
+                  <a:pos x="connsiteX0" y="connsiteY0"/>
+                </a:cxn>
+                <a:cxn ang="0">
+                  <a:pos x="connsiteX1" y="connsiteY1"/>
+                </a:cxn>
+                <a:cxn ang="0">
+                  <a:pos x="connsiteX2" y="connsiteY2"/>
+                </a:cxn>
+                <a:cxn ang="0">
+                  <a:pos x="connsiteX3" y="connsiteY3"/>
+                </a:cxn>
+                <a:cxn ang="0">
+                  <a:pos x="connsiteX4" y="connsiteY4"/>
+                </a:cxn>
+                <a:cxn ang="0">
+                  <a:pos x="connsiteX5" y="connsiteY5"/>
+                </a:cxn>
+                <a:cxn ang="0">
+                  <a:pos x="connsiteX6" y="connsiteY6"/>
+                </a:cxn>
+                <a:cxn ang="0">
+                  <a:pos x="connsiteX7" y="connsiteY7"/>
+                </a:cxn>
+                <a:cxn ang="0">
+                  <a:pos x="connsiteX8" y="connsiteY8"/>
+                </a:cxn>
+                <a:cxn ang="0">
+                  <a:pos x="connsiteX9" y="connsiteY9"/>
+                </a:cxn>
+                <a:cxn ang="0">
+                  <a:pos x="connsiteX10" y="connsiteY10"/>
+                </a:cxn>
+                <a:cxn ang="0">
+                  <a:pos x="connsiteX11" y="connsiteY11"/>
+                </a:cxn>
+                <a:cxn ang="0">
+                  <a:pos x="connsiteX12" y="connsiteY12"/>
+                </a:cxn>
+                <a:cxn ang="0">
+                  <a:pos x="connsiteX13" y="connsiteY13"/>
+                </a:cxn>
+                <a:cxn ang="0">
+                  <a:pos x="connsiteX14" y="connsiteY14"/>
+                </a:cxn>
+                <a:cxn ang="0">
+                  <a:pos x="connsiteX15" y="connsiteY15"/>
+                </a:cxn>
+                <a:cxn ang="0">
+                  <a:pos x="connsiteX16" y="connsiteY16"/>
+                </a:cxn>
+                <a:cxn ang="0">
+                  <a:pos x="connsiteX17" y="connsiteY17"/>
+                </a:cxn>
+                <a:cxn ang="0">
+                  <a:pos x="connsiteX18" y="connsiteY18"/>
+                </a:cxn>
+                <a:cxn ang="0">
+                  <a:pos x="connsiteX19" y="connsiteY19"/>
+                </a:cxn>
+                <a:cxn ang="0">
+                  <a:pos x="connsiteX20" y="connsiteY20"/>
+                </a:cxn>
+              </a:cxnLst>
+              <a:rect l="l" t="t" r="r" b="b"/>
+              <a:pathLst>
+                <a:path w="151925" h="106468">
+                  <a:moveTo>
+                    <a:pt x="134229" y="14730"/>
+                  </a:moveTo>
+                  <a:lnTo>
+                    <a:pt x="124164" y="20524"/>
+                  </a:lnTo>
+                  <a:lnTo>
+                    <a:pt x="106470" y="30712"/>
+                  </a:lnTo>
+                  <a:lnTo>
+                    <a:pt x="106470" y="6302"/>
+                  </a:lnTo>
+                  <a:cubicBezTo>
+                    <a:pt x="106465" y="4632"/>
+                    <a:pt x="105798" y="3033"/>
+                    <a:pt x="104618" y="1852"/>
+                  </a:cubicBezTo>
+                  <a:cubicBezTo>
+                    <a:pt x="103437" y="671"/>
+                    <a:pt x="101837" y="5"/>
+                    <a:pt x="100168" y="0"/>
+                  </a:cubicBezTo>
+                  <a:lnTo>
+                    <a:pt x="6302" y="0"/>
+                  </a:lnTo>
+                  <a:cubicBezTo>
+                    <a:pt x="4632" y="5"/>
+                    <a:pt x="3033" y="671"/>
+                    <a:pt x="1852" y="1852"/>
+                  </a:cubicBezTo>
+                  <a:cubicBezTo>
+                    <a:pt x="671" y="3033"/>
+                    <a:pt x="5" y="4632"/>
+                    <a:pt x="0" y="6302"/>
+                  </a:cubicBezTo>
+                  <a:lnTo>
+                    <a:pt x="0" y="100166"/>
+                  </a:lnTo>
+                  <a:cubicBezTo>
+                    <a:pt x="5" y="101836"/>
+                    <a:pt x="671" y="103435"/>
+                    <a:pt x="1852" y="104616"/>
+                  </a:cubicBezTo>
+                  <a:cubicBezTo>
+                    <a:pt x="3033" y="105798"/>
+                    <a:pt x="4632" y="106463"/>
+                    <a:pt x="6302" y="106468"/>
+                  </a:cubicBezTo>
+                  <a:lnTo>
+                    <a:pt x="100168" y="106468"/>
+                  </a:lnTo>
+                  <a:cubicBezTo>
+                    <a:pt x="101837" y="106463"/>
+                    <a:pt x="103437" y="105797"/>
+                    <a:pt x="104618" y="104616"/>
+                  </a:cubicBezTo>
+                  <a:cubicBezTo>
+                    <a:pt x="105798" y="103435"/>
+                    <a:pt x="106465" y="101836"/>
+                    <a:pt x="106470" y="100166"/>
+                  </a:cubicBezTo>
+                  <a:lnTo>
+                    <a:pt x="106470" y="79347"/>
+                  </a:lnTo>
+                  <a:lnTo>
+                    <a:pt x="124164" y="89534"/>
+                  </a:lnTo>
+                  <a:lnTo>
+                    <a:pt x="134229" y="95326"/>
+                  </a:lnTo>
+                  <a:cubicBezTo>
+                    <a:pt x="143962" y="100928"/>
+                    <a:pt x="151926" y="96327"/>
+                    <a:pt x="151926" y="85098"/>
+                  </a:cubicBezTo>
+                  <a:lnTo>
+                    <a:pt x="151926" y="24962"/>
+                  </a:lnTo>
+                  <a:cubicBezTo>
+                    <a:pt x="151926" y="13732"/>
+                    <a:pt x="143962" y="9128"/>
+                    <a:pt x="134229" y="14730"/>
+                  </a:cubicBezTo>
+                  <a:close/>
+                </a:path>
+              </a:pathLst>
+            </a:custGeom>
+            <a:solidFill>
+              <a:srgbClr val="495463"/>
+            </a:solidFill>
+            <a:ln w="5901" cap="flat">
+              <a:noFill/>
+              <a:prstDash val="solid"/>
+              <a:miter/>
+            </a:ln>
+          </p:spPr>
+          <p:txBody>
+            <a:bodyPr rtlCol="0" anchor="ctr"/>
+            <a:lstStyle/>
+            <a:p>
+              <a:endParaRPr lang="en-US">
+                <a:latin typeface="Segoe UI" panose="020B0502040204020203" pitchFamily="34" charset="0"/>
+                <a:ea typeface="Linux Libertine" panose="02000503000000000000" pitchFamily="2" charset="0"/>
+                <a:cs typeface="Segoe UI" panose="020B0502040204020203" pitchFamily="34" charset="0"/>
+              </a:endParaRPr>
+            </a:p>
+          </p:txBody>
+        </p:sp>
+      </p:grpSp>
+      <p:sp>
+        <p:nvSpPr>
+          <p:cNvPr id="1203" name="TextBox 1202">
+            <a:extLst>
+              <a:ext uri="{FF2B5EF4-FFF2-40B4-BE49-F238E27FC236}">
+                <a16:creationId xmlns:a16="http://schemas.microsoft.com/office/drawing/2014/main" id="{B93B3C7F-28B0-C6C8-F9C2-D53425002745}"/>
+              </a:ext>
+            </a:extLst>
+          </p:cNvPr>
+          <p:cNvSpPr txBox="1"/>
+          <p:nvPr/>
+        </p:nvSpPr>
+        <p:spPr>
+          <a:xfrm>
+            <a:off x="2493035" y="1932240"/>
+            <a:ext cx="1998890" cy="215444"/>
+          </a:xfrm>
+          <a:prstGeom prst="roundRect">
+            <a:avLst>
+              <a:gd name="adj" fmla="val 50000"/>
+            </a:avLst>
+          </a:prstGeom>
+          <a:solidFill>
+            <a:schemeClr val="bg1">
+              <a:alpha val="60000"/>
+            </a:schemeClr>
+          </a:solidFill>
+          <a:ln>
+            <a:noFill/>
+          </a:ln>
+        </p:spPr>
+        <p:txBody>
+          <a:bodyPr wrap="square" lIns="0" tIns="0" rIns="0" bIns="0" rtlCol="0" anchor="ctr" anchorCtr="0">
+            <a:noAutofit/>
+          </a:bodyPr>
+          <a:lstStyle/>
+          <a:p>
+            <a:pPr algn="ctr"/>
+            <a:r>
+              <a:rPr lang="en-US" sz="1300" b="1" dirty="0">
+                <a:latin typeface="Segoe UI Semibold" panose="020B0502040204020203" pitchFamily="34" charset="0"/>
+                <a:ea typeface="Linux Libertine" panose="02000503000000000000" pitchFamily="2" charset="0"/>
+                <a:cs typeface="Segoe UI Semibold" panose="020B0502040204020203" pitchFamily="34" charset="0"/>
+              </a:rPr>
+              <a:t>Neural Fields</a:t>
+            </a:r>
+          </a:p>
+        </p:txBody>
+      </p:sp>
+      <p:sp>
+        <p:nvSpPr>
+          <p:cNvPr id="1213" name="TextBox 1212">
+            <a:extLst>
+              <a:ext uri="{FF2B5EF4-FFF2-40B4-BE49-F238E27FC236}">
+                <a16:creationId xmlns:a16="http://schemas.microsoft.com/office/drawing/2014/main" id="{43D82B7E-F11A-03CE-EBDD-644D1BC89B97}"/>
+              </a:ext>
+            </a:extLst>
+          </p:cNvPr>
+          <p:cNvSpPr txBox="1"/>
+          <p:nvPr/>
+        </p:nvSpPr>
+        <p:spPr>
+          <a:xfrm>
+            <a:off x="2493035" y="2516644"/>
+            <a:ext cx="1998890" cy="197015"/>
+          </a:xfrm>
+          <a:prstGeom prst="roundRect">
+            <a:avLst>
+              <a:gd name="adj" fmla="val 50000"/>
+            </a:avLst>
+          </a:prstGeom>
+          <a:solidFill>
+            <a:schemeClr val="bg1">
+              <a:alpha val="60000"/>
+            </a:schemeClr>
+          </a:solidFill>
+          <a:ln>
+            <a:noFill/>
+          </a:ln>
+        </p:spPr>
+        <p:txBody>
+          <a:bodyPr wrap="square" lIns="0" tIns="0" rIns="0" bIns="0" rtlCol="0" anchor="ctr" anchorCtr="0">
+            <a:noAutofit/>
+          </a:bodyPr>
+          <a:lstStyle/>
+          <a:p>
+            <a:pPr algn="ctr"/>
+            <a:r>
+              <a:rPr lang="en-US" sz="1300" b="1" dirty="0">
+                <a:latin typeface="Segoe UI Semibold" panose="020B0502040204020203" pitchFamily="34" charset="0"/>
+                <a:ea typeface="Linux Libertine" panose="02000503000000000000" pitchFamily="2" charset="0"/>
+                <a:cs typeface="Segoe UI Semibold" panose="020B0502040204020203" pitchFamily="34" charset="0"/>
+              </a:rPr>
+              <a:t>Deep Priors</a:t>
+            </a:r>
+          </a:p>
+        </p:txBody>
+      </p:sp>
+      <p:sp>
+        <p:nvSpPr>
+          <p:cNvPr id="32" name="TextBox 31">
+            <a:extLst>
+              <a:ext uri="{FF2B5EF4-FFF2-40B4-BE49-F238E27FC236}">
+                <a16:creationId xmlns:a16="http://schemas.microsoft.com/office/drawing/2014/main" id="{873A0210-A017-A961-8D8C-0FFFA4F17D6B}"/>
+              </a:ext>
+            </a:extLst>
+          </p:cNvPr>
+          <p:cNvSpPr txBox="1"/>
+          <p:nvPr/>
+        </p:nvSpPr>
+        <p:spPr>
+          <a:xfrm>
+            <a:off x="2495540" y="2218359"/>
+            <a:ext cx="1993880" cy="215444"/>
+          </a:xfrm>
+          <a:prstGeom prst="roundRect">
+            <a:avLst>
+              <a:gd name="adj" fmla="val 50000"/>
+            </a:avLst>
+          </a:prstGeom>
+          <a:solidFill>
+            <a:schemeClr val="bg1">
+              <a:alpha val="60000"/>
+            </a:schemeClr>
+          </a:solidFill>
+          <a:ln>
+            <a:noFill/>
+          </a:ln>
+        </p:spPr>
+        <p:txBody>
+          <a:bodyPr wrap="square" lIns="0" tIns="0" rIns="0" bIns="0" rtlCol="0" anchor="ctr" anchorCtr="0">
+            <a:noAutofit/>
+          </a:bodyPr>
+          <a:lstStyle/>
+          <a:p>
+            <a:pPr algn="ctr"/>
+            <a:r>
+              <a:rPr lang="en-US" sz="1300" b="1" dirty="0">
+                <a:latin typeface="Segoe UI Semibold" panose="020B0502040204020203" pitchFamily="34" charset="0"/>
+                <a:ea typeface="Linux Libertine" panose="02000503000000000000" pitchFamily="2" charset="0"/>
+                <a:cs typeface="Segoe UI Semibold" panose="020B0502040204020203" pitchFamily="34" charset="0"/>
+              </a:rPr>
+              <a:t>Neural Rendering</a:t>
+            </a:r>
+          </a:p>
+        </p:txBody>
+      </p:sp>
+      <p:sp>
+        <p:nvSpPr>
+          <p:cNvPr id="34" name="Rectangle: Rounded Corners 1199">
+            <a:extLst>
+              <a:ext uri="{FF2B5EF4-FFF2-40B4-BE49-F238E27FC236}">
+                <a16:creationId xmlns:a16="http://schemas.microsoft.com/office/drawing/2014/main" id="{95B70D67-3037-E9AA-C320-066C268C4C91}"/>
+              </a:ext>
+            </a:extLst>
+          </p:cNvPr>
+          <p:cNvSpPr/>
+          <p:nvPr/>
+        </p:nvSpPr>
+        <p:spPr>
+          <a:xfrm>
+            <a:off x="4782614" y="242084"/>
+            <a:ext cx="2141200" cy="2564557"/>
+          </a:xfrm>
+          <a:prstGeom prst="roundRect">
+            <a:avLst>
+              <a:gd name="adj" fmla="val 8264"/>
+            </a:avLst>
+          </a:prstGeom>
+          <a:solidFill>
+            <a:schemeClr val="accent6">
+              <a:lumMod val="20000"/>
+              <a:lumOff val="80000"/>
+            </a:schemeClr>
+          </a:solidFill>
+          <a:ln>
+            <a:noFill/>
+          </a:ln>
+        </p:spPr>
+        <p:style>
+          <a:lnRef idx="2">
+            <a:schemeClr val="accent1">
+              <a:shade val="50000"/>
+            </a:schemeClr>
+          </a:lnRef>
+          <a:fillRef idx="1">
+            <a:schemeClr val="accent1"/>
+          </a:fillRef>
+          <a:effectRef idx="0">
+            <a:schemeClr val="accent1"/>
+          </a:effectRef>
+          <a:fontRef idx="minor">
+            <a:schemeClr val="lt1"/>
+          </a:fontRef>
+        </p:style>
+        <p:txBody>
+          <a:bodyPr rtlCol="0" anchor="ctr"/>
+          <a:lstStyle/>
+          <a:p>
+            <a:pPr algn="ctr"/>
+            <a:endParaRPr lang="en-US" dirty="0">
+              <a:latin typeface="Segoe UI" panose="020B0502040204020203" pitchFamily="34" charset="0"/>
+              <a:ea typeface="Linux Libertine" panose="02000503000000000000" pitchFamily="2" charset="0"/>
+              <a:cs typeface="Segoe UI" panose="020B0502040204020203" pitchFamily="34" charset="0"/>
+            </a:endParaRPr>
+          </a:p>
+        </p:txBody>
+      </p:sp>
+      <p:sp>
+        <p:nvSpPr>
+          <p:cNvPr id="35" name="TextBox 34">
+            <a:extLst>
+              <a:ext uri="{FF2B5EF4-FFF2-40B4-BE49-F238E27FC236}">
+                <a16:creationId xmlns:a16="http://schemas.microsoft.com/office/drawing/2014/main" id="{730D602D-6919-C917-1F09-1F3EFB2E7446}"/>
+              </a:ext>
+            </a:extLst>
+          </p:cNvPr>
+          <p:cNvSpPr txBox="1"/>
+          <p:nvPr/>
+        </p:nvSpPr>
+        <p:spPr>
+          <a:xfrm>
+            <a:off x="4910762" y="28637"/>
+            <a:ext cx="1884905" cy="544830"/>
+          </a:xfrm>
+          <a:prstGeom prst="roundRect">
+            <a:avLst/>
+          </a:prstGeom>
+          <a:ln/>
+        </p:spPr>
+        <p:style>
+          <a:lnRef idx="3">
+            <a:schemeClr val="lt1"/>
+          </a:lnRef>
+          <a:fillRef idx="1">
+            <a:schemeClr val="accent6"/>
+          </a:fillRef>
+          <a:effectRef idx="1">
+            <a:schemeClr val="accent6"/>
+          </a:effectRef>
+          <a:fontRef idx="minor">
+            <a:schemeClr val="lt1"/>
+          </a:fontRef>
+        </p:style>
+        <p:txBody>
+          <a:bodyPr wrap="square" lIns="0" tIns="0" rIns="0" bIns="0" rtlCol="0" anchor="ctr" anchorCtr="0">
+            <a:noAutofit/>
+          </a:bodyPr>
+          <a:lstStyle/>
+          <a:p>
+            <a:pPr algn="ctr"/>
+            <a:r>
+              <a:rPr lang="en-US" sz="1600" dirty="0">
+                <a:latin typeface="Segoe UI" panose="020B0502040204020203" pitchFamily="34" charset="0"/>
+                <a:ea typeface="Linux Libertine" panose="02000503000000000000" pitchFamily="2" charset="0"/>
+                <a:cs typeface="Segoe UI" panose="020B0502040204020203" pitchFamily="34" charset="0"/>
+              </a:rPr>
+              <a:t>Vision Systems that </a:t>
+            </a:r>
+            <a:br>
+              <a:rPr lang="en-US" sz="1600" dirty="0">
+                <a:latin typeface="Segoe UI" panose="020B0502040204020203" pitchFamily="34" charset="0"/>
+                <a:ea typeface="Linux Libertine" panose="02000503000000000000" pitchFamily="2" charset="0"/>
+                <a:cs typeface="Segoe UI" panose="020B0502040204020203" pitchFamily="34" charset="0"/>
+              </a:rPr>
+            </a:br>
+            <a:r>
+              <a:rPr lang="en-US" sz="1600" b="1" dirty="0">
+                <a:latin typeface="Segoe UI Semibold" panose="020B0502040204020203" pitchFamily="34" charset="0"/>
+                <a:ea typeface="Linux Libertine" panose="02000503000000000000" pitchFamily="2" charset="0"/>
+                <a:cs typeface="Segoe UI Semibold" panose="020B0502040204020203" pitchFamily="34" charset="0"/>
+              </a:rPr>
+              <a:t>Reveal the Invisible</a:t>
+            </a:r>
+          </a:p>
+        </p:txBody>
+      </p:sp>
+      <p:grpSp>
+        <p:nvGrpSpPr>
+          <p:cNvPr id="56" name="Group 55">
+            <a:extLst>
+              <a:ext uri="{FF2B5EF4-FFF2-40B4-BE49-F238E27FC236}">
+                <a16:creationId xmlns:a16="http://schemas.microsoft.com/office/drawing/2014/main" id="{4D565627-1B79-3599-FC6F-D281D8C5FF74}"/>
+              </a:ext>
+            </a:extLst>
+          </p:cNvPr>
+          <p:cNvGrpSpPr/>
+          <p:nvPr/>
+        </p:nvGrpSpPr>
+        <p:grpSpPr>
+          <a:xfrm>
+            <a:off x="4828958" y="622288"/>
+            <a:ext cx="2048512" cy="2103260"/>
+            <a:chOff x="5795097" y="673853"/>
+            <a:chExt cx="2048512" cy="2103260"/>
+          </a:xfrm>
+        </p:grpSpPr>
+        <p:sp>
+          <p:nvSpPr>
+            <p:cNvPr id="36" name="TextBox 35">
+              <a:extLst>
+                <a:ext uri="{FF2B5EF4-FFF2-40B4-BE49-F238E27FC236}">
+                  <a16:creationId xmlns:a16="http://schemas.microsoft.com/office/drawing/2014/main" id="{9054E8DE-8D3B-44DF-99C8-8C8C35FD1519}"/>
+                </a:ext>
+              </a:extLst>
+            </p:cNvPr>
+            <p:cNvSpPr txBox="1"/>
+            <p:nvPr/>
+          </p:nvSpPr>
+          <p:spPr>
+            <a:xfrm>
+              <a:off x="6053702" y="673853"/>
+              <a:ext cx="1538880" cy="459598"/>
+            </a:xfrm>
+            <a:prstGeom prst="rect">
+              <a:avLst/>
+            </a:prstGeom>
+            <a:noFill/>
+          </p:spPr>
+          <p:txBody>
+            <a:bodyPr wrap="square" lIns="0" tIns="0" rIns="0" bIns="0" rtlCol="0">
+              <a:noAutofit/>
+            </a:bodyPr>
+            <a:lstStyle/>
+            <a:p>
+              <a:pPr algn="ctr"/>
+              <a:r>
+                <a:rPr lang="en-US" sz="1400" dirty="0">
+                  <a:solidFill>
+                    <a:schemeClr val="accent6">
+                      <a:lumMod val="50000"/>
+                    </a:schemeClr>
+                  </a:solidFill>
+                  <a:latin typeface="Segoe UI" panose="020B0502040204020203" pitchFamily="34" charset="0"/>
+                  <a:ea typeface="Linux Libertine" panose="02000503000000000000" pitchFamily="2" charset="0"/>
+                  <a:cs typeface="Segoe UI" panose="020B0502040204020203" pitchFamily="34" charset="0"/>
+                </a:rPr>
+                <a:t>Augmented / Virtual Reality</a:t>
+              </a:r>
+            </a:p>
+          </p:txBody>
+        </p:sp>
+        <p:sp>
+          <p:nvSpPr>
+            <p:cNvPr id="37" name="TextBox 36">
+              <a:extLst>
+                <a:ext uri="{FF2B5EF4-FFF2-40B4-BE49-F238E27FC236}">
+                  <a16:creationId xmlns:a16="http://schemas.microsoft.com/office/drawing/2014/main" id="{DA756A16-4C4F-0208-FA2E-826A7CA6EF2C}"/>
+                </a:ext>
+              </a:extLst>
+            </p:cNvPr>
+            <p:cNvSpPr txBox="1"/>
+            <p:nvPr/>
+          </p:nvSpPr>
+          <p:spPr>
+            <a:xfrm>
+              <a:off x="5828958" y="1130778"/>
+              <a:ext cx="1988368" cy="212334"/>
+            </a:xfrm>
+            <a:prstGeom prst="roundRect">
+              <a:avLst>
+                <a:gd name="adj" fmla="val 50000"/>
+              </a:avLst>
+            </a:prstGeom>
+            <a:solidFill>
+              <a:schemeClr val="bg1">
+                <a:alpha val="60000"/>
+              </a:schemeClr>
+            </a:solidFill>
+          </p:spPr>
+          <p:txBody>
+            <a:bodyPr wrap="square" lIns="0" tIns="0" rIns="0" bIns="0" rtlCol="0" anchor="ctr" anchorCtr="0">
+              <a:noAutofit/>
+            </a:bodyPr>
+            <a:lstStyle/>
+            <a:p>
+              <a:pPr algn="ctr"/>
+              <a:r>
+                <a:rPr lang="en-US" sz="1300" b="1" dirty="0">
+                  <a:latin typeface="Segoe UI Semibold" panose="020B0502040204020203" pitchFamily="34" charset="0"/>
+                  <a:ea typeface="Linux Libertine" panose="02000503000000000000" pitchFamily="2" charset="0"/>
+                  <a:cs typeface="Segoe UI Semibold" panose="020B0502040204020203" pitchFamily="34" charset="0"/>
+                </a:rPr>
+                <a:t>3D Shape &amp; Appearance</a:t>
+              </a:r>
+            </a:p>
+          </p:txBody>
+        </p:sp>
+        <p:sp>
+          <p:nvSpPr>
+            <p:cNvPr id="41" name="TextBox 40">
+              <a:extLst>
+                <a:ext uri="{FF2B5EF4-FFF2-40B4-BE49-F238E27FC236}">
+                  <a16:creationId xmlns:a16="http://schemas.microsoft.com/office/drawing/2014/main" id="{49E5E55A-8581-EECF-1764-B1520DC637D3}"/>
+                </a:ext>
+              </a:extLst>
+            </p:cNvPr>
+            <p:cNvSpPr txBox="1"/>
+            <p:nvPr/>
+          </p:nvSpPr>
+          <p:spPr>
+            <a:xfrm>
+              <a:off x="5795097" y="1546711"/>
+              <a:ext cx="2048512" cy="222193"/>
+            </a:xfrm>
+            <a:prstGeom prst="rect">
+              <a:avLst/>
+            </a:prstGeom>
+            <a:noFill/>
+          </p:spPr>
+          <p:txBody>
+            <a:bodyPr wrap="square" lIns="0" tIns="0" rIns="0" bIns="0" rtlCol="0">
+              <a:noAutofit/>
+            </a:bodyPr>
+            <a:lstStyle/>
+            <a:p>
+              <a:pPr algn="ctr"/>
+              <a:endParaRPr lang="en-US" sz="1400" dirty="0">
+                <a:latin typeface="Segoe UI" panose="020B0502040204020203" pitchFamily="34" charset="0"/>
+                <a:ea typeface="Linux Libertine" panose="02000503000000000000" pitchFamily="2" charset="0"/>
+                <a:cs typeface="Segoe UI" panose="020B0502040204020203" pitchFamily="34" charset="0"/>
+              </a:endParaRPr>
+            </a:p>
+          </p:txBody>
+        </p:sp>
+        <p:sp>
+          <p:nvSpPr>
+            <p:cNvPr id="48" name="TextBox 47">
+              <a:extLst>
+                <a:ext uri="{FF2B5EF4-FFF2-40B4-BE49-F238E27FC236}">
+                  <a16:creationId xmlns:a16="http://schemas.microsoft.com/office/drawing/2014/main" id="{75302DE9-4B3C-6862-E84B-115F4F48260B}"/>
+                </a:ext>
+              </a:extLst>
+            </p:cNvPr>
+            <p:cNvSpPr txBox="1"/>
+            <p:nvPr/>
+          </p:nvSpPr>
+          <p:spPr>
+            <a:xfrm>
+              <a:off x="6053702" y="1490322"/>
+              <a:ext cx="1538880" cy="489426"/>
+            </a:xfrm>
+            <a:prstGeom prst="rect">
+              <a:avLst/>
+            </a:prstGeom>
+            <a:noFill/>
+          </p:spPr>
+          <p:txBody>
+            <a:bodyPr wrap="square" lIns="0" tIns="0" rIns="0" bIns="0" rtlCol="0">
+              <a:noAutofit/>
+            </a:bodyPr>
+            <a:lstStyle/>
+            <a:p>
+              <a:pPr algn="ctr"/>
+              <a:r>
+                <a:rPr lang="en-US" sz="1400" dirty="0">
+                  <a:solidFill>
+                    <a:schemeClr val="accent6">
+                      <a:lumMod val="50000"/>
+                    </a:schemeClr>
+                  </a:solidFill>
+                  <a:latin typeface="Segoe UI" panose="020B0502040204020203" pitchFamily="34" charset="0"/>
+                  <a:ea typeface="Linux Libertine" panose="02000503000000000000" pitchFamily="2" charset="0"/>
+                  <a:cs typeface="Segoe UI" panose="020B0502040204020203" pitchFamily="34" charset="0"/>
+                </a:rPr>
+                <a:t>Automotive and Robotics Vision</a:t>
+              </a:r>
+            </a:p>
+          </p:txBody>
+        </p:sp>
+        <p:sp>
+          <p:nvSpPr>
+            <p:cNvPr id="49" name="TextBox 48">
+              <a:extLst>
+                <a:ext uri="{FF2B5EF4-FFF2-40B4-BE49-F238E27FC236}">
+                  <a16:creationId xmlns:a16="http://schemas.microsoft.com/office/drawing/2014/main" id="{E2A42F50-73FE-4DA0-673C-4A32DFC9DE07}"/>
+                </a:ext>
+              </a:extLst>
+            </p:cNvPr>
+            <p:cNvSpPr txBox="1"/>
+            <p:nvPr/>
+          </p:nvSpPr>
+          <p:spPr>
+            <a:xfrm>
+              <a:off x="5832411" y="1941612"/>
+              <a:ext cx="1981463" cy="222194"/>
+            </a:xfrm>
+            <a:prstGeom prst="roundRect">
+              <a:avLst>
+                <a:gd name="adj" fmla="val 50000"/>
+              </a:avLst>
+            </a:prstGeom>
+            <a:solidFill>
+              <a:schemeClr val="bg1">
+                <a:alpha val="60000"/>
+              </a:schemeClr>
+            </a:solidFill>
+          </p:spPr>
+          <p:txBody>
+            <a:bodyPr wrap="square" lIns="0" tIns="0" rIns="0" bIns="0" rtlCol="0" anchor="ctr" anchorCtr="0">
+              <a:noAutofit/>
+            </a:bodyPr>
+            <a:lstStyle/>
+            <a:p>
+              <a:pPr algn="ctr"/>
+              <a:r>
+                <a:rPr lang="en-US" sz="1300" b="1" dirty="0">
+                  <a:latin typeface="Segoe UI Semibold" panose="020B0502040204020203" pitchFamily="34" charset="0"/>
+                  <a:ea typeface="Linux Libertine" panose="02000503000000000000" pitchFamily="2" charset="0"/>
+                  <a:cs typeface="Segoe UI Semibold" panose="020B0502040204020203" pitchFamily="34" charset="0"/>
+                </a:rPr>
+                <a:t>Seeing Around Corners</a:t>
+              </a:r>
+            </a:p>
+          </p:txBody>
+        </p:sp>
+        <p:sp>
+          <p:nvSpPr>
+            <p:cNvPr id="50" name="TextBox 49">
+              <a:extLst>
+                <a:ext uri="{FF2B5EF4-FFF2-40B4-BE49-F238E27FC236}">
+                  <a16:creationId xmlns:a16="http://schemas.microsoft.com/office/drawing/2014/main" id="{B418A7EB-3C9F-85FE-2A38-0875386D41AD}"/>
+                </a:ext>
+              </a:extLst>
+            </p:cNvPr>
+            <p:cNvSpPr txBox="1"/>
+            <p:nvPr/>
+          </p:nvSpPr>
+          <p:spPr>
+            <a:xfrm>
+              <a:off x="6053702" y="2318950"/>
+              <a:ext cx="1538880" cy="221756"/>
+            </a:xfrm>
+            <a:prstGeom prst="rect">
+              <a:avLst/>
+            </a:prstGeom>
+            <a:noFill/>
+          </p:spPr>
+          <p:txBody>
+            <a:bodyPr wrap="square" lIns="0" tIns="0" rIns="0" bIns="0" rtlCol="0">
+              <a:noAutofit/>
+            </a:bodyPr>
+            <a:lstStyle/>
+            <a:p>
+              <a:pPr algn="ctr"/>
+              <a:r>
+                <a:rPr lang="en-US" sz="1400" dirty="0">
+                  <a:solidFill>
+                    <a:schemeClr val="accent6">
+                      <a:lumMod val="50000"/>
+                    </a:schemeClr>
+                  </a:solidFill>
+                  <a:latin typeface="Segoe UI" panose="020B0502040204020203" pitchFamily="34" charset="0"/>
+                  <a:ea typeface="Linux Libertine" panose="02000503000000000000" pitchFamily="2" charset="0"/>
+                  <a:cs typeface="Segoe UI" panose="020B0502040204020203" pitchFamily="34" charset="0"/>
+                </a:rPr>
+                <a:t>Industrial Vision</a:t>
+              </a:r>
+            </a:p>
+          </p:txBody>
+        </p:sp>
+        <p:sp>
+          <p:nvSpPr>
+            <p:cNvPr id="51" name="TextBox 50">
+              <a:extLst>
+                <a:ext uri="{FF2B5EF4-FFF2-40B4-BE49-F238E27FC236}">
+                  <a16:creationId xmlns:a16="http://schemas.microsoft.com/office/drawing/2014/main" id="{441E22D4-E2C3-2CEE-B392-1331DD0C0205}"/>
+                </a:ext>
+              </a:extLst>
+            </p:cNvPr>
+            <p:cNvSpPr txBox="1"/>
+            <p:nvPr/>
+          </p:nvSpPr>
+          <p:spPr>
+            <a:xfrm>
+              <a:off x="5832411" y="2554919"/>
+              <a:ext cx="1981463" cy="222194"/>
+            </a:xfrm>
+            <a:prstGeom prst="roundRect">
+              <a:avLst>
+                <a:gd name="adj" fmla="val 50000"/>
+              </a:avLst>
+            </a:prstGeom>
+            <a:solidFill>
+              <a:schemeClr val="bg1">
+                <a:alpha val="60000"/>
+              </a:schemeClr>
+            </a:solidFill>
+          </p:spPr>
+          <p:txBody>
+            <a:bodyPr wrap="square" lIns="0" tIns="0" rIns="0" bIns="0" rtlCol="0" anchor="ctr" anchorCtr="0">
+              <a:noAutofit/>
+            </a:bodyPr>
+            <a:lstStyle/>
+            <a:p>
+              <a:pPr algn="ctr"/>
+              <a:r>
+                <a:rPr lang="en-US" sz="1300" b="1" dirty="0">
+                  <a:latin typeface="Segoe UI Semibold" panose="020B0502040204020203" pitchFamily="34" charset="0"/>
+                  <a:ea typeface="Linux Libertine" panose="02000503000000000000" pitchFamily="2" charset="0"/>
+                  <a:cs typeface="Segoe UI Semibold" panose="020B0502040204020203" pitchFamily="34" charset="0"/>
+                </a:rPr>
+                <a:t>Internal Stress Analysis</a:t>
+              </a:r>
+            </a:p>
+          </p:txBody>
+        </p:sp>
       </p:grpSp>
     </p:spTree>
     <p:extLst>
